--- a/EDAWorkshop-03.pptx
+++ b/EDAWorkshop-03.pptx
@@ -6,7 +6,7 @@
     <p:sldMasterId id="2147483658" r:id="rId2"/>
   </p:sldMasterIdLst>
   <p:notesMasterIdLst>
-    <p:notesMasterId r:id="rId66"/>
+    <p:notesMasterId r:id="rId65"/>
   </p:notesMasterIdLst>
   <p:sldIdLst>
     <p:sldId id="257" r:id="rId3"/>
@@ -63,15 +63,14 @@
     <p:sldId id="355" r:id="rId54"/>
     <p:sldId id="356" r:id="rId55"/>
     <p:sldId id="357" r:id="rId56"/>
-    <p:sldId id="358" r:id="rId57"/>
-    <p:sldId id="359" r:id="rId58"/>
-    <p:sldId id="360" r:id="rId59"/>
-    <p:sldId id="361" r:id="rId60"/>
-    <p:sldId id="362" r:id="rId61"/>
-    <p:sldId id="363" r:id="rId62"/>
-    <p:sldId id="364" r:id="rId63"/>
-    <p:sldId id="365" r:id="rId64"/>
-    <p:sldId id="366" r:id="rId65"/>
+    <p:sldId id="362" r:id="rId57"/>
+    <p:sldId id="363" r:id="rId58"/>
+    <p:sldId id="364" r:id="rId59"/>
+    <p:sldId id="366" r:id="rId60"/>
+    <p:sldId id="365" r:id="rId61"/>
+    <p:sldId id="358" r:id="rId62"/>
+    <p:sldId id="359" r:id="rId63"/>
+    <p:sldId id="361" r:id="rId64"/>
   </p:sldIdLst>
   <p:sldSz cx="12192000" cy="6858000"/>
   <p:notesSz cx="6858000" cy="9144000"/>
@@ -233,15 +232,14 @@
             <p14:sldId id="355"/>
             <p14:sldId id="356"/>
             <p14:sldId id="357"/>
-            <p14:sldId id="358"/>
-            <p14:sldId id="359"/>
-            <p14:sldId id="360"/>
-            <p14:sldId id="361"/>
             <p14:sldId id="362"/>
             <p14:sldId id="363"/>
             <p14:sldId id="364"/>
+            <p14:sldId id="366"/>
             <p14:sldId id="365"/>
-            <p14:sldId id="366"/>
+            <p14:sldId id="358"/>
+            <p14:sldId id="359"/>
+            <p14:sldId id="361"/>
           </p14:sldIdLst>
         </p14:section>
       </p14:sectionLst>
@@ -335,7 +333,7 @@
           <a:p>
             <a:fld id="{F54EF023-A732-4A4E-A8FB-240F3D1FABBB}" type="datetimeFigureOut">
               <a:rPr lang="en-US" smtClean="0"/>
-              <a:t>7/30/2023</a:t>
+              <a:t>8/4/2023</a:t>
             </a:fld>
             <a:endParaRPr lang="en-US"/>
           </a:p>
@@ -5526,7 +5524,32 @@
           <a:bodyPr/>
           <a:lstStyle/>
           <a:p>
-            <a:endParaRPr lang="en-US" dirty="0"/>
+            <a:r>
+              <a:rPr lang="en-US" b="1" u="sng" dirty="0"/>
+              <a:t>Order Placement</a:t>
+            </a:r>
+            <a:endParaRPr lang="en-US" b="0" u="none" dirty="0"/>
+          </a:p>
+          <a:p>
+            <a:pPr marL="171450" indent="-171450">
+              <a:buFont typeface="Arial" panose="020B0604020202020204" pitchFamily="34" charset="0"/>
+              <a:buChar char="•"/>
+            </a:pPr>
+            <a:r>
+              <a:rPr lang="en-US" b="0" u="none" dirty="0"/>
+              <a:t>When a customer places an order on the e-commerce platform, the Order Service receives the order details and creates an “Order Placed” event.</a:t>
+            </a:r>
+          </a:p>
+          <a:p>
+            <a:pPr marL="171450" indent="-171450">
+              <a:buFont typeface="Arial" panose="020B0604020202020204" pitchFamily="34" charset="0"/>
+              <a:buChar char="•"/>
+            </a:pPr>
+            <a:r>
+              <a:rPr lang="en-US" b="0" u="none" dirty="0"/>
+              <a:t>The Order Management service publishes this event to the Azure Event Hub topic dedicated to order events</a:t>
+            </a:r>
+            <a:endParaRPr lang="en-US" b="1" u="sng" dirty="0"/>
           </a:p>
         </p:txBody>
       </p:sp>
@@ -5556,7 +5579,7 @@
     </p:spTree>
     <p:extLst>
       <p:ext uri="{BB962C8B-B14F-4D97-AF65-F5344CB8AC3E}">
-        <p14:creationId xmlns:p14="http://schemas.microsoft.com/office/powerpoint/2010/main" val="1654916421"/>
+        <p14:creationId xmlns:p14="http://schemas.microsoft.com/office/powerpoint/2010/main" val="2657829572"/>
       </p:ext>
     </p:extLst>
   </p:cSld>
@@ -5610,7 +5633,32 @@
           <a:bodyPr/>
           <a:lstStyle/>
           <a:p>
-            <a:endParaRPr lang="en-US" dirty="0"/>
+            <a:r>
+              <a:rPr lang="en-US" b="1" u="sng" dirty="0"/>
+              <a:t>Order Placement</a:t>
+            </a:r>
+            <a:endParaRPr lang="en-US" b="0" u="none" dirty="0"/>
+          </a:p>
+          <a:p>
+            <a:pPr marL="171450" indent="-171450">
+              <a:buFont typeface="Arial" panose="020B0604020202020204" pitchFamily="34" charset="0"/>
+              <a:buChar char="•"/>
+            </a:pPr>
+            <a:r>
+              <a:rPr lang="en-US" b="0" u="none" dirty="0"/>
+              <a:t>When a customer places an order on the e-commerce platform, the Order Service receives the order details and creates an “Order Placed” event.</a:t>
+            </a:r>
+          </a:p>
+          <a:p>
+            <a:pPr marL="171450" indent="-171450">
+              <a:buFont typeface="Arial" panose="020B0604020202020204" pitchFamily="34" charset="0"/>
+              <a:buChar char="•"/>
+            </a:pPr>
+            <a:r>
+              <a:rPr lang="en-US" b="0" u="none" dirty="0"/>
+              <a:t>The Order Management service publishes this event to the Azure Event Hub topic dedicated to order events</a:t>
+            </a:r>
+            <a:endParaRPr lang="en-US" b="1" u="sng" dirty="0"/>
           </a:p>
         </p:txBody>
       </p:sp>
@@ -5640,7 +5688,7 @@
     </p:spTree>
     <p:extLst>
       <p:ext uri="{BB962C8B-B14F-4D97-AF65-F5344CB8AC3E}">
-        <p14:creationId xmlns:p14="http://schemas.microsoft.com/office/powerpoint/2010/main" val="3616706252"/>
+        <p14:creationId xmlns:p14="http://schemas.microsoft.com/office/powerpoint/2010/main" val="3505232739"/>
       </p:ext>
     </p:extLst>
   </p:cSld>
@@ -5695,9 +5743,31 @@
           <a:lstStyle/>
           <a:p>
             <a:r>
-              <a:rPr lang="en-US" dirty="0"/>
-              <a:t>In this scenario, we have an e-commerce platform that consists of multiple microservices, each responsible for a specific functionality.  We want to design an event-driven architecture using Azure Event Hubs to handle order processing efficiently and decouple the different services.</a:t>
-            </a:r>
+              <a:rPr lang="en-US" b="1" u="sng" dirty="0"/>
+              <a:t>Order Placement</a:t>
+            </a:r>
+            <a:endParaRPr lang="en-US" b="0" u="none" dirty="0"/>
+          </a:p>
+          <a:p>
+            <a:pPr marL="171450" indent="-171450">
+              <a:buFont typeface="Arial" panose="020B0604020202020204" pitchFamily="34" charset="0"/>
+              <a:buChar char="•"/>
+            </a:pPr>
+            <a:r>
+              <a:rPr lang="en-US" b="0" u="none" dirty="0"/>
+              <a:t>When a customer places an order on the e-commerce platform, the Order Service receives the order details and creates an “Order Placed” event.</a:t>
+            </a:r>
+          </a:p>
+          <a:p>
+            <a:pPr marL="171450" indent="-171450">
+              <a:buFont typeface="Arial" panose="020B0604020202020204" pitchFamily="34" charset="0"/>
+              <a:buChar char="•"/>
+            </a:pPr>
+            <a:r>
+              <a:rPr lang="en-US" b="0" u="none" dirty="0"/>
+              <a:t>The Order Management service publishes this event to the Azure Event Hub topic dedicated to order events</a:t>
+            </a:r>
+            <a:endParaRPr lang="en-US" b="1" u="sng" dirty="0"/>
           </a:p>
         </p:txBody>
       </p:sp>
@@ -5727,7 +5797,7 @@
     </p:spTree>
     <p:extLst>
       <p:ext uri="{BB962C8B-B14F-4D97-AF65-F5344CB8AC3E}">
-        <p14:creationId xmlns:p14="http://schemas.microsoft.com/office/powerpoint/2010/main" val="2151999974"/>
+        <p14:creationId xmlns:p14="http://schemas.microsoft.com/office/powerpoint/2010/main" val="159907961"/>
       </p:ext>
     </p:extLst>
   </p:cSld>
@@ -5782,12 +5852,10 @@
           <a:lstStyle/>
           <a:p>
             <a:r>
-              <a:rPr lang="en-US" dirty="0"/>
-              <a:t>Microservices in the solution:</a:t>
-            </a:r>
-          </a:p>
-          <a:p>
-            <a:endParaRPr lang="en-US" dirty="0"/>
+              <a:rPr lang="en-US" b="1" u="sng" dirty="0"/>
+              <a:t>Order Placement</a:t>
+            </a:r>
+            <a:endParaRPr lang="en-US" b="0" u="none" dirty="0"/>
           </a:p>
           <a:p>
             <a:pPr marL="171450" indent="-171450">
@@ -5795,12 +5863,8 @@
               <a:buChar char="•"/>
             </a:pPr>
             <a:r>
-              <a:rPr lang="en-US" b="1" dirty="0"/>
-              <a:t>Product Management:</a:t>
-            </a:r>
-            <a:r>
-              <a:rPr lang="en-US" dirty="0"/>
-              <a:t> Responsible for managing product information</a:t>
+              <a:rPr lang="en-US" b="0" u="none" dirty="0"/>
+              <a:t>When a customer places an order on the e-commerce platform, the Order Service receives the order details and creates an “Order Placed” event.</a:t>
             </a:r>
           </a:p>
           <a:p>
@@ -5809,55 +5873,10 @@
               <a:buChar char="•"/>
             </a:pPr>
             <a:r>
-              <a:rPr lang="en-US" b="1" dirty="0"/>
-              <a:t>Order Management:</a:t>
-            </a:r>
-            <a:r>
-              <a:rPr lang="en-US" dirty="0"/>
-              <a:t> Handles order placement and processing</a:t>
-            </a:r>
-          </a:p>
-          <a:p>
-            <a:pPr marL="171450" indent="-171450">
-              <a:buFont typeface="Arial" panose="020B0604020202020204" pitchFamily="34" charset="0"/>
-              <a:buChar char="•"/>
-            </a:pPr>
-            <a:r>
-              <a:rPr lang="en-US" b="1" dirty="0"/>
-              <a:t>Inventory Management:</a:t>
-            </a:r>
-            <a:r>
-              <a:rPr lang="en-US" dirty="0"/>
-              <a:t> Manages product inventory levels.</a:t>
-            </a:r>
-          </a:p>
-          <a:p>
-            <a:pPr marL="171450" indent="-171450">
-              <a:buFont typeface="Arial" panose="020B0604020202020204" pitchFamily="34" charset="0"/>
-              <a:buChar char="•"/>
-            </a:pPr>
-            <a:r>
-              <a:rPr lang="en-US" b="1" dirty="0"/>
-              <a:t>Shipping Management:</a:t>
-            </a:r>
-            <a:r>
-              <a:rPr lang="en-US" dirty="0"/>
-              <a:t> Handles order shipping and tracking.</a:t>
-            </a:r>
-          </a:p>
-          <a:p>
-            <a:pPr marL="171450" indent="-171450">
-              <a:buFont typeface="Arial" panose="020B0604020202020204" pitchFamily="34" charset="0"/>
-              <a:buChar char="•"/>
-            </a:pPr>
-            <a:r>
-              <a:rPr lang="en-US" b="1" dirty="0"/>
-              <a:t>Notification Management:</a:t>
-            </a:r>
-            <a:r>
-              <a:rPr lang="en-US" dirty="0"/>
-              <a:t> Sends order confirmation and status updates to customers.</a:t>
-            </a:r>
+              <a:rPr lang="en-US" b="0" u="none" dirty="0"/>
+              <a:t>The Order Management service publishes this event to the Azure Event Hub topic dedicated to order events</a:t>
+            </a:r>
+            <a:endParaRPr lang="en-US" b="1" u="sng" dirty="0"/>
           </a:p>
         </p:txBody>
       </p:sp>
@@ -5887,7 +5906,7 @@
     </p:spTree>
     <p:extLst>
       <p:ext uri="{BB962C8B-B14F-4D97-AF65-F5344CB8AC3E}">
-        <p14:creationId xmlns:p14="http://schemas.microsoft.com/office/powerpoint/2010/main" val="3002560910"/>
+        <p14:creationId xmlns:p14="http://schemas.microsoft.com/office/powerpoint/2010/main" val="841187094"/>
       </p:ext>
     </p:extLst>
   </p:cSld>
@@ -5996,7 +6015,7 @@
     </p:spTree>
     <p:extLst>
       <p:ext uri="{BB962C8B-B14F-4D97-AF65-F5344CB8AC3E}">
-        <p14:creationId xmlns:p14="http://schemas.microsoft.com/office/powerpoint/2010/main" val="2657829572"/>
+        <p14:creationId xmlns:p14="http://schemas.microsoft.com/office/powerpoint/2010/main" val="2352422072"/>
       </p:ext>
     </p:extLst>
   </p:cSld>
@@ -6050,41 +6069,7 @@
           <a:bodyPr/>
           <a:lstStyle/>
           <a:p>
-            <a:r>
-              <a:rPr lang="en-US" b="1" u="sng" dirty="0"/>
-              <a:t>Inventory Update</a:t>
-            </a:r>
-            <a:endParaRPr lang="en-US" b="0" u="none" dirty="0"/>
-          </a:p>
-          <a:p>
-            <a:pPr marL="171450" indent="-171450">
-              <a:buFont typeface="Arial" panose="020B0604020202020204" pitchFamily="34" charset="0"/>
-              <a:buChar char="•"/>
-            </a:pPr>
-            <a:r>
-              <a:rPr lang="en-US" b="0" u="none" dirty="0"/>
-              <a:t>The Inventory Management service subscribes to the Azure Event Hub topic for order events.</a:t>
-            </a:r>
-          </a:p>
-          <a:p>
-            <a:pPr marL="171450" indent="-171450">
-              <a:buFont typeface="Arial" panose="020B0604020202020204" pitchFamily="34" charset="0"/>
-              <a:buChar char="•"/>
-            </a:pPr>
-            <a:r>
-              <a:rPr lang="en-US" b="0" u="none" dirty="0"/>
-              <a:t>When an “Order Placed” event is received, the Inventory Management service checks the availability of products and updates the inventory accordingly.</a:t>
-            </a:r>
-          </a:p>
-          <a:p>
-            <a:pPr marL="171450" indent="-171450">
-              <a:buFont typeface="Arial" panose="020B0604020202020204" pitchFamily="34" charset="0"/>
-              <a:buChar char="•"/>
-            </a:pPr>
-            <a:r>
-              <a:rPr lang="en-US" b="0" u="none" dirty="0"/>
-              <a:t>If the inventory is sufficient, the Inventory Management service generates an “Inventory Updated” event and publishes it to the Event Hub.</a:t>
-            </a:r>
+            <a:endParaRPr lang="en-US" dirty="0"/>
           </a:p>
         </p:txBody>
       </p:sp>
@@ -6114,7 +6099,7 @@
     </p:spTree>
     <p:extLst>
       <p:ext uri="{BB962C8B-B14F-4D97-AF65-F5344CB8AC3E}">
-        <p14:creationId xmlns:p14="http://schemas.microsoft.com/office/powerpoint/2010/main" val="2103047115"/>
+        <p14:creationId xmlns:p14="http://schemas.microsoft.com/office/powerpoint/2010/main" val="1654916421"/>
       </p:ext>
     </p:extLst>
   </p:cSld>
@@ -6168,41 +6153,7 @@
           <a:bodyPr/>
           <a:lstStyle/>
           <a:p>
-            <a:r>
-              <a:rPr lang="en-US" b="1" u="sng" dirty="0"/>
-              <a:t>Product Information Update</a:t>
-            </a:r>
-            <a:endParaRPr lang="en-US" b="0" u="none" dirty="0"/>
-          </a:p>
-          <a:p>
-            <a:pPr marL="171450" indent="-171450">
-              <a:buFont typeface="Arial" panose="020B0604020202020204" pitchFamily="34" charset="0"/>
-              <a:buChar char="•"/>
-            </a:pPr>
-            <a:r>
-              <a:rPr lang="en-US" b="0" u="none" dirty="0"/>
-              <a:t>The Product Management service subscribes to the Azure Event Hub topic for order events.</a:t>
-            </a:r>
-          </a:p>
-          <a:p>
-            <a:pPr marL="171450" indent="-171450">
-              <a:buFont typeface="Arial" panose="020B0604020202020204" pitchFamily="34" charset="0"/>
-              <a:buChar char="•"/>
-            </a:pPr>
-            <a:r>
-              <a:rPr lang="en-US" b="0" u="none" dirty="0"/>
-              <a:t>Upon receiving an “Order Placed” event, the Product Management service may decide to update product-related information, such as popularity or stock status</a:t>
-            </a:r>
-          </a:p>
-          <a:p>
-            <a:pPr marL="171450" indent="-171450">
-              <a:buFont typeface="Arial" panose="020B0604020202020204" pitchFamily="34" charset="0"/>
-              <a:buChar char="•"/>
-            </a:pPr>
-            <a:r>
-              <a:rPr lang="en-US" b="0" u="none" dirty="0"/>
-              <a:t>The Product Management service generates an “Product Info Updated” event and publishes it to the Event Hub if required</a:t>
-            </a:r>
+            <a:endParaRPr lang="en-US" dirty="0"/>
           </a:p>
         </p:txBody>
       </p:sp>
@@ -6232,7 +6183,7 @@
     </p:spTree>
     <p:extLst>
       <p:ext uri="{BB962C8B-B14F-4D97-AF65-F5344CB8AC3E}">
-        <p14:creationId xmlns:p14="http://schemas.microsoft.com/office/powerpoint/2010/main" val="563037185"/>
+        <p14:creationId xmlns:p14="http://schemas.microsoft.com/office/powerpoint/2010/main" val="3616706252"/>
       </p:ext>
     </p:extLst>
   </p:cSld>
@@ -6287,10 +6238,12 @@
           <a:lstStyle/>
           <a:p>
             <a:r>
-              <a:rPr lang="en-US" b="1" u="sng" dirty="0"/>
-              <a:t>Order Fulfillment and Shipping</a:t>
-            </a:r>
-            <a:endParaRPr lang="en-US" b="0" u="none" dirty="0"/>
+              <a:rPr lang="en-US" dirty="0"/>
+              <a:t>Microservices in the solution:</a:t>
+            </a:r>
+          </a:p>
+          <a:p>
+            <a:endParaRPr lang="en-US" dirty="0"/>
           </a:p>
           <a:p>
             <a:pPr marL="171450" indent="-171450">
@@ -6298,8 +6251,12 @@
               <a:buChar char="•"/>
             </a:pPr>
             <a:r>
-              <a:rPr lang="en-US" b="0" u="none" dirty="0"/>
-              <a:t>The Order Management service listens to the Azure Event Hub topic for order events, including “Inventory Updated” and “Product Info Updated” events</a:t>
+              <a:rPr lang="en-US" b="1" dirty="0"/>
+              <a:t>Product Management:</a:t>
+            </a:r>
+            <a:r>
+              <a:rPr lang="en-US" dirty="0"/>
+              <a:t> Responsible for managing product information</a:t>
             </a:r>
           </a:p>
           <a:p>
@@ -6308,8 +6265,12 @@
               <a:buChar char="•"/>
             </a:pPr>
             <a:r>
-              <a:rPr lang="en-US" b="0" u="none" dirty="0"/>
-              <a:t>When all necessary information is available, the Order Service proceeds with order fulfillment, and if applicable, initiates the shipping process</a:t>
+              <a:rPr lang="en-US" b="1" dirty="0"/>
+              <a:t>Order Management:</a:t>
+            </a:r>
+            <a:r>
+              <a:rPr lang="en-US" dirty="0"/>
+              <a:t> Handles order placement and processing</a:t>
             </a:r>
           </a:p>
           <a:p>
@@ -6318,8 +6279,40 @@
               <a:buChar char="•"/>
             </a:pPr>
             <a:r>
-              <a:rPr lang="en-US" b="0" u="none" dirty="0"/>
-              <a:t>The Order Service publishes an “Order Fulfilled” event to the Event Hub</a:t>
+              <a:rPr lang="en-US" b="1" dirty="0"/>
+              <a:t>Inventory Management:</a:t>
+            </a:r>
+            <a:r>
+              <a:rPr lang="en-US" dirty="0"/>
+              <a:t> Manages product inventory levels.</a:t>
+            </a:r>
+          </a:p>
+          <a:p>
+            <a:pPr marL="171450" indent="-171450">
+              <a:buFont typeface="Arial" panose="020B0604020202020204" pitchFamily="34" charset="0"/>
+              <a:buChar char="•"/>
+            </a:pPr>
+            <a:r>
+              <a:rPr lang="en-US" b="1" dirty="0"/>
+              <a:t>Shipping Management:</a:t>
+            </a:r>
+            <a:r>
+              <a:rPr lang="en-US" dirty="0"/>
+              <a:t> Handles order shipping and tracking.</a:t>
+            </a:r>
+          </a:p>
+          <a:p>
+            <a:pPr marL="171450" indent="-171450">
+              <a:buFont typeface="Arial" panose="020B0604020202020204" pitchFamily="34" charset="0"/>
+              <a:buChar char="•"/>
+            </a:pPr>
+            <a:r>
+              <a:rPr lang="en-US" b="1" dirty="0"/>
+              <a:t>Notification Management:</a:t>
+            </a:r>
+            <a:r>
+              <a:rPr lang="en-US" dirty="0"/>
+              <a:t> Sends order confirmation and status updates to customers.</a:t>
             </a:r>
           </a:p>
         </p:txBody>
@@ -6350,7 +6343,7 @@
     </p:spTree>
     <p:extLst>
       <p:ext uri="{BB962C8B-B14F-4D97-AF65-F5344CB8AC3E}">
-        <p14:creationId xmlns:p14="http://schemas.microsoft.com/office/powerpoint/2010/main" val="3290117844"/>
+        <p14:creationId xmlns:p14="http://schemas.microsoft.com/office/powerpoint/2010/main" val="3002560910"/>
       </p:ext>
     </p:extLst>
   </p:cSld>
@@ -6443,119 +6436,6 @@
     <p:extLst>
       <p:ext uri="{BB962C8B-B14F-4D97-AF65-F5344CB8AC3E}">
         <p14:creationId xmlns:p14="http://schemas.microsoft.com/office/powerpoint/2010/main" val="3828349327"/>
-      </p:ext>
-    </p:extLst>
-  </p:cSld>
-  <p:clrMapOvr>
-    <a:masterClrMapping/>
-  </p:clrMapOvr>
-</p:notes>
-</file>
-
-<file path=ppt/notesSlides/notesSlide60.xml><?xml version="1.0" encoding="utf-8"?>
-<p:notes xmlns:a="http://schemas.openxmlformats.org/drawingml/2006/main" xmlns:r="http://schemas.openxmlformats.org/officeDocument/2006/relationships" xmlns:p="http://schemas.openxmlformats.org/presentationml/2006/main">
-  <p:cSld>
-    <p:spTree>
-      <p:nvGrpSpPr>
-        <p:cNvPr id="1" name=""/>
-        <p:cNvGrpSpPr/>
-        <p:nvPr/>
-      </p:nvGrpSpPr>
-      <p:grpSpPr>
-        <a:xfrm>
-          <a:off x="0" y="0"/>
-          <a:ext cx="0" cy="0"/>
-          <a:chOff x="0" y="0"/>
-          <a:chExt cx="0" cy="0"/>
-        </a:xfrm>
-      </p:grpSpPr>
-      <p:sp>
-        <p:nvSpPr>
-          <p:cNvPr id="2" name="Slide Image Placeholder 1"/>
-          <p:cNvSpPr>
-            <a:spLocks noGrp="1" noRot="1" noChangeAspect="1"/>
-          </p:cNvSpPr>
-          <p:nvPr>
-            <p:ph type="sldImg"/>
-          </p:nvPr>
-        </p:nvSpPr>
-        <p:spPr/>
-      </p:sp>
-      <p:sp>
-        <p:nvSpPr>
-          <p:cNvPr id="3" name="Notes Placeholder 2"/>
-          <p:cNvSpPr>
-            <a:spLocks noGrp="1"/>
-          </p:cNvSpPr>
-          <p:nvPr>
-            <p:ph type="body" idx="1"/>
-          </p:nvPr>
-        </p:nvSpPr>
-        <p:spPr/>
-        <p:txBody>
-          <a:bodyPr/>
-          <a:lstStyle/>
-          <a:p>
-            <a:r>
-              <a:rPr lang="en-US" b="1" u="sng" dirty="0"/>
-              <a:t>Email Notification</a:t>
-            </a:r>
-            <a:endParaRPr lang="en-US" b="0" u="none" dirty="0"/>
-          </a:p>
-          <a:p>
-            <a:pPr marL="171450" indent="-171450">
-              <a:buFont typeface="Arial" panose="020B0604020202020204" pitchFamily="34" charset="0"/>
-              <a:buChar char="•"/>
-            </a:pPr>
-            <a:r>
-              <a:rPr lang="en-US" b="0" u="none" dirty="0"/>
-              <a:t>The Email Service subscribes to the Azure Event Hub topic for order events.</a:t>
-            </a:r>
-          </a:p>
-          <a:p>
-            <a:pPr marL="171450" indent="-171450">
-              <a:buFont typeface="Arial" panose="020B0604020202020204" pitchFamily="34" charset="0"/>
-              <a:buChar char="•"/>
-            </a:pPr>
-            <a:r>
-              <a:rPr lang="en-US" b="0" u="none" dirty="0"/>
-              <a:t>When an “Order Fulfilled” event is received, the Notification Management service sends an email notification to the customer confirming the order and </a:t>
-            </a:r>
-            <a:r>
-              <a:rPr lang="en-US" b="0" u="none"/>
-              <a:t>shipping details</a:t>
-            </a:r>
-            <a:endParaRPr lang="en-US" b="0" u="none" dirty="0"/>
-          </a:p>
-        </p:txBody>
-      </p:sp>
-      <p:sp>
-        <p:nvSpPr>
-          <p:cNvPr id="4" name="Slide Number Placeholder 3"/>
-          <p:cNvSpPr>
-            <a:spLocks noGrp="1"/>
-          </p:cNvSpPr>
-          <p:nvPr>
-            <p:ph type="sldNum" sz="quarter" idx="5"/>
-          </p:nvPr>
-        </p:nvSpPr>
-        <p:spPr/>
-        <p:txBody>
-          <a:bodyPr/>
-          <a:lstStyle/>
-          <a:p>
-            <a:fld id="{A4D61497-3438-4A57-A4F0-56E725182219}" type="slidenum">
-              <a:rPr lang="en-US" smtClean="0"/>
-              <a:t>63</a:t>
-            </a:fld>
-            <a:endParaRPr lang="en-US"/>
-          </a:p>
-        </p:txBody>
-      </p:sp>
-    </p:spTree>
-    <p:extLst>
-      <p:ext uri="{BB962C8B-B14F-4D97-AF65-F5344CB8AC3E}">
-        <p14:creationId xmlns:p14="http://schemas.microsoft.com/office/powerpoint/2010/main" val="985781190"/>
       </p:ext>
     </p:extLst>
   </p:cSld>
@@ -18716,7 +18596,7 @@
           <p:cNvPr id="2" name="Title 1">
             <a:extLst>
               <a:ext uri="{FF2B5EF4-FFF2-40B4-BE49-F238E27FC236}">
-                <a16:creationId xmlns:a16="http://schemas.microsoft.com/office/drawing/2014/main" id="{7549C25B-BF63-AE0E-B22B-E0BBD815662C}"/>
+                <a16:creationId xmlns:a16="http://schemas.microsoft.com/office/drawing/2014/main" id="{E7C088E1-A3AC-701A-BF69-31487876394F}"/>
               </a:ext>
             </a:extLst>
           </p:cNvPr>
@@ -18734,47 +18614,42 @@
           <a:p>
             <a:r>
               <a:rPr lang="en-US" dirty="0"/>
-              <a:t>Hands-On Exercise</a:t>
-            </a:r>
-          </a:p>
-        </p:txBody>
-      </p:sp>
-      <p:sp>
-        <p:nvSpPr>
-          <p:cNvPr id="3" name="TextBox 2">
+              <a:t>User Stories</a:t>
+            </a:r>
+          </a:p>
+        </p:txBody>
+      </p:sp>
+      <p:sp>
+        <p:nvSpPr>
+          <p:cNvPr id="3" name="Content Placeholder 2">
             <a:extLst>
               <a:ext uri="{FF2B5EF4-FFF2-40B4-BE49-F238E27FC236}">
-                <a16:creationId xmlns:a16="http://schemas.microsoft.com/office/drawing/2014/main" id="{4E126E78-EF51-B33A-4184-656FDCFFC6DA}"/>
+                <a16:creationId xmlns:a16="http://schemas.microsoft.com/office/drawing/2014/main" id="{3D78CA66-6D3A-62F9-1036-E3C6053DB574}"/>
               </a:ext>
             </a:extLst>
           </p:cNvPr>
-          <p:cNvSpPr txBox="1"/>
-          <p:nvPr/>
-        </p:nvSpPr>
-        <p:spPr>
-          <a:xfrm>
-            <a:off x="487680" y="1849120"/>
-            <a:ext cx="10515600" cy="1754326"/>
-          </a:xfrm>
-          <a:prstGeom prst="rect">
-            <a:avLst/>
-          </a:prstGeom>
-          <a:noFill/>
-        </p:spPr>
-        <p:txBody>
-          <a:bodyPr wrap="square" rtlCol="0">
-            <a:spAutoFit/>
-          </a:bodyPr>
-          <a:lstStyle/>
-          <a:p>
-            <a:pPr algn="ctr"/>
-            <a:r>
-              <a:rPr lang="en-US" sz="5400" b="1" dirty="0">
-                <a:solidFill>
-                  <a:srgbClr val="F9975F"/>
-                </a:solidFill>
-              </a:rPr>
-              <a:t>Work in groups to come up with possible solutions</a:t>
+          <p:cNvSpPr>
+            <a:spLocks noGrp="1"/>
+          </p:cNvSpPr>
+          <p:nvPr>
+            <p:ph idx="1"/>
+          </p:nvPr>
+        </p:nvSpPr>
+        <p:spPr/>
+        <p:txBody>
+          <a:bodyPr/>
+          <a:lstStyle/>
+          <a:p>
+            <a:r>
+              <a:rPr lang="en-US" dirty="0"/>
+              <a:t>User Stories</a:t>
+            </a:r>
+          </a:p>
+          <a:p>
+            <a:pPr lvl="1"/>
+            <a:r>
+              <a:rPr lang="en-US" dirty="0"/>
+              <a:t>Order Placement and Notifications</a:t>
             </a:r>
           </a:p>
         </p:txBody>
@@ -18782,7 +18657,7 @@
     </p:spTree>
     <p:extLst>
       <p:ext uri="{BB962C8B-B14F-4D97-AF65-F5344CB8AC3E}">
-        <p14:creationId xmlns:p14="http://schemas.microsoft.com/office/powerpoint/2010/main" val="2495344939"/>
+        <p14:creationId xmlns:p14="http://schemas.microsoft.com/office/powerpoint/2010/main" val="3917955338"/>
       </p:ext>
     </p:extLst>
   </p:cSld>
@@ -18814,7 +18689,7 @@
           <p:cNvPr id="2" name="Title 1">
             <a:extLst>
               <a:ext uri="{FF2B5EF4-FFF2-40B4-BE49-F238E27FC236}">
-                <a16:creationId xmlns:a16="http://schemas.microsoft.com/office/drawing/2014/main" id="{7549C25B-BF63-AE0E-B22B-E0BBD815662C}"/>
+                <a16:creationId xmlns:a16="http://schemas.microsoft.com/office/drawing/2014/main" id="{E7C088E1-A3AC-701A-BF69-31487876394F}"/>
               </a:ext>
             </a:extLst>
           </p:cNvPr>
@@ -18832,47 +18707,49 @@
           <a:p>
             <a:r>
               <a:rPr lang="en-US" dirty="0"/>
-              <a:t>Hands-On Exercise</a:t>
-            </a:r>
-          </a:p>
-        </p:txBody>
-      </p:sp>
-      <p:sp>
-        <p:nvSpPr>
-          <p:cNvPr id="3" name="TextBox 2">
+              <a:t>User Stories</a:t>
+            </a:r>
+          </a:p>
+        </p:txBody>
+      </p:sp>
+      <p:sp>
+        <p:nvSpPr>
+          <p:cNvPr id="3" name="Content Placeholder 2">
             <a:extLst>
               <a:ext uri="{FF2B5EF4-FFF2-40B4-BE49-F238E27FC236}">
-                <a16:creationId xmlns:a16="http://schemas.microsoft.com/office/drawing/2014/main" id="{4E126E78-EF51-B33A-4184-656FDCFFC6DA}"/>
+                <a16:creationId xmlns:a16="http://schemas.microsoft.com/office/drawing/2014/main" id="{3D78CA66-6D3A-62F9-1036-E3C6053DB574}"/>
               </a:ext>
             </a:extLst>
           </p:cNvPr>
-          <p:cNvSpPr txBox="1"/>
-          <p:nvPr/>
-        </p:nvSpPr>
-        <p:spPr>
-          <a:xfrm>
-            <a:off x="487680" y="1849120"/>
-            <a:ext cx="10515600" cy="923330"/>
-          </a:xfrm>
-          <a:prstGeom prst="rect">
-            <a:avLst/>
-          </a:prstGeom>
-          <a:noFill/>
-        </p:spPr>
-        <p:txBody>
-          <a:bodyPr wrap="square" rtlCol="0">
-            <a:spAutoFit/>
-          </a:bodyPr>
-          <a:lstStyle/>
-          <a:p>
-            <a:pPr algn="ctr"/>
-            <a:r>
-              <a:rPr lang="en-US" sz="5400" b="1" dirty="0">
-                <a:solidFill>
-                  <a:srgbClr val="F9975F"/>
-                </a:solidFill>
-              </a:rPr>
-              <a:t>Present Group Solutions</a:t>
+          <p:cNvSpPr>
+            <a:spLocks noGrp="1"/>
+          </p:cNvSpPr>
+          <p:nvPr>
+            <p:ph idx="1"/>
+          </p:nvPr>
+        </p:nvSpPr>
+        <p:spPr/>
+        <p:txBody>
+          <a:bodyPr/>
+          <a:lstStyle/>
+          <a:p>
+            <a:r>
+              <a:rPr lang="en-US" dirty="0"/>
+              <a:t>User Stories</a:t>
+            </a:r>
+          </a:p>
+          <a:p>
+            <a:pPr lvl="1"/>
+            <a:r>
+              <a:rPr lang="en-US" dirty="0"/>
+              <a:t>Order Placement and Notifications</a:t>
+            </a:r>
+          </a:p>
+          <a:p>
+            <a:pPr lvl="1"/>
+            <a:r>
+              <a:rPr lang="en-US" dirty="0"/>
+              <a:t>Inventory Management and Order Fulfillment</a:t>
             </a:r>
           </a:p>
         </p:txBody>
@@ -18880,7 +18757,7 @@
     </p:spTree>
     <p:extLst>
       <p:ext uri="{BB962C8B-B14F-4D97-AF65-F5344CB8AC3E}">
-        <p14:creationId xmlns:p14="http://schemas.microsoft.com/office/powerpoint/2010/main" val="980628571"/>
+        <p14:creationId xmlns:p14="http://schemas.microsoft.com/office/powerpoint/2010/main" val="4004135319"/>
       </p:ext>
     </p:extLst>
   </p:cSld>
@@ -18930,7 +18807,7 @@
           <a:p>
             <a:r>
               <a:rPr lang="en-US" dirty="0"/>
-              <a:t>Solution we’ll implement</a:t>
+              <a:t>User Stories</a:t>
             </a:r>
           </a:p>
         </p:txBody>
@@ -18956,14 +18833,38 @@
           <a:bodyPr/>
           <a:lstStyle/>
           <a:p>
-            <a:endParaRPr lang="en-US" dirty="0"/>
+            <a:r>
+              <a:rPr lang="en-US" dirty="0"/>
+              <a:t>User Stories</a:t>
+            </a:r>
+          </a:p>
+          <a:p>
+            <a:pPr lvl="1"/>
+            <a:r>
+              <a:rPr lang="en-US" dirty="0"/>
+              <a:t>Order Placement and Notifications</a:t>
+            </a:r>
+          </a:p>
+          <a:p>
+            <a:pPr lvl="1"/>
+            <a:r>
+              <a:rPr lang="en-US" dirty="0"/>
+              <a:t>Inventory Management and Order Fulfillment</a:t>
+            </a:r>
+          </a:p>
+          <a:p>
+            <a:pPr lvl="1"/>
+            <a:r>
+              <a:rPr lang="en-US" dirty="0"/>
+              <a:t>Inventory Updates and Product Status Display</a:t>
+            </a:r>
           </a:p>
         </p:txBody>
       </p:sp>
     </p:spTree>
     <p:extLst>
       <p:ext uri="{BB962C8B-B14F-4D97-AF65-F5344CB8AC3E}">
-        <p14:creationId xmlns:p14="http://schemas.microsoft.com/office/powerpoint/2010/main" val="3039605834"/>
+        <p14:creationId xmlns:p14="http://schemas.microsoft.com/office/powerpoint/2010/main" val="3167442951"/>
       </p:ext>
     </p:extLst>
   </p:cSld>
@@ -19013,7 +18914,7 @@
           <a:p>
             <a:r>
               <a:rPr lang="en-US" dirty="0"/>
-              <a:t>Solution we’ll implement</a:t>
+              <a:t>User Stories</a:t>
             </a:r>
           </a:p>
         </p:txBody>
@@ -19041,6 +18942,639 @@
           <a:p>
             <a:r>
               <a:rPr lang="en-US" dirty="0"/>
+              <a:t>User Stories</a:t>
+            </a:r>
+          </a:p>
+          <a:p>
+            <a:pPr lvl="1"/>
+            <a:r>
+              <a:rPr lang="en-US" dirty="0"/>
+              <a:t>Order Placement and Notifications</a:t>
+            </a:r>
+          </a:p>
+          <a:p>
+            <a:pPr lvl="1"/>
+            <a:r>
+              <a:rPr lang="en-US" dirty="0"/>
+              <a:t>Inventory Management and Order Fulfillment</a:t>
+            </a:r>
+          </a:p>
+          <a:p>
+            <a:pPr lvl="1"/>
+            <a:r>
+              <a:rPr lang="en-US" dirty="0"/>
+              <a:t>Inventory Updates and Product Status Display</a:t>
+            </a:r>
+          </a:p>
+          <a:p>
+            <a:pPr lvl="1"/>
+            <a:r>
+              <a:rPr lang="en-US" dirty="0"/>
+              <a:t>Shipping Management and Order Fulfillment</a:t>
+            </a:r>
+          </a:p>
+          <a:p>
+            <a:pPr lvl="1"/>
+            <a:endParaRPr lang="en-US" dirty="0"/>
+          </a:p>
+        </p:txBody>
+      </p:sp>
+    </p:spTree>
+    <p:extLst>
+      <p:ext uri="{BB962C8B-B14F-4D97-AF65-F5344CB8AC3E}">
+        <p14:creationId xmlns:p14="http://schemas.microsoft.com/office/powerpoint/2010/main" val="1622278995"/>
+      </p:ext>
+    </p:extLst>
+  </p:cSld>
+  <p:clrMapOvr>
+    <a:masterClrMapping/>
+  </p:clrMapOvr>
+</p:sld>
+</file>
+
+<file path=ppt/slides/slide59.xml><?xml version="1.0" encoding="utf-8"?>
+<p:sld xmlns:a="http://schemas.openxmlformats.org/drawingml/2006/main" xmlns:r="http://schemas.openxmlformats.org/officeDocument/2006/relationships" xmlns:p="http://schemas.openxmlformats.org/presentationml/2006/main">
+  <p:cSld>
+    <p:spTree>
+      <p:nvGrpSpPr>
+        <p:cNvPr id="1" name=""/>
+        <p:cNvGrpSpPr/>
+        <p:nvPr/>
+      </p:nvGrpSpPr>
+      <p:grpSpPr>
+        <a:xfrm>
+          <a:off x="0" y="0"/>
+          <a:ext cx="0" cy="0"/>
+          <a:chOff x="0" y="0"/>
+          <a:chExt cx="0" cy="0"/>
+        </a:xfrm>
+      </p:grpSpPr>
+      <p:sp>
+        <p:nvSpPr>
+          <p:cNvPr id="2" name="Title 1">
+            <a:extLst>
+              <a:ext uri="{FF2B5EF4-FFF2-40B4-BE49-F238E27FC236}">
+                <a16:creationId xmlns:a16="http://schemas.microsoft.com/office/drawing/2014/main" id="{E7C088E1-A3AC-701A-BF69-31487876394F}"/>
+              </a:ext>
+            </a:extLst>
+          </p:cNvPr>
+          <p:cNvSpPr>
+            <a:spLocks noGrp="1"/>
+          </p:cNvSpPr>
+          <p:nvPr>
+            <p:ph type="title"/>
+          </p:nvPr>
+        </p:nvSpPr>
+        <p:spPr/>
+        <p:txBody>
+          <a:bodyPr/>
+          <a:lstStyle/>
+          <a:p>
+            <a:r>
+              <a:rPr lang="en-US" dirty="0"/>
+              <a:t>User Stories</a:t>
+            </a:r>
+          </a:p>
+        </p:txBody>
+      </p:sp>
+      <p:sp>
+        <p:nvSpPr>
+          <p:cNvPr id="3" name="Content Placeholder 2">
+            <a:extLst>
+              <a:ext uri="{FF2B5EF4-FFF2-40B4-BE49-F238E27FC236}">
+                <a16:creationId xmlns:a16="http://schemas.microsoft.com/office/drawing/2014/main" id="{3D78CA66-6D3A-62F9-1036-E3C6053DB574}"/>
+              </a:ext>
+            </a:extLst>
+          </p:cNvPr>
+          <p:cNvSpPr>
+            <a:spLocks noGrp="1"/>
+          </p:cNvSpPr>
+          <p:nvPr>
+            <p:ph idx="1"/>
+          </p:nvPr>
+        </p:nvSpPr>
+        <p:spPr/>
+        <p:txBody>
+          <a:bodyPr/>
+          <a:lstStyle/>
+          <a:p>
+            <a:r>
+              <a:rPr lang="en-US" dirty="0"/>
+              <a:t>User Stories</a:t>
+            </a:r>
+          </a:p>
+          <a:p>
+            <a:pPr lvl="1"/>
+            <a:r>
+              <a:rPr lang="en-US" dirty="0"/>
+              <a:t>Order Placement and Notifications</a:t>
+            </a:r>
+          </a:p>
+          <a:p>
+            <a:pPr lvl="1"/>
+            <a:r>
+              <a:rPr lang="en-US" dirty="0"/>
+              <a:t>Inventory Management and Order Fulfillment</a:t>
+            </a:r>
+          </a:p>
+          <a:p>
+            <a:pPr lvl="1"/>
+            <a:r>
+              <a:rPr lang="en-US" dirty="0"/>
+              <a:t>Inventory Updates and Product Status Display</a:t>
+            </a:r>
+          </a:p>
+          <a:p>
+            <a:pPr lvl="1"/>
+            <a:r>
+              <a:rPr lang="en-US" dirty="0"/>
+              <a:t>Shipping Management and Order Fulfillment</a:t>
+            </a:r>
+          </a:p>
+          <a:p>
+            <a:pPr lvl="1"/>
+            <a:r>
+              <a:rPr lang="en-US" dirty="0"/>
+              <a:t>Shipping Management, Order Updates, and Delivery Confirmation</a:t>
+            </a:r>
+          </a:p>
+          <a:p>
+            <a:pPr lvl="1"/>
+            <a:endParaRPr lang="en-US" dirty="0"/>
+          </a:p>
+        </p:txBody>
+      </p:sp>
+    </p:spTree>
+    <p:extLst>
+      <p:ext uri="{BB962C8B-B14F-4D97-AF65-F5344CB8AC3E}">
+        <p14:creationId xmlns:p14="http://schemas.microsoft.com/office/powerpoint/2010/main" val="2397504709"/>
+      </p:ext>
+    </p:extLst>
+  </p:cSld>
+  <p:clrMapOvr>
+    <a:masterClrMapping/>
+  </p:clrMapOvr>
+</p:sld>
+</file>
+
+<file path=ppt/slides/slide6.xml><?xml version="1.0" encoding="utf-8"?>
+<p:sld xmlns:a="http://schemas.openxmlformats.org/drawingml/2006/main" xmlns:r="http://schemas.openxmlformats.org/officeDocument/2006/relationships" xmlns:p="http://schemas.openxmlformats.org/presentationml/2006/main">
+  <p:cSld>
+    <p:spTree>
+      <p:nvGrpSpPr>
+        <p:cNvPr id="1" name=""/>
+        <p:cNvGrpSpPr/>
+        <p:nvPr/>
+      </p:nvGrpSpPr>
+      <p:grpSpPr>
+        <a:xfrm>
+          <a:off x="0" y="0"/>
+          <a:ext cx="0" cy="0"/>
+          <a:chOff x="0" y="0"/>
+          <a:chExt cx="0" cy="0"/>
+        </a:xfrm>
+      </p:grpSpPr>
+      <p:sp>
+        <p:nvSpPr>
+          <p:cNvPr id="2" name="Title 1">
+            <a:extLst>
+              <a:ext uri="{FF2B5EF4-FFF2-40B4-BE49-F238E27FC236}">
+                <a16:creationId xmlns:a16="http://schemas.microsoft.com/office/drawing/2014/main" id="{D787CF2C-4F1E-0626-4949-163CBB14FDEB}"/>
+              </a:ext>
+            </a:extLst>
+          </p:cNvPr>
+          <p:cNvSpPr>
+            <a:spLocks noGrp="1"/>
+          </p:cNvSpPr>
+          <p:nvPr>
+            <p:ph type="title"/>
+          </p:nvPr>
+        </p:nvSpPr>
+        <p:spPr/>
+        <p:txBody>
+          <a:bodyPr>
+            <a:normAutofit/>
+          </a:bodyPr>
+          <a:lstStyle/>
+          <a:p>
+            <a:r>
+              <a:rPr lang="en-US" sz="4000" dirty="0"/>
+              <a:t>Identifying Customer Requirements</a:t>
+            </a:r>
+          </a:p>
+        </p:txBody>
+      </p:sp>
+      <p:sp>
+        <p:nvSpPr>
+          <p:cNvPr id="3" name="Content Placeholder 2">
+            <a:extLst>
+              <a:ext uri="{FF2B5EF4-FFF2-40B4-BE49-F238E27FC236}">
+                <a16:creationId xmlns:a16="http://schemas.microsoft.com/office/drawing/2014/main" id="{0E5C7354-BFFC-AE24-D3C9-491F145A180F}"/>
+              </a:ext>
+            </a:extLst>
+          </p:cNvPr>
+          <p:cNvSpPr>
+            <a:spLocks noGrp="1"/>
+          </p:cNvSpPr>
+          <p:nvPr>
+            <p:ph idx="1"/>
+          </p:nvPr>
+        </p:nvSpPr>
+        <p:spPr/>
+        <p:txBody>
+          <a:bodyPr/>
+          <a:lstStyle/>
+          <a:p>
+            <a:r>
+              <a:rPr lang="en-US" dirty="0"/>
+              <a:t>Engage with stakeholders</a:t>
+            </a:r>
+          </a:p>
+          <a:p>
+            <a:r>
+              <a:rPr lang="en-US" dirty="0"/>
+              <a:t>Elicit requirements through surveys and feedback</a:t>
+            </a:r>
+          </a:p>
+          <a:p>
+            <a:r>
+              <a:rPr lang="en-US" b="1" dirty="0"/>
+              <a:t>Analyze business processes</a:t>
+            </a:r>
+          </a:p>
+        </p:txBody>
+      </p:sp>
+    </p:spTree>
+    <p:extLst>
+      <p:ext uri="{BB962C8B-B14F-4D97-AF65-F5344CB8AC3E}">
+        <p14:creationId xmlns:p14="http://schemas.microsoft.com/office/powerpoint/2010/main" val="3482083128"/>
+      </p:ext>
+    </p:extLst>
+  </p:cSld>
+  <p:clrMapOvr>
+    <a:masterClrMapping/>
+  </p:clrMapOvr>
+  <p:timing>
+    <p:tnLst>
+      <p:par>
+        <p:cTn id="1" dur="indefinite" restart="never" nodeType="tmRoot">
+          <p:childTnLst>
+            <p:seq concurrent="1" nextAc="seek">
+              <p:cTn id="2" dur="indefinite" nodeType="mainSeq">
+                <p:childTnLst>
+                  <p:par>
+                    <p:cTn id="3" fill="hold">
+                      <p:stCondLst>
+                        <p:cond delay="indefinite"/>
+                        <p:cond evt="onBegin" delay="0">
+                          <p:tn val="2"/>
+                        </p:cond>
+                      </p:stCondLst>
+                      <p:childTnLst>
+                        <p:par>
+                          <p:cTn id="4" fill="hold">
+                            <p:stCondLst>
+                              <p:cond delay="0"/>
+                            </p:stCondLst>
+                            <p:childTnLst>
+                              <p:par>
+                                <p:cTn id="5" presetID="10" presetClass="entr" presetSubtype="0" fill="hold" nodeType="afterEffect">
+                                  <p:stCondLst>
+                                    <p:cond delay="0"/>
+                                  </p:stCondLst>
+                                  <p:childTnLst>
+                                    <p:set>
+                                      <p:cBhvr>
+                                        <p:cTn id="6" dur="1" fill="hold">
+                                          <p:stCondLst>
+                                            <p:cond delay="0"/>
+                                          </p:stCondLst>
+                                        </p:cTn>
+                                        <p:tgtEl>
+                                          <p:spTgt spid="3">
+                                            <p:txEl>
+                                              <p:pRg st="2" end="2"/>
+                                            </p:txEl>
+                                          </p:spTgt>
+                                        </p:tgtEl>
+                                        <p:attrNameLst>
+                                          <p:attrName>style.visibility</p:attrName>
+                                        </p:attrNameLst>
+                                      </p:cBhvr>
+                                      <p:to>
+                                        <p:strVal val="visible"/>
+                                      </p:to>
+                                    </p:set>
+                                    <p:animEffect transition="in" filter="fade">
+                                      <p:cBhvr>
+                                        <p:cTn id="7" dur="500"/>
+                                        <p:tgtEl>
+                                          <p:spTgt spid="3">
+                                            <p:txEl>
+                                              <p:pRg st="2" end="2"/>
+                                            </p:txEl>
+                                          </p:spTgt>
+                                        </p:tgtEl>
+                                      </p:cBhvr>
+                                    </p:animEffect>
+                                  </p:childTnLst>
+                                </p:cTn>
+                              </p:par>
+                            </p:childTnLst>
+                          </p:cTn>
+                        </p:par>
+                      </p:childTnLst>
+                    </p:cTn>
+                  </p:par>
+                </p:childTnLst>
+              </p:cTn>
+              <p:prevCondLst>
+                <p:cond evt="onPrev" delay="0">
+                  <p:tgtEl>
+                    <p:sldTgt/>
+                  </p:tgtEl>
+                </p:cond>
+              </p:prevCondLst>
+              <p:nextCondLst>
+                <p:cond evt="onNext" delay="0">
+                  <p:tgtEl>
+                    <p:sldTgt/>
+                  </p:tgtEl>
+                </p:cond>
+              </p:nextCondLst>
+            </p:seq>
+          </p:childTnLst>
+        </p:cTn>
+      </p:par>
+    </p:tnLst>
+  </p:timing>
+</p:sld>
+</file>
+
+<file path=ppt/slides/slide60.xml><?xml version="1.0" encoding="utf-8"?>
+<p:sld xmlns:a="http://schemas.openxmlformats.org/drawingml/2006/main" xmlns:r="http://schemas.openxmlformats.org/officeDocument/2006/relationships" xmlns:p="http://schemas.openxmlformats.org/presentationml/2006/main">
+  <p:cSld>
+    <p:spTree>
+      <p:nvGrpSpPr>
+        <p:cNvPr id="1" name=""/>
+        <p:cNvGrpSpPr/>
+        <p:nvPr/>
+      </p:nvGrpSpPr>
+      <p:grpSpPr>
+        <a:xfrm>
+          <a:off x="0" y="0"/>
+          <a:ext cx="0" cy="0"/>
+          <a:chOff x="0" y="0"/>
+          <a:chExt cx="0" cy="0"/>
+        </a:xfrm>
+      </p:grpSpPr>
+      <p:sp>
+        <p:nvSpPr>
+          <p:cNvPr id="2" name="Title 1">
+            <a:extLst>
+              <a:ext uri="{FF2B5EF4-FFF2-40B4-BE49-F238E27FC236}">
+                <a16:creationId xmlns:a16="http://schemas.microsoft.com/office/drawing/2014/main" id="{7549C25B-BF63-AE0E-B22B-E0BBD815662C}"/>
+              </a:ext>
+            </a:extLst>
+          </p:cNvPr>
+          <p:cNvSpPr>
+            <a:spLocks noGrp="1"/>
+          </p:cNvSpPr>
+          <p:nvPr>
+            <p:ph type="title"/>
+          </p:nvPr>
+        </p:nvSpPr>
+        <p:spPr/>
+        <p:txBody>
+          <a:bodyPr/>
+          <a:lstStyle/>
+          <a:p>
+            <a:r>
+              <a:rPr lang="en-US" dirty="0"/>
+              <a:t>Hands-On Exercise</a:t>
+            </a:r>
+          </a:p>
+        </p:txBody>
+      </p:sp>
+      <p:sp>
+        <p:nvSpPr>
+          <p:cNvPr id="3" name="TextBox 2">
+            <a:extLst>
+              <a:ext uri="{FF2B5EF4-FFF2-40B4-BE49-F238E27FC236}">
+                <a16:creationId xmlns:a16="http://schemas.microsoft.com/office/drawing/2014/main" id="{4E126E78-EF51-B33A-4184-656FDCFFC6DA}"/>
+              </a:ext>
+            </a:extLst>
+          </p:cNvPr>
+          <p:cNvSpPr txBox="1"/>
+          <p:nvPr/>
+        </p:nvSpPr>
+        <p:spPr>
+          <a:xfrm>
+            <a:off x="487680" y="1849120"/>
+            <a:ext cx="10515600" cy="1754326"/>
+          </a:xfrm>
+          <a:prstGeom prst="rect">
+            <a:avLst/>
+          </a:prstGeom>
+          <a:noFill/>
+        </p:spPr>
+        <p:txBody>
+          <a:bodyPr wrap="square" rtlCol="0">
+            <a:spAutoFit/>
+          </a:bodyPr>
+          <a:lstStyle/>
+          <a:p>
+            <a:pPr algn="ctr"/>
+            <a:r>
+              <a:rPr lang="en-US" sz="5400" b="1" dirty="0">
+                <a:solidFill>
+                  <a:srgbClr val="F9975F"/>
+                </a:solidFill>
+              </a:rPr>
+              <a:t>Work in groups to come up with possible solutions</a:t>
+            </a:r>
+          </a:p>
+        </p:txBody>
+      </p:sp>
+    </p:spTree>
+    <p:extLst>
+      <p:ext uri="{BB962C8B-B14F-4D97-AF65-F5344CB8AC3E}">
+        <p14:creationId xmlns:p14="http://schemas.microsoft.com/office/powerpoint/2010/main" val="2495344939"/>
+      </p:ext>
+    </p:extLst>
+  </p:cSld>
+  <p:clrMapOvr>
+    <a:masterClrMapping/>
+  </p:clrMapOvr>
+</p:sld>
+</file>
+
+<file path=ppt/slides/slide61.xml><?xml version="1.0" encoding="utf-8"?>
+<p:sld xmlns:a="http://schemas.openxmlformats.org/drawingml/2006/main" xmlns:r="http://schemas.openxmlformats.org/officeDocument/2006/relationships" xmlns:p="http://schemas.openxmlformats.org/presentationml/2006/main">
+  <p:cSld>
+    <p:spTree>
+      <p:nvGrpSpPr>
+        <p:cNvPr id="1" name=""/>
+        <p:cNvGrpSpPr/>
+        <p:nvPr/>
+      </p:nvGrpSpPr>
+      <p:grpSpPr>
+        <a:xfrm>
+          <a:off x="0" y="0"/>
+          <a:ext cx="0" cy="0"/>
+          <a:chOff x="0" y="0"/>
+          <a:chExt cx="0" cy="0"/>
+        </a:xfrm>
+      </p:grpSpPr>
+      <p:sp>
+        <p:nvSpPr>
+          <p:cNvPr id="2" name="Title 1">
+            <a:extLst>
+              <a:ext uri="{FF2B5EF4-FFF2-40B4-BE49-F238E27FC236}">
+                <a16:creationId xmlns:a16="http://schemas.microsoft.com/office/drawing/2014/main" id="{7549C25B-BF63-AE0E-B22B-E0BBD815662C}"/>
+              </a:ext>
+            </a:extLst>
+          </p:cNvPr>
+          <p:cNvSpPr>
+            <a:spLocks noGrp="1"/>
+          </p:cNvSpPr>
+          <p:nvPr>
+            <p:ph type="title"/>
+          </p:nvPr>
+        </p:nvSpPr>
+        <p:spPr/>
+        <p:txBody>
+          <a:bodyPr/>
+          <a:lstStyle/>
+          <a:p>
+            <a:r>
+              <a:rPr lang="en-US" dirty="0"/>
+              <a:t>Hands-On Exercise</a:t>
+            </a:r>
+          </a:p>
+        </p:txBody>
+      </p:sp>
+      <p:sp>
+        <p:nvSpPr>
+          <p:cNvPr id="3" name="TextBox 2">
+            <a:extLst>
+              <a:ext uri="{FF2B5EF4-FFF2-40B4-BE49-F238E27FC236}">
+                <a16:creationId xmlns:a16="http://schemas.microsoft.com/office/drawing/2014/main" id="{4E126E78-EF51-B33A-4184-656FDCFFC6DA}"/>
+              </a:ext>
+            </a:extLst>
+          </p:cNvPr>
+          <p:cNvSpPr txBox="1"/>
+          <p:nvPr/>
+        </p:nvSpPr>
+        <p:spPr>
+          <a:xfrm>
+            <a:off x="487680" y="1849120"/>
+            <a:ext cx="10515600" cy="923330"/>
+          </a:xfrm>
+          <a:prstGeom prst="rect">
+            <a:avLst/>
+          </a:prstGeom>
+          <a:noFill/>
+        </p:spPr>
+        <p:txBody>
+          <a:bodyPr wrap="square" rtlCol="0">
+            <a:spAutoFit/>
+          </a:bodyPr>
+          <a:lstStyle/>
+          <a:p>
+            <a:pPr algn="ctr"/>
+            <a:r>
+              <a:rPr lang="en-US" sz="5400" b="1" dirty="0">
+                <a:solidFill>
+                  <a:srgbClr val="F9975F"/>
+                </a:solidFill>
+              </a:rPr>
+              <a:t>Present Group Solutions</a:t>
+            </a:r>
+          </a:p>
+        </p:txBody>
+      </p:sp>
+    </p:spTree>
+    <p:extLst>
+      <p:ext uri="{BB962C8B-B14F-4D97-AF65-F5344CB8AC3E}">
+        <p14:creationId xmlns:p14="http://schemas.microsoft.com/office/powerpoint/2010/main" val="980628571"/>
+      </p:ext>
+    </p:extLst>
+  </p:cSld>
+  <p:clrMapOvr>
+    <a:masterClrMapping/>
+  </p:clrMapOvr>
+</p:sld>
+</file>
+
+<file path=ppt/slides/slide62.xml><?xml version="1.0" encoding="utf-8"?>
+<p:sld xmlns:a="http://schemas.openxmlformats.org/drawingml/2006/main" xmlns:r="http://schemas.openxmlformats.org/officeDocument/2006/relationships" xmlns:p="http://schemas.openxmlformats.org/presentationml/2006/main">
+  <p:cSld>
+    <p:spTree>
+      <p:nvGrpSpPr>
+        <p:cNvPr id="1" name=""/>
+        <p:cNvGrpSpPr/>
+        <p:nvPr/>
+      </p:nvGrpSpPr>
+      <p:grpSpPr>
+        <a:xfrm>
+          <a:off x="0" y="0"/>
+          <a:ext cx="0" cy="0"/>
+          <a:chOff x="0" y="0"/>
+          <a:chExt cx="0" cy="0"/>
+        </a:xfrm>
+      </p:grpSpPr>
+      <p:sp>
+        <p:nvSpPr>
+          <p:cNvPr id="2" name="Title 1">
+            <a:extLst>
+              <a:ext uri="{FF2B5EF4-FFF2-40B4-BE49-F238E27FC236}">
+                <a16:creationId xmlns:a16="http://schemas.microsoft.com/office/drawing/2014/main" id="{E7C088E1-A3AC-701A-BF69-31487876394F}"/>
+              </a:ext>
+            </a:extLst>
+          </p:cNvPr>
+          <p:cNvSpPr>
+            <a:spLocks noGrp="1"/>
+          </p:cNvSpPr>
+          <p:nvPr>
+            <p:ph type="title"/>
+          </p:nvPr>
+        </p:nvSpPr>
+        <p:spPr/>
+        <p:txBody>
+          <a:bodyPr/>
+          <a:lstStyle/>
+          <a:p>
+            <a:r>
+              <a:rPr lang="en-US" dirty="0"/>
+              <a:t>Solution we’ll implement</a:t>
+            </a:r>
+          </a:p>
+        </p:txBody>
+      </p:sp>
+      <p:sp>
+        <p:nvSpPr>
+          <p:cNvPr id="3" name="Content Placeholder 2">
+            <a:extLst>
+              <a:ext uri="{FF2B5EF4-FFF2-40B4-BE49-F238E27FC236}">
+                <a16:creationId xmlns:a16="http://schemas.microsoft.com/office/drawing/2014/main" id="{3D78CA66-6D3A-62F9-1036-E3C6053DB574}"/>
+              </a:ext>
+            </a:extLst>
+          </p:cNvPr>
+          <p:cNvSpPr>
+            <a:spLocks noGrp="1"/>
+          </p:cNvSpPr>
+          <p:nvPr>
+            <p:ph idx="1"/>
+          </p:nvPr>
+        </p:nvSpPr>
+        <p:spPr/>
+        <p:txBody>
+          <a:bodyPr/>
+          <a:lstStyle/>
+          <a:p>
+            <a:r>
+              <a:rPr lang="en-US" dirty="0"/>
               <a:t>Microservice in the Solution</a:t>
             </a:r>
           </a:p>
@@ -19050,6 +19584,14 @@
               <a:rPr lang="en-US" dirty="0"/>
               <a:t>Product Management</a:t>
             </a:r>
+          </a:p>
+          <a:p>
+            <a:pPr lvl="1"/>
+            <a:r>
+              <a:rPr lang="en-US"/>
+              <a:t>Website Management</a:t>
+            </a:r>
+            <a:endParaRPr lang="en-US" dirty="0"/>
           </a:p>
           <a:p>
             <a:pPr lvl="1"/>
@@ -19404,257 +19946,27 @@
                       </p:childTnLst>
                     </p:cTn>
                   </p:par>
-                </p:childTnLst>
-              </p:cTn>
-              <p:prevCondLst>
-                <p:cond evt="onPrev" delay="0">
-                  <p:tgtEl>
-                    <p:sldTgt/>
-                  </p:tgtEl>
-                </p:cond>
-              </p:prevCondLst>
-              <p:nextCondLst>
-                <p:cond evt="onNext" delay="0">
-                  <p:tgtEl>
-                    <p:sldTgt/>
-                  </p:tgtEl>
-                </p:cond>
-              </p:nextCondLst>
-            </p:seq>
-          </p:childTnLst>
-        </p:cTn>
-      </p:par>
-    </p:tnLst>
-  </p:timing>
-</p:sld>
-</file>
-
-<file path=ppt/slides/slide59.xml><?xml version="1.0" encoding="utf-8"?>
-<p:sld xmlns:a="http://schemas.openxmlformats.org/drawingml/2006/main" xmlns:r="http://schemas.openxmlformats.org/officeDocument/2006/relationships" xmlns:p="http://schemas.openxmlformats.org/presentationml/2006/main">
-  <p:cSld>
-    <p:spTree>
-      <p:nvGrpSpPr>
-        <p:cNvPr id="1" name=""/>
-        <p:cNvGrpSpPr/>
-        <p:nvPr/>
-      </p:nvGrpSpPr>
-      <p:grpSpPr>
-        <a:xfrm>
-          <a:off x="0" y="0"/>
-          <a:ext cx="0" cy="0"/>
-          <a:chOff x="0" y="0"/>
-          <a:chExt cx="0" cy="0"/>
-        </a:xfrm>
-      </p:grpSpPr>
-      <p:sp>
-        <p:nvSpPr>
-          <p:cNvPr id="2" name="Title 1">
-            <a:extLst>
-              <a:ext uri="{FF2B5EF4-FFF2-40B4-BE49-F238E27FC236}">
-                <a16:creationId xmlns:a16="http://schemas.microsoft.com/office/drawing/2014/main" id="{E7C088E1-A3AC-701A-BF69-31487876394F}"/>
-              </a:ext>
-            </a:extLst>
-          </p:cNvPr>
-          <p:cNvSpPr>
-            <a:spLocks noGrp="1"/>
-          </p:cNvSpPr>
-          <p:nvPr>
-            <p:ph type="title"/>
-          </p:nvPr>
-        </p:nvSpPr>
-        <p:spPr/>
-        <p:txBody>
-          <a:bodyPr/>
-          <a:lstStyle/>
-          <a:p>
-            <a:r>
-              <a:rPr lang="en-US" dirty="0"/>
-              <a:t>Solution we’ll implement</a:t>
-            </a:r>
-          </a:p>
-        </p:txBody>
-      </p:sp>
-      <p:sp>
-        <p:nvSpPr>
-          <p:cNvPr id="3" name="Content Placeholder 2">
-            <a:extLst>
-              <a:ext uri="{FF2B5EF4-FFF2-40B4-BE49-F238E27FC236}">
-                <a16:creationId xmlns:a16="http://schemas.microsoft.com/office/drawing/2014/main" id="{3D78CA66-6D3A-62F9-1036-E3C6053DB574}"/>
-              </a:ext>
-            </a:extLst>
-          </p:cNvPr>
-          <p:cNvSpPr>
-            <a:spLocks noGrp="1"/>
-          </p:cNvSpPr>
-          <p:nvPr>
-            <p:ph idx="1"/>
-          </p:nvPr>
-        </p:nvSpPr>
-        <p:spPr/>
-        <p:txBody>
-          <a:bodyPr/>
-          <a:lstStyle/>
-          <a:p>
-            <a:r>
-              <a:rPr lang="en-US" dirty="0"/>
-              <a:t>Scenarios</a:t>
-            </a:r>
-          </a:p>
-          <a:p>
-            <a:pPr lvl="1"/>
-            <a:r>
-              <a:rPr lang="en-US" dirty="0"/>
-              <a:t>Order Placement</a:t>
-            </a:r>
-          </a:p>
-          <a:p>
-            <a:pPr lvl="1"/>
-            <a:endParaRPr lang="en-US" dirty="0"/>
-          </a:p>
-        </p:txBody>
-      </p:sp>
-    </p:spTree>
-    <p:extLst>
-      <p:ext uri="{BB962C8B-B14F-4D97-AF65-F5344CB8AC3E}">
-        <p14:creationId xmlns:p14="http://schemas.microsoft.com/office/powerpoint/2010/main" val="3917955338"/>
-      </p:ext>
-    </p:extLst>
-  </p:cSld>
-  <p:clrMapOvr>
-    <a:masterClrMapping/>
-  </p:clrMapOvr>
-</p:sld>
-</file>
-
-<file path=ppt/slides/slide6.xml><?xml version="1.0" encoding="utf-8"?>
-<p:sld xmlns:a="http://schemas.openxmlformats.org/drawingml/2006/main" xmlns:r="http://schemas.openxmlformats.org/officeDocument/2006/relationships" xmlns:p="http://schemas.openxmlformats.org/presentationml/2006/main">
-  <p:cSld>
-    <p:spTree>
-      <p:nvGrpSpPr>
-        <p:cNvPr id="1" name=""/>
-        <p:cNvGrpSpPr/>
-        <p:nvPr/>
-      </p:nvGrpSpPr>
-      <p:grpSpPr>
-        <a:xfrm>
-          <a:off x="0" y="0"/>
-          <a:ext cx="0" cy="0"/>
-          <a:chOff x="0" y="0"/>
-          <a:chExt cx="0" cy="0"/>
-        </a:xfrm>
-      </p:grpSpPr>
-      <p:sp>
-        <p:nvSpPr>
-          <p:cNvPr id="2" name="Title 1">
-            <a:extLst>
-              <a:ext uri="{FF2B5EF4-FFF2-40B4-BE49-F238E27FC236}">
-                <a16:creationId xmlns:a16="http://schemas.microsoft.com/office/drawing/2014/main" id="{D787CF2C-4F1E-0626-4949-163CBB14FDEB}"/>
-              </a:ext>
-            </a:extLst>
-          </p:cNvPr>
-          <p:cNvSpPr>
-            <a:spLocks noGrp="1"/>
-          </p:cNvSpPr>
-          <p:nvPr>
-            <p:ph type="title"/>
-          </p:nvPr>
-        </p:nvSpPr>
-        <p:spPr/>
-        <p:txBody>
-          <a:bodyPr>
-            <a:normAutofit/>
-          </a:bodyPr>
-          <a:lstStyle/>
-          <a:p>
-            <a:r>
-              <a:rPr lang="en-US" sz="4000" dirty="0"/>
-              <a:t>Identifying Customer Requirements</a:t>
-            </a:r>
-          </a:p>
-        </p:txBody>
-      </p:sp>
-      <p:sp>
-        <p:nvSpPr>
-          <p:cNvPr id="3" name="Content Placeholder 2">
-            <a:extLst>
-              <a:ext uri="{FF2B5EF4-FFF2-40B4-BE49-F238E27FC236}">
-                <a16:creationId xmlns:a16="http://schemas.microsoft.com/office/drawing/2014/main" id="{0E5C7354-BFFC-AE24-D3C9-491F145A180F}"/>
-              </a:ext>
-            </a:extLst>
-          </p:cNvPr>
-          <p:cNvSpPr>
-            <a:spLocks noGrp="1"/>
-          </p:cNvSpPr>
-          <p:nvPr>
-            <p:ph idx="1"/>
-          </p:nvPr>
-        </p:nvSpPr>
-        <p:spPr/>
-        <p:txBody>
-          <a:bodyPr/>
-          <a:lstStyle/>
-          <a:p>
-            <a:r>
-              <a:rPr lang="en-US" dirty="0"/>
-              <a:t>Engage with stakeholders</a:t>
-            </a:r>
-          </a:p>
-          <a:p>
-            <a:r>
-              <a:rPr lang="en-US" dirty="0"/>
-              <a:t>Elicit requirements through surveys and feedback</a:t>
-            </a:r>
-          </a:p>
-          <a:p>
-            <a:r>
-              <a:rPr lang="en-US" b="1" dirty="0"/>
-              <a:t>Analyze business processes</a:t>
-            </a:r>
-          </a:p>
-        </p:txBody>
-      </p:sp>
-    </p:spTree>
-    <p:extLst>
-      <p:ext uri="{BB962C8B-B14F-4D97-AF65-F5344CB8AC3E}">
-        <p14:creationId xmlns:p14="http://schemas.microsoft.com/office/powerpoint/2010/main" val="3482083128"/>
-      </p:ext>
-    </p:extLst>
-  </p:cSld>
-  <p:clrMapOvr>
-    <a:masterClrMapping/>
-  </p:clrMapOvr>
-  <p:timing>
-    <p:tnLst>
-      <p:par>
-        <p:cTn id="1" dur="indefinite" restart="never" nodeType="tmRoot">
-          <p:childTnLst>
-            <p:seq concurrent="1" nextAc="seek">
-              <p:cTn id="2" dur="indefinite" nodeType="mainSeq">
-                <p:childTnLst>
                   <p:par>
-                    <p:cTn id="3" fill="hold">
+                    <p:cTn id="28" fill="hold">
                       <p:stCondLst>
                         <p:cond delay="indefinite"/>
-                        <p:cond evt="onBegin" delay="0">
-                          <p:tn val="2"/>
-                        </p:cond>
                       </p:stCondLst>
                       <p:childTnLst>
                         <p:par>
-                          <p:cTn id="4" fill="hold">
+                          <p:cTn id="29" fill="hold">
                             <p:stCondLst>
                               <p:cond delay="0"/>
                             </p:stCondLst>
                             <p:childTnLst>
                               <p:par>
-                                <p:cTn id="5" presetID="10" presetClass="entr" presetSubtype="0" fill="hold" nodeType="afterEffect">
+                                <p:cTn id="30" presetID="10" presetClass="entr" presetSubtype="0" fill="hold" nodeType="clickEffect">
                                   <p:stCondLst>
                                     <p:cond delay="0"/>
                                   </p:stCondLst>
                                   <p:childTnLst>
                                     <p:set>
                                       <p:cBhvr>
-                                        <p:cTn id="6" dur="1" fill="hold">
+                                        <p:cTn id="31" dur="1" fill="hold">
                                           <p:stCondLst>
                                             <p:cond delay="0"/>
                                           </p:stCondLst>
@@ -19662,7 +19974,7 @@
                                         <p:tgtEl>
                                           <p:spTgt spid="3">
                                             <p:txEl>
-                                              <p:pRg st="2" end="2"/>
+                                              <p:pRg st="6" end="6"/>
                                             </p:txEl>
                                           </p:spTgt>
                                         </p:tgtEl>
@@ -19676,11 +19988,11 @@
                                     </p:set>
                                     <p:animEffect transition="in" filter="fade">
                                       <p:cBhvr>
-                                        <p:cTn id="7" dur="500"/>
+                                        <p:cTn id="32" dur="500"/>
                                         <p:tgtEl>
                                           <p:spTgt spid="3">
                                             <p:txEl>
-                                              <p:pRg st="2" end="2"/>
+                                              <p:pRg st="6" end="6"/>
                                             </p:txEl>
                                           </p:spTgt>
                                         </p:tgtEl>
@@ -19717,464 +20029,6 @@
       </p:par>
     </p:tnLst>
   </p:timing>
-</p:sld>
-</file>
-
-<file path=ppt/slides/slide60.xml><?xml version="1.0" encoding="utf-8"?>
-<p:sld xmlns:a="http://schemas.openxmlformats.org/drawingml/2006/main" xmlns:r="http://schemas.openxmlformats.org/officeDocument/2006/relationships" xmlns:p="http://schemas.openxmlformats.org/presentationml/2006/main">
-  <p:cSld>
-    <p:spTree>
-      <p:nvGrpSpPr>
-        <p:cNvPr id="1" name=""/>
-        <p:cNvGrpSpPr/>
-        <p:nvPr/>
-      </p:nvGrpSpPr>
-      <p:grpSpPr>
-        <a:xfrm>
-          <a:off x="0" y="0"/>
-          <a:ext cx="0" cy="0"/>
-          <a:chOff x="0" y="0"/>
-          <a:chExt cx="0" cy="0"/>
-        </a:xfrm>
-      </p:grpSpPr>
-      <p:sp>
-        <p:nvSpPr>
-          <p:cNvPr id="2" name="Title 1">
-            <a:extLst>
-              <a:ext uri="{FF2B5EF4-FFF2-40B4-BE49-F238E27FC236}">
-                <a16:creationId xmlns:a16="http://schemas.microsoft.com/office/drawing/2014/main" id="{E7C088E1-A3AC-701A-BF69-31487876394F}"/>
-              </a:ext>
-            </a:extLst>
-          </p:cNvPr>
-          <p:cNvSpPr>
-            <a:spLocks noGrp="1"/>
-          </p:cNvSpPr>
-          <p:nvPr>
-            <p:ph type="title"/>
-          </p:nvPr>
-        </p:nvSpPr>
-        <p:spPr/>
-        <p:txBody>
-          <a:bodyPr/>
-          <a:lstStyle/>
-          <a:p>
-            <a:r>
-              <a:rPr lang="en-US" dirty="0"/>
-              <a:t>Solution we’ll implement</a:t>
-            </a:r>
-          </a:p>
-        </p:txBody>
-      </p:sp>
-      <p:sp>
-        <p:nvSpPr>
-          <p:cNvPr id="3" name="Content Placeholder 2">
-            <a:extLst>
-              <a:ext uri="{FF2B5EF4-FFF2-40B4-BE49-F238E27FC236}">
-                <a16:creationId xmlns:a16="http://schemas.microsoft.com/office/drawing/2014/main" id="{3D78CA66-6D3A-62F9-1036-E3C6053DB574}"/>
-              </a:ext>
-            </a:extLst>
-          </p:cNvPr>
-          <p:cNvSpPr>
-            <a:spLocks noGrp="1"/>
-          </p:cNvSpPr>
-          <p:nvPr>
-            <p:ph idx="1"/>
-          </p:nvPr>
-        </p:nvSpPr>
-        <p:spPr/>
-        <p:txBody>
-          <a:bodyPr/>
-          <a:lstStyle/>
-          <a:p>
-            <a:r>
-              <a:rPr lang="en-US" dirty="0"/>
-              <a:t>Scenarios</a:t>
-            </a:r>
-          </a:p>
-          <a:p>
-            <a:pPr lvl="1"/>
-            <a:r>
-              <a:rPr lang="en-US" dirty="0"/>
-              <a:t>Order Placement</a:t>
-            </a:r>
-          </a:p>
-          <a:p>
-            <a:pPr lvl="1"/>
-            <a:r>
-              <a:rPr lang="en-US" dirty="0"/>
-              <a:t>Inventory Update</a:t>
-            </a:r>
-          </a:p>
-          <a:p>
-            <a:pPr lvl="1"/>
-            <a:endParaRPr lang="en-US" dirty="0"/>
-          </a:p>
-        </p:txBody>
-      </p:sp>
-    </p:spTree>
-    <p:extLst>
-      <p:ext uri="{BB962C8B-B14F-4D97-AF65-F5344CB8AC3E}">
-        <p14:creationId xmlns:p14="http://schemas.microsoft.com/office/powerpoint/2010/main" val="2143160167"/>
-      </p:ext>
-    </p:extLst>
-  </p:cSld>
-  <p:clrMapOvr>
-    <a:masterClrMapping/>
-  </p:clrMapOvr>
-</p:sld>
-</file>
-
-<file path=ppt/slides/slide61.xml><?xml version="1.0" encoding="utf-8"?>
-<p:sld xmlns:a="http://schemas.openxmlformats.org/drawingml/2006/main" xmlns:r="http://schemas.openxmlformats.org/officeDocument/2006/relationships" xmlns:p="http://schemas.openxmlformats.org/presentationml/2006/main">
-  <p:cSld>
-    <p:spTree>
-      <p:nvGrpSpPr>
-        <p:cNvPr id="1" name=""/>
-        <p:cNvGrpSpPr/>
-        <p:nvPr/>
-      </p:nvGrpSpPr>
-      <p:grpSpPr>
-        <a:xfrm>
-          <a:off x="0" y="0"/>
-          <a:ext cx="0" cy="0"/>
-          <a:chOff x="0" y="0"/>
-          <a:chExt cx="0" cy="0"/>
-        </a:xfrm>
-      </p:grpSpPr>
-      <p:sp>
-        <p:nvSpPr>
-          <p:cNvPr id="2" name="Title 1">
-            <a:extLst>
-              <a:ext uri="{FF2B5EF4-FFF2-40B4-BE49-F238E27FC236}">
-                <a16:creationId xmlns:a16="http://schemas.microsoft.com/office/drawing/2014/main" id="{E7C088E1-A3AC-701A-BF69-31487876394F}"/>
-              </a:ext>
-            </a:extLst>
-          </p:cNvPr>
-          <p:cNvSpPr>
-            <a:spLocks noGrp="1"/>
-          </p:cNvSpPr>
-          <p:nvPr>
-            <p:ph type="title"/>
-          </p:nvPr>
-        </p:nvSpPr>
-        <p:spPr/>
-        <p:txBody>
-          <a:bodyPr/>
-          <a:lstStyle/>
-          <a:p>
-            <a:r>
-              <a:rPr lang="en-US" dirty="0"/>
-              <a:t>Solution we’ll implement</a:t>
-            </a:r>
-          </a:p>
-        </p:txBody>
-      </p:sp>
-      <p:sp>
-        <p:nvSpPr>
-          <p:cNvPr id="3" name="Content Placeholder 2">
-            <a:extLst>
-              <a:ext uri="{FF2B5EF4-FFF2-40B4-BE49-F238E27FC236}">
-                <a16:creationId xmlns:a16="http://schemas.microsoft.com/office/drawing/2014/main" id="{3D78CA66-6D3A-62F9-1036-E3C6053DB574}"/>
-              </a:ext>
-            </a:extLst>
-          </p:cNvPr>
-          <p:cNvSpPr>
-            <a:spLocks noGrp="1"/>
-          </p:cNvSpPr>
-          <p:nvPr>
-            <p:ph idx="1"/>
-          </p:nvPr>
-        </p:nvSpPr>
-        <p:spPr/>
-        <p:txBody>
-          <a:bodyPr/>
-          <a:lstStyle/>
-          <a:p>
-            <a:r>
-              <a:rPr lang="en-US" dirty="0"/>
-              <a:t>Scenarios</a:t>
-            </a:r>
-          </a:p>
-          <a:p>
-            <a:pPr lvl="1"/>
-            <a:r>
-              <a:rPr lang="en-US" dirty="0"/>
-              <a:t>Order Placement</a:t>
-            </a:r>
-          </a:p>
-          <a:p>
-            <a:pPr lvl="1"/>
-            <a:r>
-              <a:rPr lang="en-US" dirty="0"/>
-              <a:t>Inventory Update</a:t>
-            </a:r>
-          </a:p>
-          <a:p>
-            <a:pPr lvl="1"/>
-            <a:r>
-              <a:rPr lang="en-US" dirty="0"/>
-              <a:t>Product Information Update</a:t>
-            </a:r>
-          </a:p>
-          <a:p>
-            <a:pPr lvl="1"/>
-            <a:endParaRPr lang="en-US" dirty="0"/>
-          </a:p>
-        </p:txBody>
-      </p:sp>
-    </p:spTree>
-    <p:extLst>
-      <p:ext uri="{BB962C8B-B14F-4D97-AF65-F5344CB8AC3E}">
-        <p14:creationId xmlns:p14="http://schemas.microsoft.com/office/powerpoint/2010/main" val="3522855117"/>
-      </p:ext>
-    </p:extLst>
-  </p:cSld>
-  <p:clrMapOvr>
-    <a:masterClrMapping/>
-  </p:clrMapOvr>
-</p:sld>
-</file>
-
-<file path=ppt/slides/slide62.xml><?xml version="1.0" encoding="utf-8"?>
-<p:sld xmlns:a="http://schemas.openxmlformats.org/drawingml/2006/main" xmlns:r="http://schemas.openxmlformats.org/officeDocument/2006/relationships" xmlns:p="http://schemas.openxmlformats.org/presentationml/2006/main">
-  <p:cSld>
-    <p:spTree>
-      <p:nvGrpSpPr>
-        <p:cNvPr id="1" name=""/>
-        <p:cNvGrpSpPr/>
-        <p:nvPr/>
-      </p:nvGrpSpPr>
-      <p:grpSpPr>
-        <a:xfrm>
-          <a:off x="0" y="0"/>
-          <a:ext cx="0" cy="0"/>
-          <a:chOff x="0" y="0"/>
-          <a:chExt cx="0" cy="0"/>
-        </a:xfrm>
-      </p:grpSpPr>
-      <p:sp>
-        <p:nvSpPr>
-          <p:cNvPr id="2" name="Title 1">
-            <a:extLst>
-              <a:ext uri="{FF2B5EF4-FFF2-40B4-BE49-F238E27FC236}">
-                <a16:creationId xmlns:a16="http://schemas.microsoft.com/office/drawing/2014/main" id="{E7C088E1-A3AC-701A-BF69-31487876394F}"/>
-              </a:ext>
-            </a:extLst>
-          </p:cNvPr>
-          <p:cNvSpPr>
-            <a:spLocks noGrp="1"/>
-          </p:cNvSpPr>
-          <p:nvPr>
-            <p:ph type="title"/>
-          </p:nvPr>
-        </p:nvSpPr>
-        <p:spPr/>
-        <p:txBody>
-          <a:bodyPr/>
-          <a:lstStyle/>
-          <a:p>
-            <a:r>
-              <a:rPr lang="en-US" dirty="0"/>
-              <a:t>Solution we’ll implement</a:t>
-            </a:r>
-          </a:p>
-        </p:txBody>
-      </p:sp>
-      <p:sp>
-        <p:nvSpPr>
-          <p:cNvPr id="3" name="Content Placeholder 2">
-            <a:extLst>
-              <a:ext uri="{FF2B5EF4-FFF2-40B4-BE49-F238E27FC236}">
-                <a16:creationId xmlns:a16="http://schemas.microsoft.com/office/drawing/2014/main" id="{3D78CA66-6D3A-62F9-1036-E3C6053DB574}"/>
-              </a:ext>
-            </a:extLst>
-          </p:cNvPr>
-          <p:cNvSpPr>
-            <a:spLocks noGrp="1"/>
-          </p:cNvSpPr>
-          <p:nvPr>
-            <p:ph idx="1"/>
-          </p:nvPr>
-        </p:nvSpPr>
-        <p:spPr/>
-        <p:txBody>
-          <a:bodyPr/>
-          <a:lstStyle/>
-          <a:p>
-            <a:r>
-              <a:rPr lang="en-US" dirty="0"/>
-              <a:t>Scenarios</a:t>
-            </a:r>
-          </a:p>
-          <a:p>
-            <a:pPr lvl="1"/>
-            <a:r>
-              <a:rPr lang="en-US" dirty="0"/>
-              <a:t>Order Placement</a:t>
-            </a:r>
-          </a:p>
-          <a:p>
-            <a:pPr lvl="1"/>
-            <a:r>
-              <a:rPr lang="en-US" dirty="0"/>
-              <a:t>Inventory Update</a:t>
-            </a:r>
-          </a:p>
-          <a:p>
-            <a:pPr lvl="1"/>
-            <a:r>
-              <a:rPr lang="en-US" dirty="0"/>
-              <a:t>Product Information Update</a:t>
-            </a:r>
-          </a:p>
-          <a:p>
-            <a:pPr lvl="1"/>
-            <a:r>
-              <a:rPr lang="en-US" dirty="0"/>
-              <a:t>Order Fulfillment and Shipping</a:t>
-            </a:r>
-          </a:p>
-          <a:p>
-            <a:pPr lvl="1"/>
-            <a:endParaRPr lang="en-US" dirty="0"/>
-          </a:p>
-        </p:txBody>
-      </p:sp>
-    </p:spTree>
-    <p:extLst>
-      <p:ext uri="{BB962C8B-B14F-4D97-AF65-F5344CB8AC3E}">
-        <p14:creationId xmlns:p14="http://schemas.microsoft.com/office/powerpoint/2010/main" val="4226406869"/>
-      </p:ext>
-    </p:extLst>
-  </p:cSld>
-  <p:clrMapOvr>
-    <a:masterClrMapping/>
-  </p:clrMapOvr>
-</p:sld>
-</file>
-
-<file path=ppt/slides/slide63.xml><?xml version="1.0" encoding="utf-8"?>
-<p:sld xmlns:a="http://schemas.openxmlformats.org/drawingml/2006/main" xmlns:r="http://schemas.openxmlformats.org/officeDocument/2006/relationships" xmlns:p="http://schemas.openxmlformats.org/presentationml/2006/main">
-  <p:cSld>
-    <p:spTree>
-      <p:nvGrpSpPr>
-        <p:cNvPr id="1" name=""/>
-        <p:cNvGrpSpPr/>
-        <p:nvPr/>
-      </p:nvGrpSpPr>
-      <p:grpSpPr>
-        <a:xfrm>
-          <a:off x="0" y="0"/>
-          <a:ext cx="0" cy="0"/>
-          <a:chOff x="0" y="0"/>
-          <a:chExt cx="0" cy="0"/>
-        </a:xfrm>
-      </p:grpSpPr>
-      <p:sp>
-        <p:nvSpPr>
-          <p:cNvPr id="2" name="Title 1">
-            <a:extLst>
-              <a:ext uri="{FF2B5EF4-FFF2-40B4-BE49-F238E27FC236}">
-                <a16:creationId xmlns:a16="http://schemas.microsoft.com/office/drawing/2014/main" id="{E7C088E1-A3AC-701A-BF69-31487876394F}"/>
-              </a:ext>
-            </a:extLst>
-          </p:cNvPr>
-          <p:cNvSpPr>
-            <a:spLocks noGrp="1"/>
-          </p:cNvSpPr>
-          <p:nvPr>
-            <p:ph type="title"/>
-          </p:nvPr>
-        </p:nvSpPr>
-        <p:spPr/>
-        <p:txBody>
-          <a:bodyPr/>
-          <a:lstStyle/>
-          <a:p>
-            <a:r>
-              <a:rPr lang="en-US" dirty="0"/>
-              <a:t>Solution we’ll implement</a:t>
-            </a:r>
-          </a:p>
-        </p:txBody>
-      </p:sp>
-      <p:sp>
-        <p:nvSpPr>
-          <p:cNvPr id="3" name="Content Placeholder 2">
-            <a:extLst>
-              <a:ext uri="{FF2B5EF4-FFF2-40B4-BE49-F238E27FC236}">
-                <a16:creationId xmlns:a16="http://schemas.microsoft.com/office/drawing/2014/main" id="{3D78CA66-6D3A-62F9-1036-E3C6053DB574}"/>
-              </a:ext>
-            </a:extLst>
-          </p:cNvPr>
-          <p:cNvSpPr>
-            <a:spLocks noGrp="1"/>
-          </p:cNvSpPr>
-          <p:nvPr>
-            <p:ph idx="1"/>
-          </p:nvPr>
-        </p:nvSpPr>
-        <p:spPr/>
-        <p:txBody>
-          <a:bodyPr/>
-          <a:lstStyle/>
-          <a:p>
-            <a:r>
-              <a:rPr lang="en-US" dirty="0"/>
-              <a:t>Scenarios</a:t>
-            </a:r>
-          </a:p>
-          <a:p>
-            <a:pPr lvl="1"/>
-            <a:r>
-              <a:rPr lang="en-US" dirty="0"/>
-              <a:t>Order Placement</a:t>
-            </a:r>
-          </a:p>
-          <a:p>
-            <a:pPr lvl="1"/>
-            <a:r>
-              <a:rPr lang="en-US" dirty="0"/>
-              <a:t>Inventory Update</a:t>
-            </a:r>
-          </a:p>
-          <a:p>
-            <a:pPr lvl="1"/>
-            <a:r>
-              <a:rPr lang="en-US" dirty="0"/>
-              <a:t>Product Information Update</a:t>
-            </a:r>
-          </a:p>
-          <a:p>
-            <a:pPr lvl="1"/>
-            <a:r>
-              <a:rPr lang="en-US" dirty="0"/>
-              <a:t>Order Fulfillment and Shipping</a:t>
-            </a:r>
-          </a:p>
-          <a:p>
-            <a:pPr lvl="1"/>
-            <a:r>
-              <a:rPr lang="en-US" dirty="0"/>
-              <a:t>Email Notification</a:t>
-            </a:r>
-          </a:p>
-          <a:p>
-            <a:pPr lvl="1"/>
-            <a:endParaRPr lang="en-US" dirty="0"/>
-          </a:p>
-        </p:txBody>
-      </p:sp>
-    </p:spTree>
-    <p:extLst>
-      <p:ext uri="{BB962C8B-B14F-4D97-AF65-F5344CB8AC3E}">
-        <p14:creationId xmlns:p14="http://schemas.microsoft.com/office/powerpoint/2010/main" val="1883028727"/>
-      </p:ext>
-    </p:extLst>
-  </p:cSld>
-  <p:clrMapOvr>
-    <a:masterClrMapping/>
-  </p:clrMapOvr>
 </p:sld>
 </file>
 

--- a/EDAWorkshop-03.pptx
+++ b/EDAWorkshop-03.pptx
@@ -6,7 +6,7 @@
     <p:sldMasterId id="2147483658" r:id="rId2"/>
   </p:sldMasterIdLst>
   <p:notesMasterIdLst>
-    <p:notesMasterId r:id="rId65"/>
+    <p:notesMasterId r:id="rId78"/>
   </p:notesMasterIdLst>
   <p:sldIdLst>
     <p:sldId id="257" r:id="rId3"/>
@@ -64,13 +64,26 @@
     <p:sldId id="356" r:id="rId55"/>
     <p:sldId id="357" r:id="rId56"/>
     <p:sldId id="362" r:id="rId57"/>
-    <p:sldId id="363" r:id="rId58"/>
-    <p:sldId id="364" r:id="rId59"/>
-    <p:sldId id="366" r:id="rId60"/>
-    <p:sldId id="365" r:id="rId61"/>
-    <p:sldId id="358" r:id="rId62"/>
-    <p:sldId id="359" r:id="rId63"/>
-    <p:sldId id="361" r:id="rId64"/>
+    <p:sldId id="369" r:id="rId58"/>
+    <p:sldId id="370" r:id="rId59"/>
+    <p:sldId id="371" r:id="rId60"/>
+    <p:sldId id="372" r:id="rId61"/>
+    <p:sldId id="373" r:id="rId62"/>
+    <p:sldId id="374" r:id="rId63"/>
+    <p:sldId id="375" r:id="rId64"/>
+    <p:sldId id="376" r:id="rId65"/>
+    <p:sldId id="377" r:id="rId66"/>
+    <p:sldId id="378" r:id="rId67"/>
+    <p:sldId id="379" r:id="rId68"/>
+    <p:sldId id="380" r:id="rId69"/>
+    <p:sldId id="381" r:id="rId70"/>
+    <p:sldId id="382" r:id="rId71"/>
+    <p:sldId id="383" r:id="rId72"/>
+    <p:sldId id="384" r:id="rId73"/>
+    <p:sldId id="358" r:id="rId74"/>
+    <p:sldId id="359" r:id="rId75"/>
+    <p:sldId id="361" r:id="rId76"/>
+    <p:sldId id="385" r:id="rId77"/>
   </p:sldIdLst>
   <p:sldSz cx="12192000" cy="6858000"/>
   <p:notesSz cx="6858000" cy="9144000"/>
@@ -233,13 +246,26 @@
             <p14:sldId id="356"/>
             <p14:sldId id="357"/>
             <p14:sldId id="362"/>
-            <p14:sldId id="363"/>
-            <p14:sldId id="364"/>
-            <p14:sldId id="366"/>
-            <p14:sldId id="365"/>
+            <p14:sldId id="369"/>
+            <p14:sldId id="370"/>
+            <p14:sldId id="371"/>
+            <p14:sldId id="372"/>
+            <p14:sldId id="373"/>
+            <p14:sldId id="374"/>
+            <p14:sldId id="375"/>
+            <p14:sldId id="376"/>
+            <p14:sldId id="377"/>
+            <p14:sldId id="378"/>
+            <p14:sldId id="379"/>
+            <p14:sldId id="380"/>
+            <p14:sldId id="381"/>
+            <p14:sldId id="382"/>
+            <p14:sldId id="383"/>
+            <p14:sldId id="384"/>
             <p14:sldId id="358"/>
             <p14:sldId id="359"/>
             <p14:sldId id="361"/>
+            <p14:sldId id="385"/>
           </p14:sldIdLst>
         </p14:section>
       </p14:sectionLst>
@@ -333,7 +359,7 @@
           <a:p>
             <a:fld id="{F54EF023-A732-4A4E-A8FB-240F3D1FABBB}" type="datetimeFigureOut">
               <a:rPr lang="en-US" smtClean="0"/>
-              <a:t>8/4/2023</a:t>
+              <a:t>11/5/2023</a:t>
             </a:fld>
             <a:endParaRPr lang="en-US"/>
           </a:p>
@@ -5524,31 +5550,6 @@
           <a:bodyPr/>
           <a:lstStyle/>
           <a:p>
-            <a:r>
-              <a:rPr lang="en-US" b="1" u="sng" dirty="0"/>
-              <a:t>Order Placement</a:t>
-            </a:r>
-            <a:endParaRPr lang="en-US" b="0" u="none" dirty="0"/>
-          </a:p>
-          <a:p>
-            <a:pPr marL="171450" indent="-171450">
-              <a:buFont typeface="Arial" panose="020B0604020202020204" pitchFamily="34" charset="0"/>
-              <a:buChar char="•"/>
-            </a:pPr>
-            <a:r>
-              <a:rPr lang="en-US" b="0" u="none" dirty="0"/>
-              <a:t>When a customer places an order on the e-commerce platform, the Order Service receives the order details and creates an “Order Placed” event.</a:t>
-            </a:r>
-          </a:p>
-          <a:p>
-            <a:pPr marL="171450" indent="-171450">
-              <a:buFont typeface="Arial" panose="020B0604020202020204" pitchFamily="34" charset="0"/>
-              <a:buChar char="•"/>
-            </a:pPr>
-            <a:r>
-              <a:rPr lang="en-US" b="0" u="none" dirty="0"/>
-              <a:t>The Order Management service publishes this event to the Azure Event Hub topic dedicated to order events</a:t>
-            </a:r>
             <a:endParaRPr lang="en-US" b="1" u="sng" dirty="0"/>
           </a:p>
         </p:txBody>
@@ -5634,31 +5635,9 @@
           <a:lstStyle/>
           <a:p>
             <a:r>
-              <a:rPr lang="en-US" b="1" u="sng" dirty="0"/>
-              <a:t>Order Placement</a:t>
-            </a:r>
-            <a:endParaRPr lang="en-US" b="0" u="none" dirty="0"/>
-          </a:p>
-          <a:p>
-            <a:pPr marL="171450" indent="-171450">
-              <a:buFont typeface="Arial" panose="020B0604020202020204" pitchFamily="34" charset="0"/>
-              <a:buChar char="•"/>
-            </a:pPr>
-            <a:r>
               <a:rPr lang="en-US" b="0" u="none" dirty="0"/>
-              <a:t>When a customer places an order on the e-commerce platform, the Order Service receives the order details and creates an “Order Placed” event.</a:t>
-            </a:r>
-          </a:p>
-          <a:p>
-            <a:pPr marL="171450" indent="-171450">
-              <a:buFont typeface="Arial" panose="020B0604020202020204" pitchFamily="34" charset="0"/>
-              <a:buChar char="•"/>
-            </a:pPr>
-            <a:r>
-              <a:rPr lang="en-US" b="0" u="none" dirty="0"/>
-              <a:t>The Order Management service publishes this event to the Azure Event Hub topic dedicated to order events</a:t>
-            </a:r>
-            <a:endParaRPr lang="en-US" b="1" u="sng" dirty="0"/>
+              <a:t>As a product manager, I want to be able to manage the products that are available for purchase.</a:t>
+            </a:r>
           </a:p>
         </p:txBody>
       </p:sp>
@@ -5688,7 +5667,7 @@
     </p:spTree>
     <p:extLst>
       <p:ext uri="{BB962C8B-B14F-4D97-AF65-F5344CB8AC3E}">
-        <p14:creationId xmlns:p14="http://schemas.microsoft.com/office/powerpoint/2010/main" val="3505232739"/>
+        <p14:creationId xmlns:p14="http://schemas.microsoft.com/office/powerpoint/2010/main" val="1526758009"/>
       </p:ext>
     </p:extLst>
   </p:cSld>
@@ -5742,32 +5721,7 @@
           <a:bodyPr/>
           <a:lstStyle/>
           <a:p>
-            <a:r>
-              <a:rPr lang="en-US" b="1" u="sng" dirty="0"/>
-              <a:t>Order Placement</a:t>
-            </a:r>
             <a:endParaRPr lang="en-US" b="0" u="none" dirty="0"/>
-          </a:p>
-          <a:p>
-            <a:pPr marL="171450" indent="-171450">
-              <a:buFont typeface="Arial" panose="020B0604020202020204" pitchFamily="34" charset="0"/>
-              <a:buChar char="•"/>
-            </a:pPr>
-            <a:r>
-              <a:rPr lang="en-US" b="0" u="none" dirty="0"/>
-              <a:t>When a customer places an order on the e-commerce platform, the Order Service receives the order details and creates an “Order Placed” event.</a:t>
-            </a:r>
-          </a:p>
-          <a:p>
-            <a:pPr marL="171450" indent="-171450">
-              <a:buFont typeface="Arial" panose="020B0604020202020204" pitchFamily="34" charset="0"/>
-              <a:buChar char="•"/>
-            </a:pPr>
-            <a:r>
-              <a:rPr lang="en-US" b="0" u="none" dirty="0"/>
-              <a:t>The Order Management service publishes this event to the Azure Event Hub topic dedicated to order events</a:t>
-            </a:r>
-            <a:endParaRPr lang="en-US" b="1" u="sng" dirty="0"/>
           </a:p>
         </p:txBody>
       </p:sp>
@@ -5797,7 +5751,7 @@
     </p:spTree>
     <p:extLst>
       <p:ext uri="{BB962C8B-B14F-4D97-AF65-F5344CB8AC3E}">
-        <p14:creationId xmlns:p14="http://schemas.microsoft.com/office/powerpoint/2010/main" val="159907961"/>
+        <p14:creationId xmlns:p14="http://schemas.microsoft.com/office/powerpoint/2010/main" val="1365391769"/>
       </p:ext>
     </p:extLst>
   </p:cSld>
@@ -5851,32 +5805,7 @@
           <a:bodyPr/>
           <a:lstStyle/>
           <a:p>
-            <a:r>
-              <a:rPr lang="en-US" b="1" u="sng" dirty="0"/>
-              <a:t>Order Placement</a:t>
-            </a:r>
             <a:endParaRPr lang="en-US" b="0" u="none" dirty="0"/>
-          </a:p>
-          <a:p>
-            <a:pPr marL="171450" indent="-171450">
-              <a:buFont typeface="Arial" panose="020B0604020202020204" pitchFamily="34" charset="0"/>
-              <a:buChar char="•"/>
-            </a:pPr>
-            <a:r>
-              <a:rPr lang="en-US" b="0" u="none" dirty="0"/>
-              <a:t>When a customer places an order on the e-commerce platform, the Order Service receives the order details and creates an “Order Placed” event.</a:t>
-            </a:r>
-          </a:p>
-          <a:p>
-            <a:pPr marL="171450" indent="-171450">
-              <a:buFont typeface="Arial" panose="020B0604020202020204" pitchFamily="34" charset="0"/>
-              <a:buChar char="•"/>
-            </a:pPr>
-            <a:r>
-              <a:rPr lang="en-US" b="0" u="none" dirty="0"/>
-              <a:t>The Order Management service publishes this event to the Azure Event Hub topic dedicated to order events</a:t>
-            </a:r>
-            <a:endParaRPr lang="en-US" b="1" u="sng" dirty="0"/>
           </a:p>
         </p:txBody>
       </p:sp>
@@ -5906,7 +5835,7 @@
     </p:spTree>
     <p:extLst>
       <p:ext uri="{BB962C8B-B14F-4D97-AF65-F5344CB8AC3E}">
-        <p14:creationId xmlns:p14="http://schemas.microsoft.com/office/powerpoint/2010/main" val="841187094"/>
+        <p14:creationId xmlns:p14="http://schemas.microsoft.com/office/powerpoint/2010/main" val="2932875772"/>
       </p:ext>
     </p:extLst>
   </p:cSld>
@@ -5960,32 +5889,7 @@
           <a:bodyPr/>
           <a:lstStyle/>
           <a:p>
-            <a:r>
-              <a:rPr lang="en-US" b="1" u="sng" dirty="0"/>
-              <a:t>Order Placement</a:t>
-            </a:r>
             <a:endParaRPr lang="en-US" b="0" u="none" dirty="0"/>
-          </a:p>
-          <a:p>
-            <a:pPr marL="171450" indent="-171450">
-              <a:buFont typeface="Arial" panose="020B0604020202020204" pitchFamily="34" charset="0"/>
-              <a:buChar char="•"/>
-            </a:pPr>
-            <a:r>
-              <a:rPr lang="en-US" b="0" u="none" dirty="0"/>
-              <a:t>When a customer places an order on the e-commerce platform, the Order Service receives the order details and creates an “Order Placed” event.</a:t>
-            </a:r>
-          </a:p>
-          <a:p>
-            <a:pPr marL="171450" indent="-171450">
-              <a:buFont typeface="Arial" panose="020B0604020202020204" pitchFamily="34" charset="0"/>
-              <a:buChar char="•"/>
-            </a:pPr>
-            <a:r>
-              <a:rPr lang="en-US" b="0" u="none" dirty="0"/>
-              <a:t>The Order Management service publishes this event to the Azure Event Hub topic dedicated to order events</a:t>
-            </a:r>
-            <a:endParaRPr lang="en-US" b="1" u="sng" dirty="0"/>
           </a:p>
         </p:txBody>
       </p:sp>
@@ -6015,7 +5919,7 @@
     </p:spTree>
     <p:extLst>
       <p:ext uri="{BB962C8B-B14F-4D97-AF65-F5344CB8AC3E}">
-        <p14:creationId xmlns:p14="http://schemas.microsoft.com/office/powerpoint/2010/main" val="2352422072"/>
+        <p14:creationId xmlns:p14="http://schemas.microsoft.com/office/powerpoint/2010/main" val="3909268590"/>
       </p:ext>
     </p:extLst>
   </p:cSld>
@@ -6069,7 +5973,7 @@
           <a:bodyPr/>
           <a:lstStyle/>
           <a:p>
-            <a:endParaRPr lang="en-US" dirty="0"/>
+            <a:endParaRPr lang="en-US" b="0" u="none" dirty="0"/>
           </a:p>
         </p:txBody>
       </p:sp>
@@ -6099,7 +6003,7 @@
     </p:spTree>
     <p:extLst>
       <p:ext uri="{BB962C8B-B14F-4D97-AF65-F5344CB8AC3E}">
-        <p14:creationId xmlns:p14="http://schemas.microsoft.com/office/powerpoint/2010/main" val="1654916421"/>
+        <p14:creationId xmlns:p14="http://schemas.microsoft.com/office/powerpoint/2010/main" val="2026573356"/>
       </p:ext>
     </p:extLst>
   </p:cSld>
@@ -6153,7 +6057,7 @@
           <a:bodyPr/>
           <a:lstStyle/>
           <a:p>
-            <a:endParaRPr lang="en-US" dirty="0"/>
+            <a:endParaRPr lang="en-US" b="0" u="none" dirty="0"/>
           </a:p>
         </p:txBody>
       </p:sp>
@@ -6183,7 +6087,7 @@
     </p:spTree>
     <p:extLst>
       <p:ext uri="{BB962C8B-B14F-4D97-AF65-F5344CB8AC3E}">
-        <p14:creationId xmlns:p14="http://schemas.microsoft.com/office/powerpoint/2010/main" val="3616706252"/>
+        <p14:creationId xmlns:p14="http://schemas.microsoft.com/office/powerpoint/2010/main" val="2889195368"/>
       </p:ext>
     </p:extLst>
   </p:cSld>
@@ -6237,83 +6141,7 @@
           <a:bodyPr/>
           <a:lstStyle/>
           <a:p>
-            <a:r>
-              <a:rPr lang="en-US" dirty="0"/>
-              <a:t>Microservices in the solution:</a:t>
-            </a:r>
-          </a:p>
-          <a:p>
-            <a:endParaRPr lang="en-US" dirty="0"/>
-          </a:p>
-          <a:p>
-            <a:pPr marL="171450" indent="-171450">
-              <a:buFont typeface="Arial" panose="020B0604020202020204" pitchFamily="34" charset="0"/>
-              <a:buChar char="•"/>
-            </a:pPr>
-            <a:r>
-              <a:rPr lang="en-US" b="1" dirty="0"/>
-              <a:t>Product Management:</a:t>
-            </a:r>
-            <a:r>
-              <a:rPr lang="en-US" dirty="0"/>
-              <a:t> Responsible for managing product information</a:t>
-            </a:r>
-          </a:p>
-          <a:p>
-            <a:pPr marL="171450" indent="-171450">
-              <a:buFont typeface="Arial" panose="020B0604020202020204" pitchFamily="34" charset="0"/>
-              <a:buChar char="•"/>
-            </a:pPr>
-            <a:r>
-              <a:rPr lang="en-US" b="1" dirty="0"/>
-              <a:t>Order Management:</a:t>
-            </a:r>
-            <a:r>
-              <a:rPr lang="en-US" dirty="0"/>
-              <a:t> Handles order placement and processing</a:t>
-            </a:r>
-          </a:p>
-          <a:p>
-            <a:pPr marL="171450" indent="-171450">
-              <a:buFont typeface="Arial" panose="020B0604020202020204" pitchFamily="34" charset="0"/>
-              <a:buChar char="•"/>
-            </a:pPr>
-            <a:r>
-              <a:rPr lang="en-US" b="1" dirty="0"/>
-              <a:t>Inventory Management:</a:t>
-            </a:r>
-            <a:r>
-              <a:rPr lang="en-US" dirty="0"/>
-              <a:t> Manages product inventory levels.</a:t>
-            </a:r>
-          </a:p>
-          <a:p>
-            <a:pPr marL="171450" indent="-171450">
-              <a:buFont typeface="Arial" panose="020B0604020202020204" pitchFamily="34" charset="0"/>
-              <a:buChar char="•"/>
-            </a:pPr>
-            <a:r>
-              <a:rPr lang="en-US" b="1" dirty="0"/>
-              <a:t>Shipping Management:</a:t>
-            </a:r>
-            <a:r>
-              <a:rPr lang="en-US" dirty="0"/>
-              <a:t> Handles order shipping and tracking.</a:t>
-            </a:r>
-          </a:p>
-          <a:p>
-            <a:pPr marL="171450" indent="-171450">
-              <a:buFont typeface="Arial" panose="020B0604020202020204" pitchFamily="34" charset="0"/>
-              <a:buChar char="•"/>
-            </a:pPr>
-            <a:r>
-              <a:rPr lang="en-US" b="1" dirty="0"/>
-              <a:t>Notification Management:</a:t>
-            </a:r>
-            <a:r>
-              <a:rPr lang="en-US" dirty="0"/>
-              <a:t> Sends order confirmation and status updates to customers.</a:t>
-            </a:r>
+            <a:endParaRPr lang="en-US" b="0" u="none" dirty="0"/>
           </a:p>
         </p:txBody>
       </p:sp>
@@ -6343,7 +6171,7 @@
     </p:spTree>
     <p:extLst>
       <p:ext uri="{BB962C8B-B14F-4D97-AF65-F5344CB8AC3E}">
-        <p14:creationId xmlns:p14="http://schemas.microsoft.com/office/powerpoint/2010/main" val="3002560910"/>
+        <p14:creationId xmlns:p14="http://schemas.microsoft.com/office/powerpoint/2010/main" val="2178884789"/>
       </p:ext>
     </p:extLst>
   </p:cSld>
@@ -6445,6 +6273,846 @@
 </p:notes>
 </file>
 
+<file path=ppt/notesSlides/notesSlide60.xml><?xml version="1.0" encoding="utf-8"?>
+<p:notes xmlns:a="http://schemas.openxmlformats.org/drawingml/2006/main" xmlns:r="http://schemas.openxmlformats.org/officeDocument/2006/relationships" xmlns:p="http://schemas.openxmlformats.org/presentationml/2006/main">
+  <p:cSld>
+    <p:spTree>
+      <p:nvGrpSpPr>
+        <p:cNvPr id="1" name=""/>
+        <p:cNvGrpSpPr/>
+        <p:nvPr/>
+      </p:nvGrpSpPr>
+      <p:grpSpPr>
+        <a:xfrm>
+          <a:off x="0" y="0"/>
+          <a:ext cx="0" cy="0"/>
+          <a:chOff x="0" y="0"/>
+          <a:chExt cx="0" cy="0"/>
+        </a:xfrm>
+      </p:grpSpPr>
+      <p:sp>
+        <p:nvSpPr>
+          <p:cNvPr id="2" name="Slide Image Placeholder 1"/>
+          <p:cNvSpPr>
+            <a:spLocks noGrp="1" noRot="1" noChangeAspect="1"/>
+          </p:cNvSpPr>
+          <p:nvPr>
+            <p:ph type="sldImg"/>
+          </p:nvPr>
+        </p:nvSpPr>
+        <p:spPr/>
+      </p:sp>
+      <p:sp>
+        <p:nvSpPr>
+          <p:cNvPr id="3" name="Notes Placeholder 2"/>
+          <p:cNvSpPr>
+            <a:spLocks noGrp="1"/>
+          </p:cNvSpPr>
+          <p:nvPr>
+            <p:ph type="body" idx="1"/>
+          </p:nvPr>
+        </p:nvSpPr>
+        <p:spPr/>
+        <p:txBody>
+          <a:bodyPr/>
+          <a:lstStyle/>
+          <a:p>
+            <a:endParaRPr lang="en-US" b="0" u="none" dirty="0"/>
+          </a:p>
+        </p:txBody>
+      </p:sp>
+      <p:sp>
+        <p:nvSpPr>
+          <p:cNvPr id="4" name="Slide Number Placeholder 3"/>
+          <p:cNvSpPr>
+            <a:spLocks noGrp="1"/>
+          </p:cNvSpPr>
+          <p:nvPr>
+            <p:ph type="sldNum" sz="quarter" idx="5"/>
+          </p:nvPr>
+        </p:nvSpPr>
+        <p:spPr/>
+        <p:txBody>
+          <a:bodyPr/>
+          <a:lstStyle/>
+          <a:p>
+            <a:fld id="{A4D61497-3438-4A57-A4F0-56E725182219}" type="slidenum">
+              <a:rPr lang="en-US" smtClean="0"/>
+              <a:t>63</a:t>
+            </a:fld>
+            <a:endParaRPr lang="en-US"/>
+          </a:p>
+        </p:txBody>
+      </p:sp>
+    </p:spTree>
+    <p:extLst>
+      <p:ext uri="{BB962C8B-B14F-4D97-AF65-F5344CB8AC3E}">
+        <p14:creationId xmlns:p14="http://schemas.microsoft.com/office/powerpoint/2010/main" val="3832920919"/>
+      </p:ext>
+    </p:extLst>
+  </p:cSld>
+  <p:clrMapOvr>
+    <a:masterClrMapping/>
+  </p:clrMapOvr>
+</p:notes>
+</file>
+
+<file path=ppt/notesSlides/notesSlide61.xml><?xml version="1.0" encoding="utf-8"?>
+<p:notes xmlns:a="http://schemas.openxmlformats.org/drawingml/2006/main" xmlns:r="http://schemas.openxmlformats.org/officeDocument/2006/relationships" xmlns:p="http://schemas.openxmlformats.org/presentationml/2006/main">
+  <p:cSld>
+    <p:spTree>
+      <p:nvGrpSpPr>
+        <p:cNvPr id="1" name=""/>
+        <p:cNvGrpSpPr/>
+        <p:nvPr/>
+      </p:nvGrpSpPr>
+      <p:grpSpPr>
+        <a:xfrm>
+          <a:off x="0" y="0"/>
+          <a:ext cx="0" cy="0"/>
+          <a:chOff x="0" y="0"/>
+          <a:chExt cx="0" cy="0"/>
+        </a:xfrm>
+      </p:grpSpPr>
+      <p:sp>
+        <p:nvSpPr>
+          <p:cNvPr id="2" name="Slide Image Placeholder 1"/>
+          <p:cNvSpPr>
+            <a:spLocks noGrp="1" noRot="1" noChangeAspect="1"/>
+          </p:cNvSpPr>
+          <p:nvPr>
+            <p:ph type="sldImg"/>
+          </p:nvPr>
+        </p:nvSpPr>
+        <p:spPr/>
+      </p:sp>
+      <p:sp>
+        <p:nvSpPr>
+          <p:cNvPr id="3" name="Notes Placeholder 2"/>
+          <p:cNvSpPr>
+            <a:spLocks noGrp="1"/>
+          </p:cNvSpPr>
+          <p:nvPr>
+            <p:ph type="body" idx="1"/>
+          </p:nvPr>
+        </p:nvSpPr>
+        <p:spPr/>
+        <p:txBody>
+          <a:bodyPr/>
+          <a:lstStyle/>
+          <a:p>
+            <a:endParaRPr lang="en-US" b="0" u="none" dirty="0"/>
+          </a:p>
+        </p:txBody>
+      </p:sp>
+      <p:sp>
+        <p:nvSpPr>
+          <p:cNvPr id="4" name="Slide Number Placeholder 3"/>
+          <p:cNvSpPr>
+            <a:spLocks noGrp="1"/>
+          </p:cNvSpPr>
+          <p:nvPr>
+            <p:ph type="sldNum" sz="quarter" idx="5"/>
+          </p:nvPr>
+        </p:nvSpPr>
+        <p:spPr/>
+        <p:txBody>
+          <a:bodyPr/>
+          <a:lstStyle/>
+          <a:p>
+            <a:fld id="{A4D61497-3438-4A57-A4F0-56E725182219}" type="slidenum">
+              <a:rPr lang="en-US" smtClean="0"/>
+              <a:t>64</a:t>
+            </a:fld>
+            <a:endParaRPr lang="en-US"/>
+          </a:p>
+        </p:txBody>
+      </p:sp>
+    </p:spTree>
+    <p:extLst>
+      <p:ext uri="{BB962C8B-B14F-4D97-AF65-F5344CB8AC3E}">
+        <p14:creationId xmlns:p14="http://schemas.microsoft.com/office/powerpoint/2010/main" val="3400219719"/>
+      </p:ext>
+    </p:extLst>
+  </p:cSld>
+  <p:clrMapOvr>
+    <a:masterClrMapping/>
+  </p:clrMapOvr>
+</p:notes>
+</file>
+
+<file path=ppt/notesSlides/notesSlide62.xml><?xml version="1.0" encoding="utf-8"?>
+<p:notes xmlns:a="http://schemas.openxmlformats.org/drawingml/2006/main" xmlns:r="http://schemas.openxmlformats.org/officeDocument/2006/relationships" xmlns:p="http://schemas.openxmlformats.org/presentationml/2006/main">
+  <p:cSld>
+    <p:spTree>
+      <p:nvGrpSpPr>
+        <p:cNvPr id="1" name=""/>
+        <p:cNvGrpSpPr/>
+        <p:nvPr/>
+      </p:nvGrpSpPr>
+      <p:grpSpPr>
+        <a:xfrm>
+          <a:off x="0" y="0"/>
+          <a:ext cx="0" cy="0"/>
+          <a:chOff x="0" y="0"/>
+          <a:chExt cx="0" cy="0"/>
+        </a:xfrm>
+      </p:grpSpPr>
+      <p:sp>
+        <p:nvSpPr>
+          <p:cNvPr id="2" name="Slide Image Placeholder 1"/>
+          <p:cNvSpPr>
+            <a:spLocks noGrp="1" noRot="1" noChangeAspect="1"/>
+          </p:cNvSpPr>
+          <p:nvPr>
+            <p:ph type="sldImg"/>
+          </p:nvPr>
+        </p:nvSpPr>
+        <p:spPr/>
+      </p:sp>
+      <p:sp>
+        <p:nvSpPr>
+          <p:cNvPr id="3" name="Notes Placeholder 2"/>
+          <p:cNvSpPr>
+            <a:spLocks noGrp="1"/>
+          </p:cNvSpPr>
+          <p:nvPr>
+            <p:ph type="body" idx="1"/>
+          </p:nvPr>
+        </p:nvSpPr>
+        <p:spPr/>
+        <p:txBody>
+          <a:bodyPr/>
+          <a:lstStyle/>
+          <a:p>
+            <a:endParaRPr lang="en-US" b="0" u="none" dirty="0"/>
+          </a:p>
+        </p:txBody>
+      </p:sp>
+      <p:sp>
+        <p:nvSpPr>
+          <p:cNvPr id="4" name="Slide Number Placeholder 3"/>
+          <p:cNvSpPr>
+            <a:spLocks noGrp="1"/>
+          </p:cNvSpPr>
+          <p:nvPr>
+            <p:ph type="sldNum" sz="quarter" idx="5"/>
+          </p:nvPr>
+        </p:nvSpPr>
+        <p:spPr/>
+        <p:txBody>
+          <a:bodyPr/>
+          <a:lstStyle/>
+          <a:p>
+            <a:fld id="{A4D61497-3438-4A57-A4F0-56E725182219}" type="slidenum">
+              <a:rPr lang="en-US" smtClean="0"/>
+              <a:t>65</a:t>
+            </a:fld>
+            <a:endParaRPr lang="en-US"/>
+          </a:p>
+        </p:txBody>
+      </p:sp>
+    </p:spTree>
+    <p:extLst>
+      <p:ext uri="{BB962C8B-B14F-4D97-AF65-F5344CB8AC3E}">
+        <p14:creationId xmlns:p14="http://schemas.microsoft.com/office/powerpoint/2010/main" val="1565888747"/>
+      </p:ext>
+    </p:extLst>
+  </p:cSld>
+  <p:clrMapOvr>
+    <a:masterClrMapping/>
+  </p:clrMapOvr>
+</p:notes>
+</file>
+
+<file path=ppt/notesSlides/notesSlide63.xml><?xml version="1.0" encoding="utf-8"?>
+<p:notes xmlns:a="http://schemas.openxmlformats.org/drawingml/2006/main" xmlns:r="http://schemas.openxmlformats.org/officeDocument/2006/relationships" xmlns:p="http://schemas.openxmlformats.org/presentationml/2006/main">
+  <p:cSld>
+    <p:spTree>
+      <p:nvGrpSpPr>
+        <p:cNvPr id="1" name=""/>
+        <p:cNvGrpSpPr/>
+        <p:nvPr/>
+      </p:nvGrpSpPr>
+      <p:grpSpPr>
+        <a:xfrm>
+          <a:off x="0" y="0"/>
+          <a:ext cx="0" cy="0"/>
+          <a:chOff x="0" y="0"/>
+          <a:chExt cx="0" cy="0"/>
+        </a:xfrm>
+      </p:grpSpPr>
+      <p:sp>
+        <p:nvSpPr>
+          <p:cNvPr id="2" name="Slide Image Placeholder 1"/>
+          <p:cNvSpPr>
+            <a:spLocks noGrp="1" noRot="1" noChangeAspect="1"/>
+          </p:cNvSpPr>
+          <p:nvPr>
+            <p:ph type="sldImg"/>
+          </p:nvPr>
+        </p:nvSpPr>
+        <p:spPr/>
+      </p:sp>
+      <p:sp>
+        <p:nvSpPr>
+          <p:cNvPr id="3" name="Notes Placeholder 2"/>
+          <p:cNvSpPr>
+            <a:spLocks noGrp="1"/>
+          </p:cNvSpPr>
+          <p:nvPr>
+            <p:ph type="body" idx="1"/>
+          </p:nvPr>
+        </p:nvSpPr>
+        <p:spPr/>
+        <p:txBody>
+          <a:bodyPr/>
+          <a:lstStyle/>
+          <a:p>
+            <a:endParaRPr lang="en-US" b="0" u="none" dirty="0"/>
+          </a:p>
+        </p:txBody>
+      </p:sp>
+      <p:sp>
+        <p:nvSpPr>
+          <p:cNvPr id="4" name="Slide Number Placeholder 3"/>
+          <p:cNvSpPr>
+            <a:spLocks noGrp="1"/>
+          </p:cNvSpPr>
+          <p:nvPr>
+            <p:ph type="sldNum" sz="quarter" idx="5"/>
+          </p:nvPr>
+        </p:nvSpPr>
+        <p:spPr/>
+        <p:txBody>
+          <a:bodyPr/>
+          <a:lstStyle/>
+          <a:p>
+            <a:fld id="{A4D61497-3438-4A57-A4F0-56E725182219}" type="slidenum">
+              <a:rPr lang="en-US" smtClean="0"/>
+              <a:t>66</a:t>
+            </a:fld>
+            <a:endParaRPr lang="en-US"/>
+          </a:p>
+        </p:txBody>
+      </p:sp>
+    </p:spTree>
+    <p:extLst>
+      <p:ext uri="{BB962C8B-B14F-4D97-AF65-F5344CB8AC3E}">
+        <p14:creationId xmlns:p14="http://schemas.microsoft.com/office/powerpoint/2010/main" val="4153191287"/>
+      </p:ext>
+    </p:extLst>
+  </p:cSld>
+  <p:clrMapOvr>
+    <a:masterClrMapping/>
+  </p:clrMapOvr>
+</p:notes>
+</file>
+
+<file path=ppt/notesSlides/notesSlide64.xml><?xml version="1.0" encoding="utf-8"?>
+<p:notes xmlns:a="http://schemas.openxmlformats.org/drawingml/2006/main" xmlns:r="http://schemas.openxmlformats.org/officeDocument/2006/relationships" xmlns:p="http://schemas.openxmlformats.org/presentationml/2006/main">
+  <p:cSld>
+    <p:spTree>
+      <p:nvGrpSpPr>
+        <p:cNvPr id="1" name=""/>
+        <p:cNvGrpSpPr/>
+        <p:nvPr/>
+      </p:nvGrpSpPr>
+      <p:grpSpPr>
+        <a:xfrm>
+          <a:off x="0" y="0"/>
+          <a:ext cx="0" cy="0"/>
+          <a:chOff x="0" y="0"/>
+          <a:chExt cx="0" cy="0"/>
+        </a:xfrm>
+      </p:grpSpPr>
+      <p:sp>
+        <p:nvSpPr>
+          <p:cNvPr id="2" name="Slide Image Placeholder 1"/>
+          <p:cNvSpPr>
+            <a:spLocks noGrp="1" noRot="1" noChangeAspect="1"/>
+          </p:cNvSpPr>
+          <p:nvPr>
+            <p:ph type="sldImg"/>
+          </p:nvPr>
+        </p:nvSpPr>
+        <p:spPr/>
+      </p:sp>
+      <p:sp>
+        <p:nvSpPr>
+          <p:cNvPr id="3" name="Notes Placeholder 2"/>
+          <p:cNvSpPr>
+            <a:spLocks noGrp="1"/>
+          </p:cNvSpPr>
+          <p:nvPr>
+            <p:ph type="body" idx="1"/>
+          </p:nvPr>
+        </p:nvSpPr>
+        <p:spPr/>
+        <p:txBody>
+          <a:bodyPr/>
+          <a:lstStyle/>
+          <a:p>
+            <a:endParaRPr lang="en-US" b="0" u="none" dirty="0"/>
+          </a:p>
+        </p:txBody>
+      </p:sp>
+      <p:sp>
+        <p:nvSpPr>
+          <p:cNvPr id="4" name="Slide Number Placeholder 3"/>
+          <p:cNvSpPr>
+            <a:spLocks noGrp="1"/>
+          </p:cNvSpPr>
+          <p:nvPr>
+            <p:ph type="sldNum" sz="quarter" idx="5"/>
+          </p:nvPr>
+        </p:nvSpPr>
+        <p:spPr/>
+        <p:txBody>
+          <a:bodyPr/>
+          <a:lstStyle/>
+          <a:p>
+            <a:fld id="{A4D61497-3438-4A57-A4F0-56E725182219}" type="slidenum">
+              <a:rPr lang="en-US" smtClean="0"/>
+              <a:t>67</a:t>
+            </a:fld>
+            <a:endParaRPr lang="en-US"/>
+          </a:p>
+        </p:txBody>
+      </p:sp>
+    </p:spTree>
+    <p:extLst>
+      <p:ext uri="{BB962C8B-B14F-4D97-AF65-F5344CB8AC3E}">
+        <p14:creationId xmlns:p14="http://schemas.microsoft.com/office/powerpoint/2010/main" val="595992756"/>
+      </p:ext>
+    </p:extLst>
+  </p:cSld>
+  <p:clrMapOvr>
+    <a:masterClrMapping/>
+  </p:clrMapOvr>
+</p:notes>
+</file>
+
+<file path=ppt/notesSlides/notesSlide65.xml><?xml version="1.0" encoding="utf-8"?>
+<p:notes xmlns:a="http://schemas.openxmlformats.org/drawingml/2006/main" xmlns:r="http://schemas.openxmlformats.org/officeDocument/2006/relationships" xmlns:p="http://schemas.openxmlformats.org/presentationml/2006/main">
+  <p:cSld>
+    <p:spTree>
+      <p:nvGrpSpPr>
+        <p:cNvPr id="1" name=""/>
+        <p:cNvGrpSpPr/>
+        <p:nvPr/>
+      </p:nvGrpSpPr>
+      <p:grpSpPr>
+        <a:xfrm>
+          <a:off x="0" y="0"/>
+          <a:ext cx="0" cy="0"/>
+          <a:chOff x="0" y="0"/>
+          <a:chExt cx="0" cy="0"/>
+        </a:xfrm>
+      </p:grpSpPr>
+      <p:sp>
+        <p:nvSpPr>
+          <p:cNvPr id="2" name="Slide Image Placeholder 1"/>
+          <p:cNvSpPr>
+            <a:spLocks noGrp="1" noRot="1" noChangeAspect="1"/>
+          </p:cNvSpPr>
+          <p:nvPr>
+            <p:ph type="sldImg"/>
+          </p:nvPr>
+        </p:nvSpPr>
+        <p:spPr/>
+      </p:sp>
+      <p:sp>
+        <p:nvSpPr>
+          <p:cNvPr id="3" name="Notes Placeholder 2"/>
+          <p:cNvSpPr>
+            <a:spLocks noGrp="1"/>
+          </p:cNvSpPr>
+          <p:nvPr>
+            <p:ph type="body" idx="1"/>
+          </p:nvPr>
+        </p:nvSpPr>
+        <p:spPr/>
+        <p:txBody>
+          <a:bodyPr/>
+          <a:lstStyle/>
+          <a:p>
+            <a:endParaRPr lang="en-US" b="0" u="none" dirty="0"/>
+          </a:p>
+        </p:txBody>
+      </p:sp>
+      <p:sp>
+        <p:nvSpPr>
+          <p:cNvPr id="4" name="Slide Number Placeholder 3"/>
+          <p:cNvSpPr>
+            <a:spLocks noGrp="1"/>
+          </p:cNvSpPr>
+          <p:nvPr>
+            <p:ph type="sldNum" sz="quarter" idx="5"/>
+          </p:nvPr>
+        </p:nvSpPr>
+        <p:spPr/>
+        <p:txBody>
+          <a:bodyPr/>
+          <a:lstStyle/>
+          <a:p>
+            <a:fld id="{A4D61497-3438-4A57-A4F0-56E725182219}" type="slidenum">
+              <a:rPr lang="en-US" smtClean="0"/>
+              <a:t>68</a:t>
+            </a:fld>
+            <a:endParaRPr lang="en-US"/>
+          </a:p>
+        </p:txBody>
+      </p:sp>
+    </p:spTree>
+    <p:extLst>
+      <p:ext uri="{BB962C8B-B14F-4D97-AF65-F5344CB8AC3E}">
+        <p14:creationId xmlns:p14="http://schemas.microsoft.com/office/powerpoint/2010/main" val="3474480396"/>
+      </p:ext>
+    </p:extLst>
+  </p:cSld>
+  <p:clrMapOvr>
+    <a:masterClrMapping/>
+  </p:clrMapOvr>
+</p:notes>
+</file>
+
+<file path=ppt/notesSlides/notesSlide66.xml><?xml version="1.0" encoding="utf-8"?>
+<p:notes xmlns:a="http://schemas.openxmlformats.org/drawingml/2006/main" xmlns:r="http://schemas.openxmlformats.org/officeDocument/2006/relationships" xmlns:p="http://schemas.openxmlformats.org/presentationml/2006/main">
+  <p:cSld>
+    <p:spTree>
+      <p:nvGrpSpPr>
+        <p:cNvPr id="1" name=""/>
+        <p:cNvGrpSpPr/>
+        <p:nvPr/>
+      </p:nvGrpSpPr>
+      <p:grpSpPr>
+        <a:xfrm>
+          <a:off x="0" y="0"/>
+          <a:ext cx="0" cy="0"/>
+          <a:chOff x="0" y="0"/>
+          <a:chExt cx="0" cy="0"/>
+        </a:xfrm>
+      </p:grpSpPr>
+      <p:sp>
+        <p:nvSpPr>
+          <p:cNvPr id="2" name="Slide Image Placeholder 1"/>
+          <p:cNvSpPr>
+            <a:spLocks noGrp="1" noRot="1" noChangeAspect="1"/>
+          </p:cNvSpPr>
+          <p:nvPr>
+            <p:ph type="sldImg"/>
+          </p:nvPr>
+        </p:nvSpPr>
+        <p:spPr/>
+      </p:sp>
+      <p:sp>
+        <p:nvSpPr>
+          <p:cNvPr id="3" name="Notes Placeholder 2"/>
+          <p:cNvSpPr>
+            <a:spLocks noGrp="1"/>
+          </p:cNvSpPr>
+          <p:nvPr>
+            <p:ph type="body" idx="1"/>
+          </p:nvPr>
+        </p:nvSpPr>
+        <p:spPr/>
+        <p:txBody>
+          <a:bodyPr/>
+          <a:lstStyle/>
+          <a:p>
+            <a:endParaRPr lang="en-US" b="0" u="none" dirty="0"/>
+          </a:p>
+        </p:txBody>
+      </p:sp>
+      <p:sp>
+        <p:nvSpPr>
+          <p:cNvPr id="4" name="Slide Number Placeholder 3"/>
+          <p:cNvSpPr>
+            <a:spLocks noGrp="1"/>
+          </p:cNvSpPr>
+          <p:nvPr>
+            <p:ph type="sldNum" sz="quarter" idx="5"/>
+          </p:nvPr>
+        </p:nvSpPr>
+        <p:spPr/>
+        <p:txBody>
+          <a:bodyPr/>
+          <a:lstStyle/>
+          <a:p>
+            <a:fld id="{A4D61497-3438-4A57-A4F0-56E725182219}" type="slidenum">
+              <a:rPr lang="en-US" smtClean="0"/>
+              <a:t>69</a:t>
+            </a:fld>
+            <a:endParaRPr lang="en-US"/>
+          </a:p>
+        </p:txBody>
+      </p:sp>
+    </p:spTree>
+    <p:extLst>
+      <p:ext uri="{BB962C8B-B14F-4D97-AF65-F5344CB8AC3E}">
+        <p14:creationId xmlns:p14="http://schemas.microsoft.com/office/powerpoint/2010/main" val="2877701454"/>
+      </p:ext>
+    </p:extLst>
+  </p:cSld>
+  <p:clrMapOvr>
+    <a:masterClrMapping/>
+  </p:clrMapOvr>
+</p:notes>
+</file>
+
+<file path=ppt/notesSlides/notesSlide67.xml><?xml version="1.0" encoding="utf-8"?>
+<p:notes xmlns:a="http://schemas.openxmlformats.org/drawingml/2006/main" xmlns:r="http://schemas.openxmlformats.org/officeDocument/2006/relationships" xmlns:p="http://schemas.openxmlformats.org/presentationml/2006/main">
+  <p:cSld>
+    <p:spTree>
+      <p:nvGrpSpPr>
+        <p:cNvPr id="1" name=""/>
+        <p:cNvGrpSpPr/>
+        <p:nvPr/>
+      </p:nvGrpSpPr>
+      <p:grpSpPr>
+        <a:xfrm>
+          <a:off x="0" y="0"/>
+          <a:ext cx="0" cy="0"/>
+          <a:chOff x="0" y="0"/>
+          <a:chExt cx="0" cy="0"/>
+        </a:xfrm>
+      </p:grpSpPr>
+      <p:sp>
+        <p:nvSpPr>
+          <p:cNvPr id="2" name="Slide Image Placeholder 1"/>
+          <p:cNvSpPr>
+            <a:spLocks noGrp="1" noRot="1" noChangeAspect="1"/>
+          </p:cNvSpPr>
+          <p:nvPr>
+            <p:ph type="sldImg"/>
+          </p:nvPr>
+        </p:nvSpPr>
+        <p:spPr/>
+      </p:sp>
+      <p:sp>
+        <p:nvSpPr>
+          <p:cNvPr id="3" name="Notes Placeholder 2"/>
+          <p:cNvSpPr>
+            <a:spLocks noGrp="1"/>
+          </p:cNvSpPr>
+          <p:nvPr>
+            <p:ph type="body" idx="1"/>
+          </p:nvPr>
+        </p:nvSpPr>
+        <p:spPr/>
+        <p:txBody>
+          <a:bodyPr/>
+          <a:lstStyle/>
+          <a:p>
+            <a:endParaRPr lang="en-US" b="0" u="none" dirty="0"/>
+          </a:p>
+        </p:txBody>
+      </p:sp>
+      <p:sp>
+        <p:nvSpPr>
+          <p:cNvPr id="4" name="Slide Number Placeholder 3"/>
+          <p:cNvSpPr>
+            <a:spLocks noGrp="1"/>
+          </p:cNvSpPr>
+          <p:nvPr>
+            <p:ph type="sldNum" sz="quarter" idx="5"/>
+          </p:nvPr>
+        </p:nvSpPr>
+        <p:spPr/>
+        <p:txBody>
+          <a:bodyPr/>
+          <a:lstStyle/>
+          <a:p>
+            <a:fld id="{A4D61497-3438-4A57-A4F0-56E725182219}" type="slidenum">
+              <a:rPr lang="en-US" smtClean="0"/>
+              <a:t>70</a:t>
+            </a:fld>
+            <a:endParaRPr lang="en-US"/>
+          </a:p>
+        </p:txBody>
+      </p:sp>
+    </p:spTree>
+    <p:extLst>
+      <p:ext uri="{BB962C8B-B14F-4D97-AF65-F5344CB8AC3E}">
+        <p14:creationId xmlns:p14="http://schemas.microsoft.com/office/powerpoint/2010/main" val="556864933"/>
+      </p:ext>
+    </p:extLst>
+  </p:cSld>
+  <p:clrMapOvr>
+    <a:masterClrMapping/>
+  </p:clrMapOvr>
+</p:notes>
+</file>
+
+<file path=ppt/notesSlides/notesSlide68.xml><?xml version="1.0" encoding="utf-8"?>
+<p:notes xmlns:a="http://schemas.openxmlformats.org/drawingml/2006/main" xmlns:r="http://schemas.openxmlformats.org/officeDocument/2006/relationships" xmlns:p="http://schemas.openxmlformats.org/presentationml/2006/main">
+  <p:cSld>
+    <p:spTree>
+      <p:nvGrpSpPr>
+        <p:cNvPr id="1" name=""/>
+        <p:cNvGrpSpPr/>
+        <p:nvPr/>
+      </p:nvGrpSpPr>
+      <p:grpSpPr>
+        <a:xfrm>
+          <a:off x="0" y="0"/>
+          <a:ext cx="0" cy="0"/>
+          <a:chOff x="0" y="0"/>
+          <a:chExt cx="0" cy="0"/>
+        </a:xfrm>
+      </p:grpSpPr>
+      <p:sp>
+        <p:nvSpPr>
+          <p:cNvPr id="2" name="Slide Image Placeholder 1"/>
+          <p:cNvSpPr>
+            <a:spLocks noGrp="1" noRot="1" noChangeAspect="1"/>
+          </p:cNvSpPr>
+          <p:nvPr>
+            <p:ph type="sldImg"/>
+          </p:nvPr>
+        </p:nvSpPr>
+        <p:spPr/>
+      </p:sp>
+      <p:sp>
+        <p:nvSpPr>
+          <p:cNvPr id="3" name="Notes Placeholder 2"/>
+          <p:cNvSpPr>
+            <a:spLocks noGrp="1"/>
+          </p:cNvSpPr>
+          <p:nvPr>
+            <p:ph type="body" idx="1"/>
+          </p:nvPr>
+        </p:nvSpPr>
+        <p:spPr/>
+        <p:txBody>
+          <a:bodyPr/>
+          <a:lstStyle/>
+          <a:p>
+            <a:endParaRPr lang="en-US" b="0" u="none" dirty="0"/>
+          </a:p>
+        </p:txBody>
+      </p:sp>
+      <p:sp>
+        <p:nvSpPr>
+          <p:cNvPr id="4" name="Slide Number Placeholder 3"/>
+          <p:cNvSpPr>
+            <a:spLocks noGrp="1"/>
+          </p:cNvSpPr>
+          <p:nvPr>
+            <p:ph type="sldNum" sz="quarter" idx="5"/>
+          </p:nvPr>
+        </p:nvSpPr>
+        <p:spPr/>
+        <p:txBody>
+          <a:bodyPr/>
+          <a:lstStyle/>
+          <a:p>
+            <a:fld id="{A4D61497-3438-4A57-A4F0-56E725182219}" type="slidenum">
+              <a:rPr lang="en-US" smtClean="0"/>
+              <a:t>71</a:t>
+            </a:fld>
+            <a:endParaRPr lang="en-US"/>
+          </a:p>
+        </p:txBody>
+      </p:sp>
+    </p:spTree>
+    <p:extLst>
+      <p:ext uri="{BB962C8B-B14F-4D97-AF65-F5344CB8AC3E}">
+        <p14:creationId xmlns:p14="http://schemas.microsoft.com/office/powerpoint/2010/main" val="2969963455"/>
+      </p:ext>
+    </p:extLst>
+  </p:cSld>
+  <p:clrMapOvr>
+    <a:masterClrMapping/>
+  </p:clrMapOvr>
+</p:notes>
+</file>
+
+<file path=ppt/notesSlides/notesSlide69.xml><?xml version="1.0" encoding="utf-8"?>
+<p:notes xmlns:a="http://schemas.openxmlformats.org/drawingml/2006/main" xmlns:r="http://schemas.openxmlformats.org/officeDocument/2006/relationships" xmlns:p="http://schemas.openxmlformats.org/presentationml/2006/main">
+  <p:cSld>
+    <p:spTree>
+      <p:nvGrpSpPr>
+        <p:cNvPr id="1" name=""/>
+        <p:cNvGrpSpPr/>
+        <p:nvPr/>
+      </p:nvGrpSpPr>
+      <p:grpSpPr>
+        <a:xfrm>
+          <a:off x="0" y="0"/>
+          <a:ext cx="0" cy="0"/>
+          <a:chOff x="0" y="0"/>
+          <a:chExt cx="0" cy="0"/>
+        </a:xfrm>
+      </p:grpSpPr>
+      <p:sp>
+        <p:nvSpPr>
+          <p:cNvPr id="2" name="Slide Image Placeholder 1"/>
+          <p:cNvSpPr>
+            <a:spLocks noGrp="1" noRot="1" noChangeAspect="1"/>
+          </p:cNvSpPr>
+          <p:nvPr>
+            <p:ph type="sldImg"/>
+          </p:nvPr>
+        </p:nvSpPr>
+        <p:spPr/>
+      </p:sp>
+      <p:sp>
+        <p:nvSpPr>
+          <p:cNvPr id="3" name="Notes Placeholder 2"/>
+          <p:cNvSpPr>
+            <a:spLocks noGrp="1"/>
+          </p:cNvSpPr>
+          <p:nvPr>
+            <p:ph type="body" idx="1"/>
+          </p:nvPr>
+        </p:nvSpPr>
+        <p:spPr/>
+        <p:txBody>
+          <a:bodyPr/>
+          <a:lstStyle/>
+          <a:p>
+            <a:endParaRPr lang="en-US" dirty="0"/>
+          </a:p>
+        </p:txBody>
+      </p:sp>
+      <p:sp>
+        <p:nvSpPr>
+          <p:cNvPr id="4" name="Slide Number Placeholder 3"/>
+          <p:cNvSpPr>
+            <a:spLocks noGrp="1"/>
+          </p:cNvSpPr>
+          <p:nvPr>
+            <p:ph type="sldNum" sz="quarter" idx="5"/>
+          </p:nvPr>
+        </p:nvSpPr>
+        <p:spPr/>
+        <p:txBody>
+          <a:bodyPr/>
+          <a:lstStyle/>
+          <a:p>
+            <a:fld id="{A4D61497-3438-4A57-A4F0-56E725182219}" type="slidenum">
+              <a:rPr lang="en-US" smtClean="0"/>
+              <a:t>72</a:t>
+            </a:fld>
+            <a:endParaRPr lang="en-US"/>
+          </a:p>
+        </p:txBody>
+      </p:sp>
+    </p:spTree>
+    <p:extLst>
+      <p:ext uri="{BB962C8B-B14F-4D97-AF65-F5344CB8AC3E}">
+        <p14:creationId xmlns:p14="http://schemas.microsoft.com/office/powerpoint/2010/main" val="1654916421"/>
+      </p:ext>
+    </p:extLst>
+  </p:cSld>
+  <p:clrMapOvr>
+    <a:masterClrMapping/>
+  </p:clrMapOvr>
+</p:notes>
+</file>
+
 <file path=ppt/notesSlides/notesSlide7.xml><?xml version="1.0" encoding="utf-8"?>
 <p:notes xmlns:a="http://schemas.openxmlformats.org/drawingml/2006/main" xmlns:r="http://schemas.openxmlformats.org/officeDocument/2006/relationships" xmlns:p="http://schemas.openxmlformats.org/presentationml/2006/main">
   <p:cSld>
@@ -6537,6 +7205,280 @@
     <p:extLst>
       <p:ext uri="{BB962C8B-B14F-4D97-AF65-F5344CB8AC3E}">
         <p14:creationId xmlns:p14="http://schemas.microsoft.com/office/powerpoint/2010/main" val="1035628074"/>
+      </p:ext>
+    </p:extLst>
+  </p:cSld>
+  <p:clrMapOvr>
+    <a:masterClrMapping/>
+  </p:clrMapOvr>
+</p:notes>
+</file>
+
+<file path=ppt/notesSlides/notesSlide70.xml><?xml version="1.0" encoding="utf-8"?>
+<p:notes xmlns:a="http://schemas.openxmlformats.org/drawingml/2006/main" xmlns:r="http://schemas.openxmlformats.org/officeDocument/2006/relationships" xmlns:p="http://schemas.openxmlformats.org/presentationml/2006/main">
+  <p:cSld>
+    <p:spTree>
+      <p:nvGrpSpPr>
+        <p:cNvPr id="1" name=""/>
+        <p:cNvGrpSpPr/>
+        <p:nvPr/>
+      </p:nvGrpSpPr>
+      <p:grpSpPr>
+        <a:xfrm>
+          <a:off x="0" y="0"/>
+          <a:ext cx="0" cy="0"/>
+          <a:chOff x="0" y="0"/>
+          <a:chExt cx="0" cy="0"/>
+        </a:xfrm>
+      </p:grpSpPr>
+      <p:sp>
+        <p:nvSpPr>
+          <p:cNvPr id="2" name="Slide Image Placeholder 1"/>
+          <p:cNvSpPr>
+            <a:spLocks noGrp="1" noRot="1" noChangeAspect="1"/>
+          </p:cNvSpPr>
+          <p:nvPr>
+            <p:ph type="sldImg"/>
+          </p:nvPr>
+        </p:nvSpPr>
+        <p:spPr/>
+      </p:sp>
+      <p:sp>
+        <p:nvSpPr>
+          <p:cNvPr id="3" name="Notes Placeholder 2"/>
+          <p:cNvSpPr>
+            <a:spLocks noGrp="1"/>
+          </p:cNvSpPr>
+          <p:nvPr>
+            <p:ph type="body" idx="1"/>
+          </p:nvPr>
+        </p:nvSpPr>
+        <p:spPr/>
+        <p:txBody>
+          <a:bodyPr/>
+          <a:lstStyle/>
+          <a:p>
+            <a:endParaRPr lang="en-US" dirty="0"/>
+          </a:p>
+        </p:txBody>
+      </p:sp>
+      <p:sp>
+        <p:nvSpPr>
+          <p:cNvPr id="4" name="Slide Number Placeholder 3"/>
+          <p:cNvSpPr>
+            <a:spLocks noGrp="1"/>
+          </p:cNvSpPr>
+          <p:nvPr>
+            <p:ph type="sldNum" sz="quarter" idx="5"/>
+          </p:nvPr>
+        </p:nvSpPr>
+        <p:spPr/>
+        <p:txBody>
+          <a:bodyPr/>
+          <a:lstStyle/>
+          <a:p>
+            <a:fld id="{A4D61497-3438-4A57-A4F0-56E725182219}" type="slidenum">
+              <a:rPr lang="en-US" smtClean="0"/>
+              <a:t>73</a:t>
+            </a:fld>
+            <a:endParaRPr lang="en-US"/>
+          </a:p>
+        </p:txBody>
+      </p:sp>
+    </p:spTree>
+    <p:extLst>
+      <p:ext uri="{BB962C8B-B14F-4D97-AF65-F5344CB8AC3E}">
+        <p14:creationId xmlns:p14="http://schemas.microsoft.com/office/powerpoint/2010/main" val="3616706252"/>
+      </p:ext>
+    </p:extLst>
+  </p:cSld>
+  <p:clrMapOvr>
+    <a:masterClrMapping/>
+  </p:clrMapOvr>
+</p:notes>
+</file>
+
+<file path=ppt/notesSlides/notesSlide71.xml><?xml version="1.0" encoding="utf-8"?>
+<p:notes xmlns:a="http://schemas.openxmlformats.org/drawingml/2006/main" xmlns:r="http://schemas.openxmlformats.org/officeDocument/2006/relationships" xmlns:p="http://schemas.openxmlformats.org/presentationml/2006/main">
+  <p:cSld>
+    <p:spTree>
+      <p:nvGrpSpPr>
+        <p:cNvPr id="1" name=""/>
+        <p:cNvGrpSpPr/>
+        <p:nvPr/>
+      </p:nvGrpSpPr>
+      <p:grpSpPr>
+        <a:xfrm>
+          <a:off x="0" y="0"/>
+          <a:ext cx="0" cy="0"/>
+          <a:chOff x="0" y="0"/>
+          <a:chExt cx="0" cy="0"/>
+        </a:xfrm>
+      </p:grpSpPr>
+      <p:sp>
+        <p:nvSpPr>
+          <p:cNvPr id="2" name="Slide Image Placeholder 1"/>
+          <p:cNvSpPr>
+            <a:spLocks noGrp="1" noRot="1" noChangeAspect="1"/>
+          </p:cNvSpPr>
+          <p:nvPr>
+            <p:ph type="sldImg"/>
+          </p:nvPr>
+        </p:nvSpPr>
+        <p:spPr/>
+      </p:sp>
+      <p:sp>
+        <p:nvSpPr>
+          <p:cNvPr id="3" name="Notes Placeholder 2"/>
+          <p:cNvSpPr>
+            <a:spLocks noGrp="1"/>
+          </p:cNvSpPr>
+          <p:nvPr>
+            <p:ph type="body" idx="1"/>
+          </p:nvPr>
+        </p:nvSpPr>
+        <p:spPr/>
+        <p:txBody>
+          <a:bodyPr/>
+          <a:lstStyle/>
+          <a:p>
+            <a:r>
+              <a:rPr lang="en-US" dirty="0"/>
+              <a:t>Microservices in the solution:</a:t>
+            </a:r>
+          </a:p>
+          <a:p>
+            <a:endParaRPr lang="en-US" dirty="0"/>
+          </a:p>
+          <a:p>
+            <a:pPr marL="171450" indent="-171450">
+              <a:buFont typeface="Arial" panose="020B0604020202020204" pitchFamily="34" charset="0"/>
+              <a:buChar char="•"/>
+            </a:pPr>
+            <a:r>
+              <a:rPr lang="en-US" b="1" dirty="0"/>
+              <a:t>Core:</a:t>
+            </a:r>
+            <a:r>
+              <a:rPr lang="en-US" b="0" dirty="0"/>
+              <a:t> Provides core services to the microservices</a:t>
+            </a:r>
+            <a:endParaRPr lang="en-US" b="1" dirty="0"/>
+          </a:p>
+          <a:p>
+            <a:pPr marL="171450" indent="-171450">
+              <a:buFont typeface="Arial" panose="020B0604020202020204" pitchFamily="34" charset="0"/>
+              <a:buChar char="•"/>
+            </a:pPr>
+            <a:r>
+              <a:rPr lang="en-US" b="1" dirty="0"/>
+              <a:t>Product:</a:t>
+            </a:r>
+            <a:r>
+              <a:rPr lang="en-US" dirty="0"/>
+              <a:t> Responsible for managing product information</a:t>
+            </a:r>
+          </a:p>
+          <a:p>
+            <a:pPr marL="171450" indent="-171450">
+              <a:buFont typeface="Arial" panose="020B0604020202020204" pitchFamily="34" charset="0"/>
+              <a:buChar char="•"/>
+            </a:pPr>
+            <a:r>
+              <a:rPr lang="en-US" b="1" dirty="0"/>
+              <a:t>Website:</a:t>
+            </a:r>
+            <a:r>
+              <a:rPr lang="en-US" b="0" dirty="0"/>
+              <a:t> Responsible for the e-commerce public website</a:t>
+            </a:r>
+            <a:endParaRPr lang="en-US" b="1" dirty="0"/>
+          </a:p>
+          <a:p>
+            <a:pPr marL="171450" indent="-171450">
+              <a:buFont typeface="Arial" panose="020B0604020202020204" pitchFamily="34" charset="0"/>
+              <a:buChar char="•"/>
+            </a:pPr>
+            <a:r>
+              <a:rPr lang="en-US" b="1" dirty="0"/>
+              <a:t>Purchase:</a:t>
+            </a:r>
+            <a:r>
+              <a:rPr lang="en-US" dirty="0"/>
+              <a:t> Handles order placement and processing</a:t>
+            </a:r>
+          </a:p>
+          <a:p>
+            <a:pPr marL="171450" indent="-171450">
+              <a:buFont typeface="Arial" panose="020B0604020202020204" pitchFamily="34" charset="0"/>
+              <a:buChar char="•"/>
+            </a:pPr>
+            <a:r>
+              <a:rPr lang="en-US" b="1" dirty="0"/>
+              <a:t>Inventory:</a:t>
+            </a:r>
+            <a:r>
+              <a:rPr lang="en-US" dirty="0"/>
+              <a:t> Manages product inventory levels.</a:t>
+            </a:r>
+          </a:p>
+          <a:p>
+            <a:pPr marL="171450" indent="-171450">
+              <a:buFont typeface="Arial" panose="020B0604020202020204" pitchFamily="34" charset="0"/>
+              <a:buChar char="•"/>
+            </a:pPr>
+            <a:r>
+              <a:rPr lang="en-US" b="1" dirty="0"/>
+              <a:t>Shipping:</a:t>
+            </a:r>
+            <a:r>
+              <a:rPr lang="en-US" dirty="0"/>
+              <a:t> Handles order shipping and tracking.</a:t>
+            </a:r>
+          </a:p>
+          <a:p>
+            <a:pPr marL="171450" indent="-171450">
+              <a:buFont typeface="Arial" panose="020B0604020202020204" pitchFamily="34" charset="0"/>
+              <a:buChar char="•"/>
+            </a:pPr>
+            <a:r>
+              <a:rPr lang="en-US" b="1" dirty="0"/>
+              <a:t>Notification:</a:t>
+            </a:r>
+            <a:r>
+              <a:rPr lang="en-US" dirty="0"/>
+              <a:t> Sends order confirmation and status updates to customers.</a:t>
+            </a:r>
+          </a:p>
+        </p:txBody>
+      </p:sp>
+      <p:sp>
+        <p:nvSpPr>
+          <p:cNvPr id="4" name="Slide Number Placeholder 3"/>
+          <p:cNvSpPr>
+            <a:spLocks noGrp="1"/>
+          </p:cNvSpPr>
+          <p:nvPr>
+            <p:ph type="sldNum" sz="quarter" idx="5"/>
+          </p:nvPr>
+        </p:nvSpPr>
+        <p:spPr/>
+        <p:txBody>
+          <a:bodyPr/>
+          <a:lstStyle/>
+          <a:p>
+            <a:fld id="{A4D61497-3438-4A57-A4F0-56E725182219}" type="slidenum">
+              <a:rPr lang="en-US" smtClean="0"/>
+              <a:t>74</a:t>
+            </a:fld>
+            <a:endParaRPr lang="en-US"/>
+          </a:p>
+        </p:txBody>
+      </p:sp>
+    </p:spTree>
+    <p:extLst>
+      <p:ext uri="{BB962C8B-B14F-4D97-AF65-F5344CB8AC3E}">
+        <p14:creationId xmlns:p14="http://schemas.microsoft.com/office/powerpoint/2010/main" val="3002560910"/>
       </p:ext>
     </p:extLst>
   </p:cSld>
@@ -11196,7 +12138,7 @@
         <p:spPr/>
         <p:txBody>
           <a:bodyPr>
-            <a:normAutofit fontScale="90000"/>
+            <a:normAutofit/>
           </a:bodyPr>
           <a:lstStyle/>
           <a:p>
@@ -18424,7 +19366,7 @@
         <p:spPr/>
         <p:txBody>
           <a:bodyPr>
-            <a:normAutofit fontScale="90000"/>
+            <a:normAutofit/>
           </a:bodyPr>
           <a:lstStyle/>
           <a:p>
@@ -18556,11 +19498,51 @@
                   <a:srgbClr val="F9975F"/>
                 </a:solidFill>
               </a:rPr>
-              <a:t>Statement of Work for Building Bricks’ Ecommerce Backend Development</a:t>
-            </a:r>
-          </a:p>
-        </p:txBody>
-      </p:sp>
+              <a:t>Statement of Work for Building Bricks’ E-Commerce Backend Development</a:t>
+            </a:r>
+          </a:p>
+        </p:txBody>
+      </p:sp>
+      <p:pic>
+        <p:nvPicPr>
+          <p:cNvPr id="7" name="Graphic 6">
+            <a:hlinkClick r:id="rId2" action="ppaction://hlinkfile"/>
+            <a:extLst>
+              <a:ext uri="{FF2B5EF4-FFF2-40B4-BE49-F238E27FC236}">
+                <a16:creationId xmlns:a16="http://schemas.microsoft.com/office/drawing/2014/main" id="{D1C6B792-CBBB-8DCB-2B92-299EEC577B52}"/>
+              </a:ext>
+            </a:extLst>
+          </p:cNvPr>
+          <p:cNvPicPr>
+            <a:picLocks noChangeAspect="1"/>
+          </p:cNvPicPr>
+          <p:nvPr/>
+        </p:nvPicPr>
+        <p:blipFill>
+          <a:blip r:embed="rId3">
+            <a:extLst>
+              <a:ext uri="{28A0092B-C50C-407E-A947-70E740481C1C}">
+                <a14:useLocalDpi xmlns:a14="http://schemas.microsoft.com/office/drawing/2010/main" val="0"/>
+              </a:ext>
+              <a:ext uri="{96DAC541-7B7A-43D3-8B79-37D633B846F1}">
+                <asvg:svgBlip xmlns:asvg="http://schemas.microsoft.com/office/drawing/2016/SVG/main" r:embed="rId4"/>
+              </a:ext>
+            </a:extLst>
+          </a:blip>
+          <a:stretch>
+            <a:fillRect/>
+          </a:stretch>
+        </p:blipFill>
+        <p:spPr>
+          <a:xfrm>
+            <a:off x="5612213" y="4852479"/>
+            <a:ext cx="967574" cy="967574"/>
+          </a:xfrm>
+          <a:prstGeom prst="rect">
+            <a:avLst/>
+          </a:prstGeom>
+        </p:spPr>
+      </p:pic>
     </p:spTree>
     <p:extLst>
       <p:ext uri="{BB962C8B-B14F-4D97-AF65-F5344CB8AC3E}">
@@ -18649,7 +19631,7 @@
             <a:pPr lvl="1"/>
             <a:r>
               <a:rPr lang="en-US" dirty="0"/>
-              <a:t>Order Placement and Notifications</a:t>
+              <a:t>Project Kickoff</a:t>
             </a:r>
           </a:p>
         </p:txBody>
@@ -18742,28 +19724,126 @@
             <a:pPr lvl="1"/>
             <a:r>
               <a:rPr lang="en-US" dirty="0"/>
-              <a:t>Order Placement and Notifications</a:t>
+              <a:t>Project Kickoff</a:t>
             </a:r>
           </a:p>
           <a:p>
             <a:pPr lvl="1"/>
             <a:r>
               <a:rPr lang="en-US" dirty="0"/>
-              <a:t>Inventory Management and Order Fulfillment</a:t>
-            </a:r>
+              <a:t>Product Database</a:t>
+            </a:r>
+          </a:p>
+          <a:p>
+            <a:pPr lvl="1"/>
+            <a:endParaRPr lang="en-US" dirty="0"/>
           </a:p>
         </p:txBody>
       </p:sp>
     </p:spTree>
     <p:extLst>
       <p:ext uri="{BB962C8B-B14F-4D97-AF65-F5344CB8AC3E}">
-        <p14:creationId xmlns:p14="http://schemas.microsoft.com/office/powerpoint/2010/main" val="4004135319"/>
+        <p14:creationId xmlns:p14="http://schemas.microsoft.com/office/powerpoint/2010/main" val="1114270829"/>
       </p:ext>
     </p:extLst>
   </p:cSld>
   <p:clrMapOvr>
     <a:masterClrMapping/>
   </p:clrMapOvr>
+  <p:timing>
+    <p:tnLst>
+      <p:par>
+        <p:cTn id="1" dur="indefinite" restart="never" nodeType="tmRoot">
+          <p:childTnLst>
+            <p:seq concurrent="1" nextAc="seek">
+              <p:cTn id="2" dur="indefinite" nodeType="mainSeq">
+                <p:childTnLst>
+                  <p:par>
+                    <p:cTn id="3" fill="hold">
+                      <p:stCondLst>
+                        <p:cond delay="indefinite"/>
+                        <p:cond evt="onBegin" delay="0">
+                          <p:tn val="2"/>
+                        </p:cond>
+                      </p:stCondLst>
+                      <p:childTnLst>
+                        <p:par>
+                          <p:cTn id="4" fill="hold">
+                            <p:stCondLst>
+                              <p:cond delay="0"/>
+                            </p:stCondLst>
+                            <p:childTnLst>
+                              <p:par>
+                                <p:cTn id="5" presetID="22" presetClass="entr" presetSubtype="8" fill="hold" nodeType="afterEffect">
+                                  <p:stCondLst>
+                                    <p:cond delay="0"/>
+                                  </p:stCondLst>
+                                  <p:childTnLst>
+                                    <p:set>
+                                      <p:cBhvr>
+                                        <p:cTn id="6" dur="1" fill="hold">
+                                          <p:stCondLst>
+                                            <p:cond delay="0"/>
+                                          </p:stCondLst>
+                                        </p:cTn>
+                                        <p:tgtEl>
+                                          <p:spTgt spid="3">
+                                            <p:txEl>
+                                              <p:pRg st="2" end="2"/>
+                                            </p:txEl>
+                                          </p:spTgt>
+                                        </p:tgtEl>
+                                        <p:attrNameLst>
+                                          <p:attrName>style.visibility</p:attrName>
+                                        </p:attrNameLst>
+                                      </p:cBhvr>
+                                      <p:to>
+                                        <p:strVal val="visible"/>
+                                      </p:to>
+                                    </p:set>
+                                    <p:animEffect transition="in" filter="wipe(left)">
+                                      <p:cBhvr>
+                                        <p:cTn id="7" dur="500"/>
+                                        <p:tgtEl>
+                                          <p:spTgt spid="3">
+                                            <p:txEl>
+                                              <p:pRg st="2" end="2"/>
+                                            </p:txEl>
+                                          </p:spTgt>
+                                        </p:tgtEl>
+                                      </p:cBhvr>
+                                    </p:animEffect>
+                                  </p:childTnLst>
+                                </p:cTn>
+                              </p:par>
+                            </p:childTnLst>
+                          </p:cTn>
+                        </p:par>
+                      </p:childTnLst>
+                    </p:cTn>
+                  </p:par>
+                </p:childTnLst>
+              </p:cTn>
+              <p:prevCondLst>
+                <p:cond evt="onPrev" delay="0">
+                  <p:tgtEl>
+                    <p:sldTgt/>
+                  </p:tgtEl>
+                </p:cond>
+              </p:prevCondLst>
+              <p:nextCondLst>
+                <p:cond evt="onNext" delay="0">
+                  <p:tgtEl>
+                    <p:sldTgt/>
+                  </p:tgtEl>
+                </p:cond>
+              </p:nextCondLst>
+            </p:seq>
+          </p:childTnLst>
+        </p:cTn>
+      </p:par>
+    </p:tnLst>
+  </p:timing>
 </p:sld>
 </file>
 
@@ -18842,21 +19922,72 @@
             <a:pPr lvl="1"/>
             <a:r>
               <a:rPr lang="en-US" dirty="0"/>
-              <a:t>Order Placement and Notifications</a:t>
+              <a:t>Project Kickoff</a:t>
             </a:r>
           </a:p>
           <a:p>
             <a:pPr lvl="1"/>
             <a:r>
               <a:rPr lang="en-US" dirty="0"/>
-              <a:t>Inventory Management and Order Fulfillment</a:t>
+              <a:t>Product Database</a:t>
             </a:r>
           </a:p>
           <a:p>
             <a:pPr lvl="1"/>
             <a:r>
               <a:rPr lang="en-US" dirty="0"/>
-              <a:t>Inventory Updates and Product Status Display</a:t>
+              <a:t>Initialize Order</a:t>
+            </a:r>
+          </a:p>
+          <a:p>
+            <a:pPr lvl="2"/>
+            <a:r>
+              <a:rPr lang="en-US" dirty="0"/>
+              <a:t>Place Order</a:t>
+            </a:r>
+          </a:p>
+          <a:p>
+            <a:pPr lvl="2"/>
+            <a:endParaRPr lang="en-US" dirty="0"/>
+          </a:p>
+          <a:p>
+            <a:pPr lvl="1"/>
+            <a:endParaRPr lang="en-US" dirty="0"/>
+          </a:p>
+        </p:txBody>
+      </p:sp>
+      <p:sp>
+        <p:nvSpPr>
+          <p:cNvPr id="5" name="TextBox 4">
+            <a:extLst>
+              <a:ext uri="{FF2B5EF4-FFF2-40B4-BE49-F238E27FC236}">
+                <a16:creationId xmlns:a16="http://schemas.microsoft.com/office/drawing/2014/main" id="{A4DD6900-D3ED-5F85-D4A7-1A7B93E841A5}"/>
+              </a:ext>
+            </a:extLst>
+          </p:cNvPr>
+          <p:cNvSpPr txBox="1"/>
+          <p:nvPr/>
+        </p:nvSpPr>
+        <p:spPr>
+          <a:xfrm>
+            <a:off x="5638800" y="1825625"/>
+            <a:ext cx="6309360" cy="2554545"/>
+          </a:xfrm>
+          <a:prstGeom prst="rect">
+            <a:avLst/>
+          </a:prstGeom>
+          <a:noFill/>
+        </p:spPr>
+        <p:txBody>
+          <a:bodyPr wrap="square">
+            <a:spAutoFit/>
+          </a:bodyPr>
+          <a:lstStyle/>
+          <a:p>
+            <a:pPr algn="ctr"/>
+            <a:r>
+              <a:rPr lang="en-US" sz="3200" b="0" u="none" dirty="0"/>
+              <a:t>The Purchase system receives the purchase order details from the e-commerce website, saves the data, and initiates the order processing workflow.</a:t>
             </a:r>
           </a:p>
         </p:txBody>
@@ -18864,13 +19995,215 @@
     </p:spTree>
     <p:extLst>
       <p:ext uri="{BB962C8B-B14F-4D97-AF65-F5344CB8AC3E}">
-        <p14:creationId xmlns:p14="http://schemas.microsoft.com/office/powerpoint/2010/main" val="3167442951"/>
+        <p14:creationId xmlns:p14="http://schemas.microsoft.com/office/powerpoint/2010/main" val="3906388851"/>
       </p:ext>
     </p:extLst>
   </p:cSld>
   <p:clrMapOvr>
     <a:masterClrMapping/>
   </p:clrMapOvr>
+  <p:timing>
+    <p:tnLst>
+      <p:par>
+        <p:cTn id="1" dur="indefinite" restart="never" nodeType="tmRoot">
+          <p:childTnLst>
+            <p:seq concurrent="1" nextAc="seek">
+              <p:cTn id="2" dur="indefinite" nodeType="mainSeq">
+                <p:childTnLst>
+                  <p:par>
+                    <p:cTn id="3" fill="hold">
+                      <p:stCondLst>
+                        <p:cond delay="indefinite"/>
+                        <p:cond evt="onBegin" delay="0">
+                          <p:tn val="2"/>
+                        </p:cond>
+                      </p:stCondLst>
+                      <p:childTnLst>
+                        <p:par>
+                          <p:cTn id="4" fill="hold">
+                            <p:stCondLst>
+                              <p:cond delay="0"/>
+                            </p:stCondLst>
+                            <p:childTnLst>
+                              <p:par>
+                                <p:cTn id="5" presetID="22" presetClass="entr" presetSubtype="8" fill="hold" nodeType="afterEffect">
+                                  <p:stCondLst>
+                                    <p:cond delay="0"/>
+                                  </p:stCondLst>
+                                  <p:childTnLst>
+                                    <p:set>
+                                      <p:cBhvr>
+                                        <p:cTn id="6" dur="1" fill="hold">
+                                          <p:stCondLst>
+                                            <p:cond delay="0"/>
+                                          </p:stCondLst>
+                                        </p:cTn>
+                                        <p:tgtEl>
+                                          <p:spTgt spid="3">
+                                            <p:txEl>
+                                              <p:pRg st="3" end="3"/>
+                                            </p:txEl>
+                                          </p:spTgt>
+                                        </p:tgtEl>
+                                        <p:attrNameLst>
+                                          <p:attrName>style.visibility</p:attrName>
+                                        </p:attrNameLst>
+                                      </p:cBhvr>
+                                      <p:to>
+                                        <p:strVal val="visible"/>
+                                      </p:to>
+                                    </p:set>
+                                    <p:animEffect transition="in" filter="wipe(left)">
+                                      <p:cBhvr>
+                                        <p:cTn id="7" dur="500"/>
+                                        <p:tgtEl>
+                                          <p:spTgt spid="3">
+                                            <p:txEl>
+                                              <p:pRg st="3" end="3"/>
+                                            </p:txEl>
+                                          </p:spTgt>
+                                        </p:tgtEl>
+                                      </p:cBhvr>
+                                    </p:animEffect>
+                                  </p:childTnLst>
+                                </p:cTn>
+                              </p:par>
+                            </p:childTnLst>
+                          </p:cTn>
+                        </p:par>
+                      </p:childTnLst>
+                    </p:cTn>
+                  </p:par>
+                  <p:par>
+                    <p:cTn id="8" fill="hold">
+                      <p:stCondLst>
+                        <p:cond delay="indefinite"/>
+                      </p:stCondLst>
+                      <p:childTnLst>
+                        <p:par>
+                          <p:cTn id="9" fill="hold">
+                            <p:stCondLst>
+                              <p:cond delay="0"/>
+                            </p:stCondLst>
+                            <p:childTnLst>
+                              <p:par>
+                                <p:cTn id="10" presetID="22" presetClass="entr" presetSubtype="8" fill="hold" nodeType="clickEffect">
+                                  <p:stCondLst>
+                                    <p:cond delay="0"/>
+                                  </p:stCondLst>
+                                  <p:childTnLst>
+                                    <p:set>
+                                      <p:cBhvr>
+                                        <p:cTn id="11" dur="1" fill="hold">
+                                          <p:stCondLst>
+                                            <p:cond delay="0"/>
+                                          </p:stCondLst>
+                                        </p:cTn>
+                                        <p:tgtEl>
+                                          <p:spTgt spid="3">
+                                            <p:txEl>
+                                              <p:pRg st="4" end="4"/>
+                                            </p:txEl>
+                                          </p:spTgt>
+                                        </p:tgtEl>
+                                        <p:attrNameLst>
+                                          <p:attrName>style.visibility</p:attrName>
+                                        </p:attrNameLst>
+                                      </p:cBhvr>
+                                      <p:to>
+                                        <p:strVal val="visible"/>
+                                      </p:to>
+                                    </p:set>
+                                    <p:animEffect transition="in" filter="wipe(left)">
+                                      <p:cBhvr>
+                                        <p:cTn id="12" dur="500"/>
+                                        <p:tgtEl>
+                                          <p:spTgt spid="3">
+                                            <p:txEl>
+                                              <p:pRg st="4" end="4"/>
+                                            </p:txEl>
+                                          </p:spTgt>
+                                        </p:tgtEl>
+                                      </p:cBhvr>
+                                    </p:animEffect>
+                                  </p:childTnLst>
+                                </p:cTn>
+                              </p:par>
+                            </p:childTnLst>
+                          </p:cTn>
+                        </p:par>
+                        <p:par>
+                          <p:cTn id="13" fill="hold">
+                            <p:stCondLst>
+                              <p:cond delay="500"/>
+                            </p:stCondLst>
+                            <p:childTnLst>
+                              <p:par>
+                                <p:cTn id="14" presetID="10" presetClass="entr" presetSubtype="0" fill="hold" grpId="0" nodeType="afterEffect">
+                                  <p:stCondLst>
+                                    <p:cond delay="0"/>
+                                  </p:stCondLst>
+                                  <p:childTnLst>
+                                    <p:set>
+                                      <p:cBhvr>
+                                        <p:cTn id="15" dur="1" fill="hold">
+                                          <p:stCondLst>
+                                            <p:cond delay="0"/>
+                                          </p:stCondLst>
+                                        </p:cTn>
+                                        <p:tgtEl>
+                                          <p:spTgt spid="5"/>
+                                        </p:tgtEl>
+                                        <p:attrNameLst>
+                                          <p:attrName>style.visibility</p:attrName>
+                                        </p:attrNameLst>
+                                      </p:cBhvr>
+                                      <p:to>
+                                        <p:strVal val="visible"/>
+                                      </p:to>
+                                    </p:set>
+                                    <p:animEffect transition="in" filter="fade">
+                                      <p:cBhvr>
+                                        <p:cTn id="16" dur="500"/>
+                                        <p:tgtEl>
+                                          <p:spTgt spid="5"/>
+                                        </p:tgtEl>
+                                      </p:cBhvr>
+                                    </p:animEffect>
+                                  </p:childTnLst>
+                                </p:cTn>
+                              </p:par>
+                            </p:childTnLst>
+                          </p:cTn>
+                        </p:par>
+                      </p:childTnLst>
+                    </p:cTn>
+                  </p:par>
+                </p:childTnLst>
+              </p:cTn>
+              <p:prevCondLst>
+                <p:cond evt="onPrev" delay="0">
+                  <p:tgtEl>
+                    <p:sldTgt/>
+                  </p:tgtEl>
+                </p:cond>
+              </p:prevCondLst>
+              <p:nextCondLst>
+                <p:cond evt="onNext" delay="0">
+                  <p:tgtEl>
+                    <p:sldTgt/>
+                  </p:tgtEl>
+                </p:cond>
+              </p:nextCondLst>
+            </p:seq>
+          </p:childTnLst>
+        </p:cTn>
+      </p:par>
+    </p:tnLst>
+    <p:bldLst>
+      <p:bldP spid="5" grpId="0"/>
+    </p:bldLst>
+  </p:timing>
 </p:sld>
 </file>
 
@@ -18949,46 +20282,234 @@
             <a:pPr lvl="1"/>
             <a:r>
               <a:rPr lang="en-US" dirty="0"/>
-              <a:t>Order Placement and Notifications</a:t>
+              <a:t>Project Kickoff</a:t>
             </a:r>
           </a:p>
           <a:p>
             <a:pPr lvl="1"/>
             <a:r>
               <a:rPr lang="en-US" dirty="0"/>
-              <a:t>Inventory Management and Order Fulfillment</a:t>
+              <a:t>Product Database</a:t>
             </a:r>
           </a:p>
           <a:p>
             <a:pPr lvl="1"/>
             <a:r>
               <a:rPr lang="en-US" dirty="0"/>
-              <a:t>Inventory Updates and Product Status Display</a:t>
-            </a:r>
-          </a:p>
-          <a:p>
-            <a:pPr lvl="1"/>
-            <a:r>
-              <a:rPr lang="en-US" dirty="0"/>
-              <a:t>Shipping Management and Order Fulfillment</a:t>
-            </a:r>
+              <a:t>Initialize Order</a:t>
+            </a:r>
+          </a:p>
+          <a:p>
+            <a:pPr lvl="2"/>
+            <a:r>
+              <a:rPr lang="en-US" dirty="0"/>
+              <a:t>Place Order</a:t>
+            </a:r>
+          </a:p>
+          <a:p>
+            <a:pPr lvl="2"/>
+            <a:r>
+              <a:rPr lang="en-US" dirty="0"/>
+              <a:t>Send Order Confirmation</a:t>
+            </a:r>
+          </a:p>
+          <a:p>
+            <a:pPr lvl="2"/>
+            <a:endParaRPr lang="en-US" dirty="0"/>
           </a:p>
           <a:p>
             <a:pPr lvl="1"/>
             <a:endParaRPr lang="en-US" dirty="0"/>
+          </a:p>
+        </p:txBody>
+      </p:sp>
+      <p:sp>
+        <p:nvSpPr>
+          <p:cNvPr id="5" name="TextBox 4">
+            <a:extLst>
+              <a:ext uri="{FF2B5EF4-FFF2-40B4-BE49-F238E27FC236}">
+                <a16:creationId xmlns:a16="http://schemas.microsoft.com/office/drawing/2014/main" id="{A4DD6900-D3ED-5F85-D4A7-1A7B93E841A5}"/>
+              </a:ext>
+            </a:extLst>
+          </p:cNvPr>
+          <p:cNvSpPr txBox="1"/>
+          <p:nvPr/>
+        </p:nvSpPr>
+        <p:spPr>
+          <a:xfrm>
+            <a:off x="5638800" y="1825625"/>
+            <a:ext cx="6309360" cy="3539430"/>
+          </a:xfrm>
+          <a:prstGeom prst="rect">
+            <a:avLst/>
+          </a:prstGeom>
+          <a:noFill/>
+        </p:spPr>
+        <p:txBody>
+          <a:bodyPr wrap="square">
+            <a:spAutoFit/>
+          </a:bodyPr>
+          <a:lstStyle/>
+          <a:p>
+            <a:pPr algn="ctr"/>
+            <a:r>
+              <a:rPr lang="en-US" sz="3200" dirty="0"/>
+              <a:t>After receiving a notification from the Purchase system that a purchase has been made, the Notice system will send the customer an email confirming the order. The email confirmation shall be logged for compliance reasons.</a:t>
+            </a:r>
           </a:p>
         </p:txBody>
       </p:sp>
     </p:spTree>
     <p:extLst>
       <p:ext uri="{BB962C8B-B14F-4D97-AF65-F5344CB8AC3E}">
-        <p14:creationId xmlns:p14="http://schemas.microsoft.com/office/powerpoint/2010/main" val="1622278995"/>
+        <p14:creationId xmlns:p14="http://schemas.microsoft.com/office/powerpoint/2010/main" val="3097779096"/>
       </p:ext>
     </p:extLst>
   </p:cSld>
   <p:clrMapOvr>
     <a:masterClrMapping/>
   </p:clrMapOvr>
+  <p:timing>
+    <p:tnLst>
+      <p:par>
+        <p:cTn id="1" dur="indefinite" restart="never" nodeType="tmRoot">
+          <p:childTnLst>
+            <p:seq concurrent="1" nextAc="seek">
+              <p:cTn id="2" dur="indefinite" nodeType="mainSeq">
+                <p:childTnLst>
+                  <p:par>
+                    <p:cTn id="3" fill="hold">
+                      <p:stCondLst>
+                        <p:cond delay="indefinite"/>
+                        <p:cond evt="onBegin" delay="0">
+                          <p:tn val="2"/>
+                        </p:cond>
+                      </p:stCondLst>
+                      <p:childTnLst>
+                        <p:par>
+                          <p:cTn id="4" fill="hold">
+                            <p:stCondLst>
+                              <p:cond delay="0"/>
+                            </p:stCondLst>
+                            <p:childTnLst>
+                              <p:par>
+                                <p:cTn id="5" presetID="22" presetClass="entr" presetSubtype="8" fill="hold" nodeType="afterEffect">
+                                  <p:stCondLst>
+                                    <p:cond delay="0"/>
+                                  </p:stCondLst>
+                                  <p:childTnLst>
+                                    <p:set>
+                                      <p:cBhvr>
+                                        <p:cTn id="6" dur="1" fill="hold">
+                                          <p:stCondLst>
+                                            <p:cond delay="0"/>
+                                          </p:stCondLst>
+                                        </p:cTn>
+                                        <p:tgtEl>
+                                          <p:spTgt spid="3">
+                                            <p:txEl>
+                                              <p:pRg st="5" end="5"/>
+                                            </p:txEl>
+                                          </p:spTgt>
+                                        </p:tgtEl>
+                                        <p:attrNameLst>
+                                          <p:attrName>style.visibility</p:attrName>
+                                        </p:attrNameLst>
+                                      </p:cBhvr>
+                                      <p:to>
+                                        <p:strVal val="visible"/>
+                                      </p:to>
+                                    </p:set>
+                                    <p:animEffect transition="in" filter="wipe(left)">
+                                      <p:cBhvr>
+                                        <p:cTn id="7" dur="500"/>
+                                        <p:tgtEl>
+                                          <p:spTgt spid="3">
+                                            <p:txEl>
+                                              <p:pRg st="5" end="5"/>
+                                            </p:txEl>
+                                          </p:spTgt>
+                                        </p:tgtEl>
+                                      </p:cBhvr>
+                                    </p:animEffect>
+                                  </p:childTnLst>
+                                </p:cTn>
+                              </p:par>
+                            </p:childTnLst>
+                          </p:cTn>
+                        </p:par>
+                        <p:par>
+                          <p:cTn id="8" fill="hold">
+                            <p:stCondLst>
+                              <p:cond delay="500"/>
+                            </p:stCondLst>
+                            <p:childTnLst>
+                              <p:par>
+                                <p:cTn id="9" presetID="10" presetClass="entr" presetSubtype="0" fill="hold" grpId="0" nodeType="afterEffect">
+                                  <p:stCondLst>
+                                    <p:cond delay="0"/>
+                                  </p:stCondLst>
+                                  <p:childTnLst>
+                                    <p:set>
+                                      <p:cBhvr>
+                                        <p:cTn id="10" dur="1" fill="hold">
+                                          <p:stCondLst>
+                                            <p:cond delay="0"/>
+                                          </p:stCondLst>
+                                        </p:cTn>
+                                        <p:tgtEl>
+                                          <p:spTgt spid="5"/>
+                                        </p:tgtEl>
+                                        <p:attrNameLst>
+                                          <p:attrName>style.visibility</p:attrName>
+                                        </p:attrNameLst>
+                                      </p:cBhvr>
+                                      <p:to>
+                                        <p:strVal val="visible"/>
+                                      </p:to>
+                                    </p:set>
+                                    <p:animEffect transition="in" filter="fade">
+                                      <p:cBhvr>
+                                        <p:cTn id="11" dur="500"/>
+                                        <p:tgtEl>
+                                          <p:spTgt spid="5"/>
+                                        </p:tgtEl>
+                                      </p:cBhvr>
+                                    </p:animEffect>
+                                  </p:childTnLst>
+                                </p:cTn>
+                              </p:par>
+                            </p:childTnLst>
+                          </p:cTn>
+                        </p:par>
+                      </p:childTnLst>
+                    </p:cTn>
+                  </p:par>
+                </p:childTnLst>
+              </p:cTn>
+              <p:prevCondLst>
+                <p:cond evt="onPrev" delay="0">
+                  <p:tgtEl>
+                    <p:sldTgt/>
+                  </p:tgtEl>
+                </p:cond>
+              </p:prevCondLst>
+              <p:nextCondLst>
+                <p:cond evt="onNext" delay="0">
+                  <p:tgtEl>
+                    <p:sldTgt/>
+                  </p:tgtEl>
+                </p:cond>
+              </p:nextCondLst>
+            </p:seq>
+          </p:childTnLst>
+        </p:cTn>
+      </p:par>
+    </p:tnLst>
+    <p:bldLst>
+      <p:bldP spid="5" grpId="0"/>
+    </p:bldLst>
+  </p:timing>
 </p:sld>
 </file>
 
@@ -19067,53 +20588,241 @@
             <a:pPr lvl="1"/>
             <a:r>
               <a:rPr lang="en-US" dirty="0"/>
-              <a:t>Order Placement and Notifications</a:t>
+              <a:t>Project Kickoff</a:t>
             </a:r>
           </a:p>
           <a:p>
             <a:pPr lvl="1"/>
             <a:r>
               <a:rPr lang="en-US" dirty="0"/>
-              <a:t>Inventory Management and Order Fulfillment</a:t>
+              <a:t>Product Database</a:t>
             </a:r>
           </a:p>
           <a:p>
             <a:pPr lvl="1"/>
             <a:r>
               <a:rPr lang="en-US" dirty="0"/>
-              <a:t>Inventory Updates and Product Status Display</a:t>
-            </a:r>
-          </a:p>
-          <a:p>
-            <a:pPr lvl="1"/>
-            <a:r>
-              <a:rPr lang="en-US" dirty="0"/>
-              <a:t>Shipping Management and Order Fulfillment</a:t>
-            </a:r>
-          </a:p>
-          <a:p>
-            <a:pPr lvl="1"/>
-            <a:r>
-              <a:rPr lang="en-US" dirty="0"/>
-              <a:t>Shipping Management, Order Updates, and Delivery Confirmation</a:t>
-            </a:r>
+              <a:t>Initialize Order</a:t>
+            </a:r>
+          </a:p>
+          <a:p>
+            <a:pPr lvl="2"/>
+            <a:r>
+              <a:rPr lang="en-US" dirty="0"/>
+              <a:t>Place Order</a:t>
+            </a:r>
+          </a:p>
+          <a:p>
+            <a:pPr lvl="2"/>
+            <a:r>
+              <a:rPr lang="en-US" dirty="0"/>
+              <a:t>Send Order Confirmation</a:t>
+            </a:r>
+          </a:p>
+          <a:p>
+            <a:pPr lvl="2"/>
+            <a:r>
+              <a:rPr lang="en-US" dirty="0"/>
+              <a:t>Initialize Shipment</a:t>
+            </a:r>
+          </a:p>
+          <a:p>
+            <a:pPr lvl="2"/>
+            <a:endParaRPr lang="en-US" dirty="0"/>
           </a:p>
           <a:p>
             <a:pPr lvl="1"/>
             <a:endParaRPr lang="en-US" dirty="0"/>
+          </a:p>
+        </p:txBody>
+      </p:sp>
+      <p:sp>
+        <p:nvSpPr>
+          <p:cNvPr id="5" name="TextBox 4">
+            <a:extLst>
+              <a:ext uri="{FF2B5EF4-FFF2-40B4-BE49-F238E27FC236}">
+                <a16:creationId xmlns:a16="http://schemas.microsoft.com/office/drawing/2014/main" id="{A4DD6900-D3ED-5F85-D4A7-1A7B93E841A5}"/>
+              </a:ext>
+            </a:extLst>
+          </p:cNvPr>
+          <p:cNvSpPr txBox="1"/>
+          <p:nvPr/>
+        </p:nvSpPr>
+        <p:spPr>
+          <a:xfrm>
+            <a:off x="5638800" y="1825625"/>
+            <a:ext cx="6309360" cy="2554545"/>
+          </a:xfrm>
+          <a:prstGeom prst="rect">
+            <a:avLst/>
+          </a:prstGeom>
+          <a:noFill/>
+        </p:spPr>
+        <p:txBody>
+          <a:bodyPr wrap="square">
+            <a:spAutoFit/>
+          </a:bodyPr>
+          <a:lstStyle/>
+          <a:p>
+            <a:pPr algn="ctr"/>
+            <a:r>
+              <a:rPr lang="en-US" sz="3200" dirty="0"/>
+              <a:t>When an order is placed, the Shipping services initializes the shipping record so the shipping department can forecast upcoming work.</a:t>
+            </a:r>
           </a:p>
         </p:txBody>
       </p:sp>
     </p:spTree>
     <p:extLst>
       <p:ext uri="{BB962C8B-B14F-4D97-AF65-F5344CB8AC3E}">
-        <p14:creationId xmlns:p14="http://schemas.microsoft.com/office/powerpoint/2010/main" val="2397504709"/>
+        <p14:creationId xmlns:p14="http://schemas.microsoft.com/office/powerpoint/2010/main" val="1762004380"/>
       </p:ext>
     </p:extLst>
   </p:cSld>
   <p:clrMapOvr>
     <a:masterClrMapping/>
   </p:clrMapOvr>
+  <p:timing>
+    <p:tnLst>
+      <p:par>
+        <p:cTn id="1" dur="indefinite" restart="never" nodeType="tmRoot">
+          <p:childTnLst>
+            <p:seq concurrent="1" nextAc="seek">
+              <p:cTn id="2" dur="indefinite" nodeType="mainSeq">
+                <p:childTnLst>
+                  <p:par>
+                    <p:cTn id="3" fill="hold">
+                      <p:stCondLst>
+                        <p:cond delay="indefinite"/>
+                        <p:cond evt="onBegin" delay="0">
+                          <p:tn val="2"/>
+                        </p:cond>
+                      </p:stCondLst>
+                      <p:childTnLst>
+                        <p:par>
+                          <p:cTn id="4" fill="hold">
+                            <p:stCondLst>
+                              <p:cond delay="0"/>
+                            </p:stCondLst>
+                            <p:childTnLst>
+                              <p:par>
+                                <p:cTn id="5" presetID="22" presetClass="entr" presetSubtype="8" fill="hold" nodeType="afterEffect">
+                                  <p:stCondLst>
+                                    <p:cond delay="0"/>
+                                  </p:stCondLst>
+                                  <p:childTnLst>
+                                    <p:set>
+                                      <p:cBhvr>
+                                        <p:cTn id="6" dur="1" fill="hold">
+                                          <p:stCondLst>
+                                            <p:cond delay="0"/>
+                                          </p:stCondLst>
+                                        </p:cTn>
+                                        <p:tgtEl>
+                                          <p:spTgt spid="3">
+                                            <p:txEl>
+                                              <p:pRg st="6" end="6"/>
+                                            </p:txEl>
+                                          </p:spTgt>
+                                        </p:tgtEl>
+                                        <p:attrNameLst>
+                                          <p:attrName>style.visibility</p:attrName>
+                                        </p:attrNameLst>
+                                      </p:cBhvr>
+                                      <p:to>
+                                        <p:strVal val="visible"/>
+                                      </p:to>
+                                    </p:set>
+                                    <p:animEffect transition="in" filter="wipe(left)">
+                                      <p:cBhvr>
+                                        <p:cTn id="7" dur="500"/>
+                                        <p:tgtEl>
+                                          <p:spTgt spid="3">
+                                            <p:txEl>
+                                              <p:pRg st="6" end="6"/>
+                                            </p:txEl>
+                                          </p:spTgt>
+                                        </p:tgtEl>
+                                      </p:cBhvr>
+                                    </p:animEffect>
+                                  </p:childTnLst>
+                                </p:cTn>
+                              </p:par>
+                            </p:childTnLst>
+                          </p:cTn>
+                        </p:par>
+                        <p:par>
+                          <p:cTn id="8" fill="hold">
+                            <p:stCondLst>
+                              <p:cond delay="500"/>
+                            </p:stCondLst>
+                            <p:childTnLst>
+                              <p:par>
+                                <p:cTn id="9" presetID="10" presetClass="entr" presetSubtype="0" fill="hold" grpId="0" nodeType="afterEffect">
+                                  <p:stCondLst>
+                                    <p:cond delay="0"/>
+                                  </p:stCondLst>
+                                  <p:childTnLst>
+                                    <p:set>
+                                      <p:cBhvr>
+                                        <p:cTn id="10" dur="1" fill="hold">
+                                          <p:stCondLst>
+                                            <p:cond delay="0"/>
+                                          </p:stCondLst>
+                                        </p:cTn>
+                                        <p:tgtEl>
+                                          <p:spTgt spid="5"/>
+                                        </p:tgtEl>
+                                        <p:attrNameLst>
+                                          <p:attrName>style.visibility</p:attrName>
+                                        </p:attrNameLst>
+                                      </p:cBhvr>
+                                      <p:to>
+                                        <p:strVal val="visible"/>
+                                      </p:to>
+                                    </p:set>
+                                    <p:animEffect transition="in" filter="fade">
+                                      <p:cBhvr>
+                                        <p:cTn id="11" dur="500"/>
+                                        <p:tgtEl>
+                                          <p:spTgt spid="5"/>
+                                        </p:tgtEl>
+                                      </p:cBhvr>
+                                    </p:animEffect>
+                                  </p:childTnLst>
+                                </p:cTn>
+                              </p:par>
+                            </p:childTnLst>
+                          </p:cTn>
+                        </p:par>
+                      </p:childTnLst>
+                    </p:cTn>
+                  </p:par>
+                </p:childTnLst>
+              </p:cTn>
+              <p:prevCondLst>
+                <p:cond evt="onPrev" delay="0">
+                  <p:tgtEl>
+                    <p:sldTgt/>
+                  </p:tgtEl>
+                </p:cond>
+              </p:prevCondLst>
+              <p:nextCondLst>
+                <p:cond evt="onNext" delay="0">
+                  <p:tgtEl>
+                    <p:sldTgt/>
+                  </p:tgtEl>
+                </p:cond>
+              </p:nextCondLst>
+            </p:seq>
+          </p:childTnLst>
+        </p:cTn>
+      </p:par>
+    </p:tnLst>
+    <p:bldLst>
+      <p:bldP spid="5" grpId="0"/>
+    </p:bldLst>
+  </p:timing>
 </p:sld>
 </file>
 
@@ -19333,202 +21042,6 @@
           <p:cNvPr id="2" name="Title 1">
             <a:extLst>
               <a:ext uri="{FF2B5EF4-FFF2-40B4-BE49-F238E27FC236}">
-                <a16:creationId xmlns:a16="http://schemas.microsoft.com/office/drawing/2014/main" id="{7549C25B-BF63-AE0E-B22B-E0BBD815662C}"/>
-              </a:ext>
-            </a:extLst>
-          </p:cNvPr>
-          <p:cNvSpPr>
-            <a:spLocks noGrp="1"/>
-          </p:cNvSpPr>
-          <p:nvPr>
-            <p:ph type="title"/>
-          </p:nvPr>
-        </p:nvSpPr>
-        <p:spPr/>
-        <p:txBody>
-          <a:bodyPr/>
-          <a:lstStyle/>
-          <a:p>
-            <a:r>
-              <a:rPr lang="en-US" dirty="0"/>
-              <a:t>Hands-On Exercise</a:t>
-            </a:r>
-          </a:p>
-        </p:txBody>
-      </p:sp>
-      <p:sp>
-        <p:nvSpPr>
-          <p:cNvPr id="3" name="TextBox 2">
-            <a:extLst>
-              <a:ext uri="{FF2B5EF4-FFF2-40B4-BE49-F238E27FC236}">
-                <a16:creationId xmlns:a16="http://schemas.microsoft.com/office/drawing/2014/main" id="{4E126E78-EF51-B33A-4184-656FDCFFC6DA}"/>
-              </a:ext>
-            </a:extLst>
-          </p:cNvPr>
-          <p:cNvSpPr txBox="1"/>
-          <p:nvPr/>
-        </p:nvSpPr>
-        <p:spPr>
-          <a:xfrm>
-            <a:off x="487680" y="1849120"/>
-            <a:ext cx="10515600" cy="1754326"/>
-          </a:xfrm>
-          <a:prstGeom prst="rect">
-            <a:avLst/>
-          </a:prstGeom>
-          <a:noFill/>
-        </p:spPr>
-        <p:txBody>
-          <a:bodyPr wrap="square" rtlCol="0">
-            <a:spAutoFit/>
-          </a:bodyPr>
-          <a:lstStyle/>
-          <a:p>
-            <a:pPr algn="ctr"/>
-            <a:r>
-              <a:rPr lang="en-US" sz="5400" b="1" dirty="0">
-                <a:solidFill>
-                  <a:srgbClr val="F9975F"/>
-                </a:solidFill>
-              </a:rPr>
-              <a:t>Work in groups to come up with possible solutions</a:t>
-            </a:r>
-          </a:p>
-        </p:txBody>
-      </p:sp>
-    </p:spTree>
-    <p:extLst>
-      <p:ext uri="{BB962C8B-B14F-4D97-AF65-F5344CB8AC3E}">
-        <p14:creationId xmlns:p14="http://schemas.microsoft.com/office/powerpoint/2010/main" val="2495344939"/>
-      </p:ext>
-    </p:extLst>
-  </p:cSld>
-  <p:clrMapOvr>
-    <a:masterClrMapping/>
-  </p:clrMapOvr>
-</p:sld>
-</file>
-
-<file path=ppt/slides/slide61.xml><?xml version="1.0" encoding="utf-8"?>
-<p:sld xmlns:a="http://schemas.openxmlformats.org/drawingml/2006/main" xmlns:r="http://schemas.openxmlformats.org/officeDocument/2006/relationships" xmlns:p="http://schemas.openxmlformats.org/presentationml/2006/main">
-  <p:cSld>
-    <p:spTree>
-      <p:nvGrpSpPr>
-        <p:cNvPr id="1" name=""/>
-        <p:cNvGrpSpPr/>
-        <p:nvPr/>
-      </p:nvGrpSpPr>
-      <p:grpSpPr>
-        <a:xfrm>
-          <a:off x="0" y="0"/>
-          <a:ext cx="0" cy="0"/>
-          <a:chOff x="0" y="0"/>
-          <a:chExt cx="0" cy="0"/>
-        </a:xfrm>
-      </p:grpSpPr>
-      <p:sp>
-        <p:nvSpPr>
-          <p:cNvPr id="2" name="Title 1">
-            <a:extLst>
-              <a:ext uri="{FF2B5EF4-FFF2-40B4-BE49-F238E27FC236}">
-                <a16:creationId xmlns:a16="http://schemas.microsoft.com/office/drawing/2014/main" id="{7549C25B-BF63-AE0E-B22B-E0BBD815662C}"/>
-              </a:ext>
-            </a:extLst>
-          </p:cNvPr>
-          <p:cNvSpPr>
-            <a:spLocks noGrp="1"/>
-          </p:cNvSpPr>
-          <p:nvPr>
-            <p:ph type="title"/>
-          </p:nvPr>
-        </p:nvSpPr>
-        <p:spPr/>
-        <p:txBody>
-          <a:bodyPr/>
-          <a:lstStyle/>
-          <a:p>
-            <a:r>
-              <a:rPr lang="en-US" dirty="0"/>
-              <a:t>Hands-On Exercise</a:t>
-            </a:r>
-          </a:p>
-        </p:txBody>
-      </p:sp>
-      <p:sp>
-        <p:nvSpPr>
-          <p:cNvPr id="3" name="TextBox 2">
-            <a:extLst>
-              <a:ext uri="{FF2B5EF4-FFF2-40B4-BE49-F238E27FC236}">
-                <a16:creationId xmlns:a16="http://schemas.microsoft.com/office/drawing/2014/main" id="{4E126E78-EF51-B33A-4184-656FDCFFC6DA}"/>
-              </a:ext>
-            </a:extLst>
-          </p:cNvPr>
-          <p:cNvSpPr txBox="1"/>
-          <p:nvPr/>
-        </p:nvSpPr>
-        <p:spPr>
-          <a:xfrm>
-            <a:off x="487680" y="1849120"/>
-            <a:ext cx="10515600" cy="923330"/>
-          </a:xfrm>
-          <a:prstGeom prst="rect">
-            <a:avLst/>
-          </a:prstGeom>
-          <a:noFill/>
-        </p:spPr>
-        <p:txBody>
-          <a:bodyPr wrap="square" rtlCol="0">
-            <a:spAutoFit/>
-          </a:bodyPr>
-          <a:lstStyle/>
-          <a:p>
-            <a:pPr algn="ctr"/>
-            <a:r>
-              <a:rPr lang="en-US" sz="5400" b="1" dirty="0">
-                <a:solidFill>
-                  <a:srgbClr val="F9975F"/>
-                </a:solidFill>
-              </a:rPr>
-              <a:t>Present Group Solutions</a:t>
-            </a:r>
-          </a:p>
-        </p:txBody>
-      </p:sp>
-    </p:spTree>
-    <p:extLst>
-      <p:ext uri="{BB962C8B-B14F-4D97-AF65-F5344CB8AC3E}">
-        <p14:creationId xmlns:p14="http://schemas.microsoft.com/office/powerpoint/2010/main" val="980628571"/>
-      </p:ext>
-    </p:extLst>
-  </p:cSld>
-  <p:clrMapOvr>
-    <a:masterClrMapping/>
-  </p:clrMapOvr>
-</p:sld>
-</file>
-
-<file path=ppt/slides/slide62.xml><?xml version="1.0" encoding="utf-8"?>
-<p:sld xmlns:a="http://schemas.openxmlformats.org/drawingml/2006/main" xmlns:r="http://schemas.openxmlformats.org/officeDocument/2006/relationships" xmlns:p="http://schemas.openxmlformats.org/presentationml/2006/main">
-  <p:cSld>
-    <p:spTree>
-      <p:nvGrpSpPr>
-        <p:cNvPr id="1" name=""/>
-        <p:cNvGrpSpPr/>
-        <p:nvPr/>
-      </p:nvGrpSpPr>
-      <p:grpSpPr>
-        <a:xfrm>
-          <a:off x="0" y="0"/>
-          <a:ext cx="0" cy="0"/>
-          <a:chOff x="0" y="0"/>
-          <a:chExt cx="0" cy="0"/>
-        </a:xfrm>
-      </p:grpSpPr>
-      <p:sp>
-        <p:nvSpPr>
-          <p:cNvPr id="2" name="Title 1">
-            <a:extLst>
-              <a:ext uri="{FF2B5EF4-FFF2-40B4-BE49-F238E27FC236}">
                 <a16:creationId xmlns:a16="http://schemas.microsoft.com/office/drawing/2014/main" id="{E7C088E1-A3AC-701A-BF69-31487876394F}"/>
               </a:ext>
             </a:extLst>
@@ -19547,7 +21060,7 @@
           <a:p>
             <a:r>
               <a:rPr lang="en-US" dirty="0"/>
-              <a:t>Solution we’ll implement</a:t>
+              <a:t>User Stories</a:t>
             </a:r>
           </a:p>
         </p:txBody>
@@ -19575,50 +21088,86 @@
           <a:p>
             <a:r>
               <a:rPr lang="en-US" dirty="0"/>
-              <a:t>Microservice in the Solution</a:t>
+              <a:t>User Stories</a:t>
             </a:r>
           </a:p>
           <a:p>
             <a:pPr lvl="1"/>
             <a:r>
               <a:rPr lang="en-US" dirty="0"/>
-              <a:t>Product Management</a:t>
+              <a:t>Project Kickoff</a:t>
             </a:r>
           </a:p>
           <a:p>
             <a:pPr lvl="1"/>
             <a:r>
-              <a:rPr lang="en-US"/>
-              <a:t>Website Management</a:t>
-            </a:r>
+              <a:rPr lang="en-US" dirty="0"/>
+              <a:t>Product Database</a:t>
+            </a:r>
+          </a:p>
+          <a:p>
+            <a:pPr lvl="1"/>
+            <a:r>
+              <a:rPr lang="en-US" dirty="0"/>
+              <a:t>Initialize Order</a:t>
+            </a:r>
+          </a:p>
+          <a:p>
+            <a:pPr lvl="1"/>
+            <a:r>
+              <a:rPr lang="en-US" dirty="0"/>
+              <a:t>Reserve Inventory</a:t>
+            </a:r>
+          </a:p>
+          <a:p>
+            <a:pPr lvl="2"/>
+            <a:r>
+              <a:rPr lang="en-US" dirty="0"/>
+              <a:t>Reserve Inventory</a:t>
+            </a:r>
+          </a:p>
+          <a:p>
+            <a:pPr lvl="2"/>
             <a:endParaRPr lang="en-US" dirty="0"/>
           </a:p>
           <a:p>
             <a:pPr lvl="1"/>
-            <a:r>
-              <a:rPr lang="en-US" dirty="0"/>
-              <a:t>Order Management</a:t>
-            </a:r>
-          </a:p>
-          <a:p>
-            <a:pPr lvl="1"/>
-            <a:r>
-              <a:rPr lang="en-US" dirty="0"/>
-              <a:t>Inventory Management</a:t>
-            </a:r>
-          </a:p>
-          <a:p>
-            <a:pPr lvl="1"/>
-            <a:r>
-              <a:rPr lang="en-US" dirty="0"/>
-              <a:t>Shipping Management</a:t>
-            </a:r>
-          </a:p>
-          <a:p>
-            <a:pPr lvl="1"/>
-            <a:r>
-              <a:rPr lang="en-US" dirty="0"/>
-              <a:t>Notification Management</a:t>
+            <a:endParaRPr lang="en-US" dirty="0"/>
+          </a:p>
+        </p:txBody>
+      </p:sp>
+      <p:sp>
+        <p:nvSpPr>
+          <p:cNvPr id="5" name="TextBox 4">
+            <a:extLst>
+              <a:ext uri="{FF2B5EF4-FFF2-40B4-BE49-F238E27FC236}">
+                <a16:creationId xmlns:a16="http://schemas.microsoft.com/office/drawing/2014/main" id="{A4DD6900-D3ED-5F85-D4A7-1A7B93E841A5}"/>
+              </a:ext>
+            </a:extLst>
+          </p:cNvPr>
+          <p:cNvSpPr txBox="1"/>
+          <p:nvPr/>
+        </p:nvSpPr>
+        <p:spPr>
+          <a:xfrm>
+            <a:off x="5638800" y="1825625"/>
+            <a:ext cx="6309360" cy="2554545"/>
+          </a:xfrm>
+          <a:prstGeom prst="rect">
+            <a:avLst/>
+          </a:prstGeom>
+          <a:noFill/>
+        </p:spPr>
+        <p:txBody>
+          <a:bodyPr wrap="square">
+            <a:spAutoFit/>
+          </a:bodyPr>
+          <a:lstStyle/>
+          <a:p>
+            <a:pPr algn="ctr"/>
+            <a:r>
+              <a:rPr lang="en-US" sz="3200" dirty="0"/>
+              <a:t>After receiving a notification from the Purchase system that a purchase has been made, the Inventory system will reserved the purchase products.</a:t>
             </a:r>
           </a:p>
         </p:txBody>
@@ -19626,7 +21175,7 @@
     </p:spTree>
     <p:extLst>
       <p:ext uri="{BB962C8B-B14F-4D97-AF65-F5344CB8AC3E}">
-        <p14:creationId xmlns:p14="http://schemas.microsoft.com/office/powerpoint/2010/main" val="467057397"/>
+        <p14:creationId xmlns:p14="http://schemas.microsoft.com/office/powerpoint/2010/main" val="3079409846"/>
       </p:ext>
     </p:extLst>
   </p:cSld>
@@ -19645,6 +21194,9 @@
                     <p:cTn id="3" fill="hold">
                       <p:stCondLst>
                         <p:cond delay="indefinite"/>
+                        <p:cond evt="onBegin" delay="0">
+                          <p:tn val="2"/>
+                        </p:cond>
                       </p:stCondLst>
                       <p:childTnLst>
                         <p:par>
@@ -19654,7 +21206,7 @@
                             </p:stCondLst>
                             <p:childTnLst>
                               <p:par>
-                                <p:cTn id="5" presetID="10" presetClass="entr" presetSubtype="0" fill="hold" nodeType="clickEffect">
+                                <p:cTn id="5" presetID="22" presetClass="entr" presetSubtype="8" fill="hold" nodeType="afterEffect">
                                   <p:stCondLst>
                                     <p:cond delay="0"/>
                                   </p:stCondLst>
@@ -19669,7 +21221,7 @@
                                         <p:tgtEl>
                                           <p:spTgt spid="3">
                                             <p:txEl>
-                                              <p:pRg st="1" end="1"/>
+                                              <p:pRg st="4" end="4"/>
                                             </p:txEl>
                                           </p:spTgt>
                                         </p:tgtEl>
@@ -19681,13 +21233,13 @@
                                         <p:strVal val="visible"/>
                                       </p:to>
                                     </p:set>
-                                    <p:animEffect transition="in" filter="fade">
+                                    <p:animEffect transition="in" filter="wipe(left)">
                                       <p:cBhvr>
                                         <p:cTn id="7" dur="500"/>
                                         <p:tgtEl>
                                           <p:spTgt spid="3">
                                             <p:txEl>
-                                              <p:pRg st="1" end="1"/>
+                                              <p:pRg st="4" end="4"/>
                                             </p:txEl>
                                           </p:spTgt>
                                         </p:tgtEl>
@@ -19715,7 +21267,7 @@
                             </p:stCondLst>
                             <p:childTnLst>
                               <p:par>
-                                <p:cTn id="10" presetID="10" presetClass="entr" presetSubtype="0" fill="hold" nodeType="clickEffect">
+                                <p:cTn id="10" presetID="22" presetClass="entr" presetSubtype="8" fill="hold" nodeType="clickEffect">
                                   <p:stCondLst>
                                     <p:cond delay="0"/>
                                   </p:stCondLst>
@@ -19723,189 +21275,6 @@
                                     <p:set>
                                       <p:cBhvr>
                                         <p:cTn id="11" dur="1" fill="hold">
-                                          <p:stCondLst>
-                                            <p:cond delay="0"/>
-                                          </p:stCondLst>
-                                        </p:cTn>
-                                        <p:tgtEl>
-                                          <p:spTgt spid="3">
-                                            <p:txEl>
-                                              <p:pRg st="2" end="2"/>
-                                            </p:txEl>
-                                          </p:spTgt>
-                                        </p:tgtEl>
-                                        <p:attrNameLst>
-                                          <p:attrName>style.visibility</p:attrName>
-                                        </p:attrNameLst>
-                                      </p:cBhvr>
-                                      <p:to>
-                                        <p:strVal val="visible"/>
-                                      </p:to>
-                                    </p:set>
-                                    <p:animEffect transition="in" filter="fade">
-                                      <p:cBhvr>
-                                        <p:cTn id="12" dur="500"/>
-                                        <p:tgtEl>
-                                          <p:spTgt spid="3">
-                                            <p:txEl>
-                                              <p:pRg st="2" end="2"/>
-                                            </p:txEl>
-                                          </p:spTgt>
-                                        </p:tgtEl>
-                                      </p:cBhvr>
-                                    </p:animEffect>
-                                  </p:childTnLst>
-                                </p:cTn>
-                              </p:par>
-                            </p:childTnLst>
-                          </p:cTn>
-                        </p:par>
-                      </p:childTnLst>
-                    </p:cTn>
-                  </p:par>
-                  <p:par>
-                    <p:cTn id="13" fill="hold">
-                      <p:stCondLst>
-                        <p:cond delay="indefinite"/>
-                      </p:stCondLst>
-                      <p:childTnLst>
-                        <p:par>
-                          <p:cTn id="14" fill="hold">
-                            <p:stCondLst>
-                              <p:cond delay="0"/>
-                            </p:stCondLst>
-                            <p:childTnLst>
-                              <p:par>
-                                <p:cTn id="15" presetID="10" presetClass="entr" presetSubtype="0" fill="hold" nodeType="clickEffect">
-                                  <p:stCondLst>
-                                    <p:cond delay="0"/>
-                                  </p:stCondLst>
-                                  <p:childTnLst>
-                                    <p:set>
-                                      <p:cBhvr>
-                                        <p:cTn id="16" dur="1" fill="hold">
-                                          <p:stCondLst>
-                                            <p:cond delay="0"/>
-                                          </p:stCondLst>
-                                        </p:cTn>
-                                        <p:tgtEl>
-                                          <p:spTgt spid="3">
-                                            <p:txEl>
-                                              <p:pRg st="3" end="3"/>
-                                            </p:txEl>
-                                          </p:spTgt>
-                                        </p:tgtEl>
-                                        <p:attrNameLst>
-                                          <p:attrName>style.visibility</p:attrName>
-                                        </p:attrNameLst>
-                                      </p:cBhvr>
-                                      <p:to>
-                                        <p:strVal val="visible"/>
-                                      </p:to>
-                                    </p:set>
-                                    <p:animEffect transition="in" filter="fade">
-                                      <p:cBhvr>
-                                        <p:cTn id="17" dur="500"/>
-                                        <p:tgtEl>
-                                          <p:spTgt spid="3">
-                                            <p:txEl>
-                                              <p:pRg st="3" end="3"/>
-                                            </p:txEl>
-                                          </p:spTgt>
-                                        </p:tgtEl>
-                                      </p:cBhvr>
-                                    </p:animEffect>
-                                  </p:childTnLst>
-                                </p:cTn>
-                              </p:par>
-                            </p:childTnLst>
-                          </p:cTn>
-                        </p:par>
-                      </p:childTnLst>
-                    </p:cTn>
-                  </p:par>
-                  <p:par>
-                    <p:cTn id="18" fill="hold">
-                      <p:stCondLst>
-                        <p:cond delay="indefinite"/>
-                      </p:stCondLst>
-                      <p:childTnLst>
-                        <p:par>
-                          <p:cTn id="19" fill="hold">
-                            <p:stCondLst>
-                              <p:cond delay="0"/>
-                            </p:stCondLst>
-                            <p:childTnLst>
-                              <p:par>
-                                <p:cTn id="20" presetID="10" presetClass="entr" presetSubtype="0" fill="hold" nodeType="clickEffect">
-                                  <p:stCondLst>
-                                    <p:cond delay="0"/>
-                                  </p:stCondLst>
-                                  <p:childTnLst>
-                                    <p:set>
-                                      <p:cBhvr>
-                                        <p:cTn id="21" dur="1" fill="hold">
-                                          <p:stCondLst>
-                                            <p:cond delay="0"/>
-                                          </p:stCondLst>
-                                        </p:cTn>
-                                        <p:tgtEl>
-                                          <p:spTgt spid="3">
-                                            <p:txEl>
-                                              <p:pRg st="4" end="4"/>
-                                            </p:txEl>
-                                          </p:spTgt>
-                                        </p:tgtEl>
-                                        <p:attrNameLst>
-                                          <p:attrName>style.visibility</p:attrName>
-                                        </p:attrNameLst>
-                                      </p:cBhvr>
-                                      <p:to>
-                                        <p:strVal val="visible"/>
-                                      </p:to>
-                                    </p:set>
-                                    <p:animEffect transition="in" filter="fade">
-                                      <p:cBhvr>
-                                        <p:cTn id="22" dur="500"/>
-                                        <p:tgtEl>
-                                          <p:spTgt spid="3">
-                                            <p:txEl>
-                                              <p:pRg st="4" end="4"/>
-                                            </p:txEl>
-                                          </p:spTgt>
-                                        </p:tgtEl>
-                                      </p:cBhvr>
-                                    </p:animEffect>
-                                  </p:childTnLst>
-                                </p:cTn>
-                              </p:par>
-                            </p:childTnLst>
-                          </p:cTn>
-                        </p:par>
-                      </p:childTnLst>
-                    </p:cTn>
-                  </p:par>
-                  <p:par>
-                    <p:cTn id="23" fill="hold">
-                      <p:stCondLst>
-                        <p:cond delay="indefinite"/>
-                      </p:stCondLst>
-                      <p:childTnLst>
-                        <p:par>
-                          <p:cTn id="24" fill="hold">
-                            <p:stCondLst>
-                              <p:cond delay="0"/>
-                            </p:stCondLst>
-                            <p:childTnLst>
-                              <p:par>
-                                <p:cTn id="25" presetID="10" presetClass="entr" presetSubtype="0" fill="hold" nodeType="clickEffect">
-                                  <p:stCondLst>
-                                    <p:cond delay="0"/>
-                                  </p:stCondLst>
-                                  <p:childTnLst>
-                                    <p:set>
-                                      <p:cBhvr>
-                                        <p:cTn id="26" dur="1" fill="hold">
                                           <p:stCondLst>
                                             <p:cond delay="0"/>
                                           </p:stCondLst>
@@ -19925,9 +21294,9 @@
                                         <p:strVal val="visible"/>
                                       </p:to>
                                     </p:set>
-                                    <p:animEffect transition="in" filter="fade">
+                                    <p:animEffect transition="in" filter="wipe(left)">
                                       <p:cBhvr>
-                                        <p:cTn id="27" dur="500"/>
+                                        <p:cTn id="12" dur="500"/>
                                         <p:tgtEl>
                                           <p:spTgt spid="3">
                                             <p:txEl>
@@ -19943,40 +21312,27 @@
                             </p:childTnLst>
                           </p:cTn>
                         </p:par>
-                      </p:childTnLst>
-                    </p:cTn>
-                  </p:par>
-                  <p:par>
-                    <p:cTn id="28" fill="hold">
-                      <p:stCondLst>
-                        <p:cond delay="indefinite"/>
-                      </p:stCondLst>
-                      <p:childTnLst>
                         <p:par>
-                          <p:cTn id="29" fill="hold">
+                          <p:cTn id="13" fill="hold">
                             <p:stCondLst>
-                              <p:cond delay="0"/>
+                              <p:cond delay="500"/>
                             </p:stCondLst>
                             <p:childTnLst>
                               <p:par>
-                                <p:cTn id="30" presetID="10" presetClass="entr" presetSubtype="0" fill="hold" nodeType="clickEffect">
+                                <p:cTn id="14" presetID="10" presetClass="entr" presetSubtype="0" fill="hold" grpId="0" nodeType="afterEffect">
                                   <p:stCondLst>
                                     <p:cond delay="0"/>
                                   </p:stCondLst>
                                   <p:childTnLst>
                                     <p:set>
                                       <p:cBhvr>
-                                        <p:cTn id="31" dur="1" fill="hold">
+                                        <p:cTn id="15" dur="1" fill="hold">
                                           <p:stCondLst>
                                             <p:cond delay="0"/>
                                           </p:stCondLst>
                                         </p:cTn>
                                         <p:tgtEl>
-                                          <p:spTgt spid="3">
-                                            <p:txEl>
-                                              <p:pRg st="6" end="6"/>
-                                            </p:txEl>
-                                          </p:spTgt>
+                                          <p:spTgt spid="5"/>
                                         </p:tgtEl>
                                         <p:attrNameLst>
                                           <p:attrName>style.visibility</p:attrName>
@@ -19988,13 +21344,9 @@
                                     </p:set>
                                     <p:animEffect transition="in" filter="fade">
                                       <p:cBhvr>
-                                        <p:cTn id="32" dur="500"/>
+                                        <p:cTn id="16" dur="500"/>
                                         <p:tgtEl>
-                                          <p:spTgt spid="3">
-                                            <p:txEl>
-                                              <p:pRg st="6" end="6"/>
-                                            </p:txEl>
-                                          </p:spTgt>
+                                          <p:spTgt spid="5"/>
                                         </p:tgtEl>
                                       </p:cBhvr>
                                     </p:animEffect>
@@ -20028,6 +21380,3160 @@
         </p:cTn>
       </p:par>
     </p:tnLst>
+    <p:bldLst>
+      <p:bldP spid="5" grpId="0"/>
+    </p:bldLst>
+  </p:timing>
+</p:sld>
+</file>
+
+<file path=ppt/slides/slide61.xml><?xml version="1.0" encoding="utf-8"?>
+<p:sld xmlns:a="http://schemas.openxmlformats.org/drawingml/2006/main" xmlns:r="http://schemas.openxmlformats.org/officeDocument/2006/relationships" xmlns:p="http://schemas.openxmlformats.org/presentationml/2006/main">
+  <p:cSld>
+    <p:spTree>
+      <p:nvGrpSpPr>
+        <p:cNvPr id="1" name=""/>
+        <p:cNvGrpSpPr/>
+        <p:nvPr/>
+      </p:nvGrpSpPr>
+      <p:grpSpPr>
+        <a:xfrm>
+          <a:off x="0" y="0"/>
+          <a:ext cx="0" cy="0"/>
+          <a:chOff x="0" y="0"/>
+          <a:chExt cx="0" cy="0"/>
+        </a:xfrm>
+      </p:grpSpPr>
+      <p:sp>
+        <p:nvSpPr>
+          <p:cNvPr id="2" name="Title 1">
+            <a:extLst>
+              <a:ext uri="{FF2B5EF4-FFF2-40B4-BE49-F238E27FC236}">
+                <a16:creationId xmlns:a16="http://schemas.microsoft.com/office/drawing/2014/main" id="{E7C088E1-A3AC-701A-BF69-31487876394F}"/>
+              </a:ext>
+            </a:extLst>
+          </p:cNvPr>
+          <p:cNvSpPr>
+            <a:spLocks noGrp="1"/>
+          </p:cNvSpPr>
+          <p:nvPr>
+            <p:ph type="title"/>
+          </p:nvPr>
+        </p:nvSpPr>
+        <p:spPr/>
+        <p:txBody>
+          <a:bodyPr/>
+          <a:lstStyle/>
+          <a:p>
+            <a:r>
+              <a:rPr lang="en-US" dirty="0"/>
+              <a:t>User Stories</a:t>
+            </a:r>
+          </a:p>
+        </p:txBody>
+      </p:sp>
+      <p:sp>
+        <p:nvSpPr>
+          <p:cNvPr id="3" name="Content Placeholder 2">
+            <a:extLst>
+              <a:ext uri="{FF2B5EF4-FFF2-40B4-BE49-F238E27FC236}">
+                <a16:creationId xmlns:a16="http://schemas.microsoft.com/office/drawing/2014/main" id="{3D78CA66-6D3A-62F9-1036-E3C6053DB574}"/>
+              </a:ext>
+            </a:extLst>
+          </p:cNvPr>
+          <p:cNvSpPr>
+            <a:spLocks noGrp="1"/>
+          </p:cNvSpPr>
+          <p:nvPr>
+            <p:ph idx="1"/>
+          </p:nvPr>
+        </p:nvSpPr>
+        <p:spPr/>
+        <p:txBody>
+          <a:bodyPr/>
+          <a:lstStyle/>
+          <a:p>
+            <a:r>
+              <a:rPr lang="en-US" dirty="0"/>
+              <a:t>User Stories</a:t>
+            </a:r>
+          </a:p>
+          <a:p>
+            <a:pPr lvl="1"/>
+            <a:r>
+              <a:rPr lang="en-US" dirty="0"/>
+              <a:t>Project Kickoff</a:t>
+            </a:r>
+          </a:p>
+          <a:p>
+            <a:pPr lvl="1"/>
+            <a:r>
+              <a:rPr lang="en-US" dirty="0"/>
+              <a:t>Product Database</a:t>
+            </a:r>
+          </a:p>
+          <a:p>
+            <a:pPr lvl="1"/>
+            <a:r>
+              <a:rPr lang="en-US" dirty="0"/>
+              <a:t>Initialize Order</a:t>
+            </a:r>
+          </a:p>
+          <a:p>
+            <a:pPr lvl="1"/>
+            <a:r>
+              <a:rPr lang="en-US" dirty="0"/>
+              <a:t>Reserve Inventory</a:t>
+            </a:r>
+          </a:p>
+          <a:p>
+            <a:pPr lvl="2"/>
+            <a:r>
+              <a:rPr lang="en-US" dirty="0"/>
+              <a:t>Reserve Inventory</a:t>
+            </a:r>
+          </a:p>
+          <a:p>
+            <a:pPr lvl="2"/>
+            <a:r>
+              <a:rPr lang="en-US" dirty="0"/>
+              <a:t>Update Purchase Status</a:t>
+            </a:r>
+          </a:p>
+          <a:p>
+            <a:pPr lvl="2"/>
+            <a:endParaRPr lang="en-US" dirty="0"/>
+          </a:p>
+          <a:p>
+            <a:pPr lvl="1"/>
+            <a:endParaRPr lang="en-US" dirty="0"/>
+          </a:p>
+        </p:txBody>
+      </p:sp>
+      <p:sp>
+        <p:nvSpPr>
+          <p:cNvPr id="5" name="TextBox 4">
+            <a:extLst>
+              <a:ext uri="{FF2B5EF4-FFF2-40B4-BE49-F238E27FC236}">
+                <a16:creationId xmlns:a16="http://schemas.microsoft.com/office/drawing/2014/main" id="{A4DD6900-D3ED-5F85-D4A7-1A7B93E841A5}"/>
+              </a:ext>
+            </a:extLst>
+          </p:cNvPr>
+          <p:cNvSpPr txBox="1"/>
+          <p:nvPr/>
+        </p:nvSpPr>
+        <p:spPr>
+          <a:xfrm>
+            <a:off x="5638800" y="1825625"/>
+            <a:ext cx="6309360" cy="2062103"/>
+          </a:xfrm>
+          <a:prstGeom prst="rect">
+            <a:avLst/>
+          </a:prstGeom>
+          <a:noFill/>
+        </p:spPr>
+        <p:txBody>
+          <a:bodyPr wrap="square">
+            <a:spAutoFit/>
+          </a:bodyPr>
+          <a:lstStyle/>
+          <a:p>
+            <a:pPr algn="ctr"/>
+            <a:r>
+              <a:rPr lang="en-US" sz="3200" dirty="0"/>
+              <a:t>If an ordered item is backordered, send the customer informing them that the order has been backordered.</a:t>
+            </a:r>
+          </a:p>
+        </p:txBody>
+      </p:sp>
+    </p:spTree>
+    <p:extLst>
+      <p:ext uri="{BB962C8B-B14F-4D97-AF65-F5344CB8AC3E}">
+        <p14:creationId xmlns:p14="http://schemas.microsoft.com/office/powerpoint/2010/main" val="3470397458"/>
+      </p:ext>
+    </p:extLst>
+  </p:cSld>
+  <p:clrMapOvr>
+    <a:masterClrMapping/>
+  </p:clrMapOvr>
+  <p:timing>
+    <p:tnLst>
+      <p:par>
+        <p:cTn id="1" dur="indefinite" restart="never" nodeType="tmRoot">
+          <p:childTnLst>
+            <p:seq concurrent="1" nextAc="seek">
+              <p:cTn id="2" dur="indefinite" nodeType="mainSeq">
+                <p:childTnLst>
+                  <p:par>
+                    <p:cTn id="3" fill="hold">
+                      <p:stCondLst>
+                        <p:cond delay="indefinite"/>
+                        <p:cond evt="onBegin" delay="0">
+                          <p:tn val="2"/>
+                        </p:cond>
+                      </p:stCondLst>
+                      <p:childTnLst>
+                        <p:par>
+                          <p:cTn id="4" fill="hold">
+                            <p:stCondLst>
+                              <p:cond delay="0"/>
+                            </p:stCondLst>
+                            <p:childTnLst>
+                              <p:par>
+                                <p:cTn id="5" presetID="22" presetClass="entr" presetSubtype="8" fill="hold" nodeType="afterEffect">
+                                  <p:stCondLst>
+                                    <p:cond delay="0"/>
+                                  </p:stCondLst>
+                                  <p:childTnLst>
+                                    <p:set>
+                                      <p:cBhvr>
+                                        <p:cTn id="6" dur="1" fill="hold">
+                                          <p:stCondLst>
+                                            <p:cond delay="0"/>
+                                          </p:stCondLst>
+                                        </p:cTn>
+                                        <p:tgtEl>
+                                          <p:spTgt spid="3">
+                                            <p:txEl>
+                                              <p:pRg st="6" end="6"/>
+                                            </p:txEl>
+                                          </p:spTgt>
+                                        </p:tgtEl>
+                                        <p:attrNameLst>
+                                          <p:attrName>style.visibility</p:attrName>
+                                        </p:attrNameLst>
+                                      </p:cBhvr>
+                                      <p:to>
+                                        <p:strVal val="visible"/>
+                                      </p:to>
+                                    </p:set>
+                                    <p:animEffect transition="in" filter="wipe(left)">
+                                      <p:cBhvr>
+                                        <p:cTn id="7" dur="500"/>
+                                        <p:tgtEl>
+                                          <p:spTgt spid="3">
+                                            <p:txEl>
+                                              <p:pRg st="6" end="6"/>
+                                            </p:txEl>
+                                          </p:spTgt>
+                                        </p:tgtEl>
+                                      </p:cBhvr>
+                                    </p:animEffect>
+                                  </p:childTnLst>
+                                </p:cTn>
+                              </p:par>
+                            </p:childTnLst>
+                          </p:cTn>
+                        </p:par>
+                        <p:par>
+                          <p:cTn id="8" fill="hold">
+                            <p:stCondLst>
+                              <p:cond delay="500"/>
+                            </p:stCondLst>
+                            <p:childTnLst>
+                              <p:par>
+                                <p:cTn id="9" presetID="10" presetClass="entr" presetSubtype="0" fill="hold" grpId="0" nodeType="afterEffect">
+                                  <p:stCondLst>
+                                    <p:cond delay="0"/>
+                                  </p:stCondLst>
+                                  <p:childTnLst>
+                                    <p:set>
+                                      <p:cBhvr>
+                                        <p:cTn id="10" dur="1" fill="hold">
+                                          <p:stCondLst>
+                                            <p:cond delay="0"/>
+                                          </p:stCondLst>
+                                        </p:cTn>
+                                        <p:tgtEl>
+                                          <p:spTgt spid="5"/>
+                                        </p:tgtEl>
+                                        <p:attrNameLst>
+                                          <p:attrName>style.visibility</p:attrName>
+                                        </p:attrNameLst>
+                                      </p:cBhvr>
+                                      <p:to>
+                                        <p:strVal val="visible"/>
+                                      </p:to>
+                                    </p:set>
+                                    <p:animEffect transition="in" filter="fade">
+                                      <p:cBhvr>
+                                        <p:cTn id="11" dur="500"/>
+                                        <p:tgtEl>
+                                          <p:spTgt spid="5"/>
+                                        </p:tgtEl>
+                                      </p:cBhvr>
+                                    </p:animEffect>
+                                  </p:childTnLst>
+                                </p:cTn>
+                              </p:par>
+                            </p:childTnLst>
+                          </p:cTn>
+                        </p:par>
+                      </p:childTnLst>
+                    </p:cTn>
+                  </p:par>
+                </p:childTnLst>
+              </p:cTn>
+              <p:prevCondLst>
+                <p:cond evt="onPrev" delay="0">
+                  <p:tgtEl>
+                    <p:sldTgt/>
+                  </p:tgtEl>
+                </p:cond>
+              </p:prevCondLst>
+              <p:nextCondLst>
+                <p:cond evt="onNext" delay="0">
+                  <p:tgtEl>
+                    <p:sldTgt/>
+                  </p:tgtEl>
+                </p:cond>
+              </p:nextCondLst>
+            </p:seq>
+          </p:childTnLst>
+        </p:cTn>
+      </p:par>
+    </p:tnLst>
+    <p:bldLst>
+      <p:bldP spid="5" grpId="0"/>
+    </p:bldLst>
+  </p:timing>
+</p:sld>
+</file>
+
+<file path=ppt/slides/slide62.xml><?xml version="1.0" encoding="utf-8"?>
+<p:sld xmlns:a="http://schemas.openxmlformats.org/drawingml/2006/main" xmlns:r="http://schemas.openxmlformats.org/officeDocument/2006/relationships" xmlns:p="http://schemas.openxmlformats.org/presentationml/2006/main">
+  <p:cSld>
+    <p:spTree>
+      <p:nvGrpSpPr>
+        <p:cNvPr id="1" name=""/>
+        <p:cNvGrpSpPr/>
+        <p:nvPr/>
+      </p:nvGrpSpPr>
+      <p:grpSpPr>
+        <a:xfrm>
+          <a:off x="0" y="0"/>
+          <a:ext cx="0" cy="0"/>
+          <a:chOff x="0" y="0"/>
+          <a:chExt cx="0" cy="0"/>
+        </a:xfrm>
+      </p:grpSpPr>
+      <p:sp>
+        <p:nvSpPr>
+          <p:cNvPr id="2" name="Title 1">
+            <a:extLst>
+              <a:ext uri="{FF2B5EF4-FFF2-40B4-BE49-F238E27FC236}">
+                <a16:creationId xmlns:a16="http://schemas.microsoft.com/office/drawing/2014/main" id="{E7C088E1-A3AC-701A-BF69-31487876394F}"/>
+              </a:ext>
+            </a:extLst>
+          </p:cNvPr>
+          <p:cNvSpPr>
+            <a:spLocks noGrp="1"/>
+          </p:cNvSpPr>
+          <p:nvPr>
+            <p:ph type="title"/>
+          </p:nvPr>
+        </p:nvSpPr>
+        <p:spPr/>
+        <p:txBody>
+          <a:bodyPr/>
+          <a:lstStyle/>
+          <a:p>
+            <a:r>
+              <a:rPr lang="en-US" dirty="0"/>
+              <a:t>User Stories</a:t>
+            </a:r>
+          </a:p>
+        </p:txBody>
+      </p:sp>
+      <p:sp>
+        <p:nvSpPr>
+          <p:cNvPr id="3" name="Content Placeholder 2">
+            <a:extLst>
+              <a:ext uri="{FF2B5EF4-FFF2-40B4-BE49-F238E27FC236}">
+                <a16:creationId xmlns:a16="http://schemas.microsoft.com/office/drawing/2014/main" id="{3D78CA66-6D3A-62F9-1036-E3C6053DB574}"/>
+              </a:ext>
+            </a:extLst>
+          </p:cNvPr>
+          <p:cNvSpPr>
+            <a:spLocks noGrp="1"/>
+          </p:cNvSpPr>
+          <p:nvPr>
+            <p:ph idx="1"/>
+          </p:nvPr>
+        </p:nvSpPr>
+        <p:spPr/>
+        <p:txBody>
+          <a:bodyPr/>
+          <a:lstStyle/>
+          <a:p>
+            <a:r>
+              <a:rPr lang="en-US" dirty="0"/>
+              <a:t>User Stories</a:t>
+            </a:r>
+          </a:p>
+          <a:p>
+            <a:pPr lvl="1"/>
+            <a:r>
+              <a:rPr lang="en-US" dirty="0"/>
+              <a:t>Project Kickoff</a:t>
+            </a:r>
+          </a:p>
+          <a:p>
+            <a:pPr lvl="1"/>
+            <a:r>
+              <a:rPr lang="en-US" dirty="0"/>
+              <a:t>Product Database</a:t>
+            </a:r>
+          </a:p>
+          <a:p>
+            <a:pPr lvl="1"/>
+            <a:r>
+              <a:rPr lang="en-US" dirty="0"/>
+              <a:t>Initialize Order</a:t>
+            </a:r>
+          </a:p>
+          <a:p>
+            <a:pPr lvl="1"/>
+            <a:r>
+              <a:rPr lang="en-US" dirty="0"/>
+              <a:t>Reserve Inventory</a:t>
+            </a:r>
+          </a:p>
+          <a:p>
+            <a:pPr lvl="2"/>
+            <a:r>
+              <a:rPr lang="en-US" dirty="0"/>
+              <a:t>Reserve Inventory</a:t>
+            </a:r>
+          </a:p>
+          <a:p>
+            <a:pPr lvl="2"/>
+            <a:r>
+              <a:rPr lang="en-US" dirty="0"/>
+              <a:t>Update Purchase Status</a:t>
+            </a:r>
+          </a:p>
+          <a:p>
+            <a:pPr lvl="2"/>
+            <a:r>
+              <a:rPr lang="en-US" dirty="0"/>
+              <a:t>Send Backorder Notice</a:t>
+            </a:r>
+          </a:p>
+          <a:p>
+            <a:pPr lvl="2"/>
+            <a:endParaRPr lang="en-US" dirty="0"/>
+          </a:p>
+          <a:p>
+            <a:pPr lvl="1"/>
+            <a:endParaRPr lang="en-US" dirty="0"/>
+          </a:p>
+        </p:txBody>
+      </p:sp>
+      <p:sp>
+        <p:nvSpPr>
+          <p:cNvPr id="5" name="TextBox 4">
+            <a:extLst>
+              <a:ext uri="{FF2B5EF4-FFF2-40B4-BE49-F238E27FC236}">
+                <a16:creationId xmlns:a16="http://schemas.microsoft.com/office/drawing/2014/main" id="{A4DD6900-D3ED-5F85-D4A7-1A7B93E841A5}"/>
+              </a:ext>
+            </a:extLst>
+          </p:cNvPr>
+          <p:cNvSpPr txBox="1"/>
+          <p:nvPr/>
+        </p:nvSpPr>
+        <p:spPr>
+          <a:xfrm>
+            <a:off x="5638800" y="1825625"/>
+            <a:ext cx="6309360" cy="3046988"/>
+          </a:xfrm>
+          <a:prstGeom prst="rect">
+            <a:avLst/>
+          </a:prstGeom>
+          <a:noFill/>
+        </p:spPr>
+        <p:txBody>
+          <a:bodyPr wrap="square">
+            <a:spAutoFit/>
+          </a:bodyPr>
+          <a:lstStyle/>
+          <a:p>
+            <a:pPr algn="ctr"/>
+            <a:r>
+              <a:rPr lang="en-US" sz="3200" dirty="0"/>
+              <a:t>Once the inventory is reserved, the Purchase system will update the status of the purchase line item. If all of the line items for the purchase have been updated, then the purchase status will be updated.</a:t>
+            </a:r>
+          </a:p>
+        </p:txBody>
+      </p:sp>
+    </p:spTree>
+    <p:extLst>
+      <p:ext uri="{BB962C8B-B14F-4D97-AF65-F5344CB8AC3E}">
+        <p14:creationId xmlns:p14="http://schemas.microsoft.com/office/powerpoint/2010/main" val="1967891550"/>
+      </p:ext>
+    </p:extLst>
+  </p:cSld>
+  <p:clrMapOvr>
+    <a:masterClrMapping/>
+  </p:clrMapOvr>
+  <p:timing>
+    <p:tnLst>
+      <p:par>
+        <p:cTn id="1" dur="indefinite" restart="never" nodeType="tmRoot">
+          <p:childTnLst>
+            <p:seq concurrent="1" nextAc="seek">
+              <p:cTn id="2" dur="indefinite" nodeType="mainSeq">
+                <p:childTnLst>
+                  <p:par>
+                    <p:cTn id="3" fill="hold">
+                      <p:stCondLst>
+                        <p:cond delay="indefinite"/>
+                        <p:cond evt="onBegin" delay="0">
+                          <p:tn val="2"/>
+                        </p:cond>
+                      </p:stCondLst>
+                      <p:childTnLst>
+                        <p:par>
+                          <p:cTn id="4" fill="hold">
+                            <p:stCondLst>
+                              <p:cond delay="0"/>
+                            </p:stCondLst>
+                            <p:childTnLst>
+                              <p:par>
+                                <p:cTn id="5" presetID="22" presetClass="entr" presetSubtype="8" fill="hold" nodeType="afterEffect">
+                                  <p:stCondLst>
+                                    <p:cond delay="0"/>
+                                  </p:stCondLst>
+                                  <p:childTnLst>
+                                    <p:set>
+                                      <p:cBhvr>
+                                        <p:cTn id="6" dur="1" fill="hold">
+                                          <p:stCondLst>
+                                            <p:cond delay="0"/>
+                                          </p:stCondLst>
+                                        </p:cTn>
+                                        <p:tgtEl>
+                                          <p:spTgt spid="3">
+                                            <p:txEl>
+                                              <p:pRg st="7" end="7"/>
+                                            </p:txEl>
+                                          </p:spTgt>
+                                        </p:tgtEl>
+                                        <p:attrNameLst>
+                                          <p:attrName>style.visibility</p:attrName>
+                                        </p:attrNameLst>
+                                      </p:cBhvr>
+                                      <p:to>
+                                        <p:strVal val="visible"/>
+                                      </p:to>
+                                    </p:set>
+                                    <p:animEffect transition="in" filter="wipe(left)">
+                                      <p:cBhvr>
+                                        <p:cTn id="7" dur="500"/>
+                                        <p:tgtEl>
+                                          <p:spTgt spid="3">
+                                            <p:txEl>
+                                              <p:pRg st="7" end="7"/>
+                                            </p:txEl>
+                                          </p:spTgt>
+                                        </p:tgtEl>
+                                      </p:cBhvr>
+                                    </p:animEffect>
+                                  </p:childTnLst>
+                                </p:cTn>
+                              </p:par>
+                            </p:childTnLst>
+                          </p:cTn>
+                        </p:par>
+                        <p:par>
+                          <p:cTn id="8" fill="hold">
+                            <p:stCondLst>
+                              <p:cond delay="500"/>
+                            </p:stCondLst>
+                            <p:childTnLst>
+                              <p:par>
+                                <p:cTn id="9" presetID="10" presetClass="entr" presetSubtype="0" fill="hold" grpId="0" nodeType="afterEffect">
+                                  <p:stCondLst>
+                                    <p:cond delay="0"/>
+                                  </p:stCondLst>
+                                  <p:childTnLst>
+                                    <p:set>
+                                      <p:cBhvr>
+                                        <p:cTn id="10" dur="1" fill="hold">
+                                          <p:stCondLst>
+                                            <p:cond delay="0"/>
+                                          </p:stCondLst>
+                                        </p:cTn>
+                                        <p:tgtEl>
+                                          <p:spTgt spid="5"/>
+                                        </p:tgtEl>
+                                        <p:attrNameLst>
+                                          <p:attrName>style.visibility</p:attrName>
+                                        </p:attrNameLst>
+                                      </p:cBhvr>
+                                      <p:to>
+                                        <p:strVal val="visible"/>
+                                      </p:to>
+                                    </p:set>
+                                    <p:animEffect transition="in" filter="fade">
+                                      <p:cBhvr>
+                                        <p:cTn id="11" dur="500"/>
+                                        <p:tgtEl>
+                                          <p:spTgt spid="5"/>
+                                        </p:tgtEl>
+                                      </p:cBhvr>
+                                    </p:animEffect>
+                                  </p:childTnLst>
+                                </p:cTn>
+                              </p:par>
+                            </p:childTnLst>
+                          </p:cTn>
+                        </p:par>
+                      </p:childTnLst>
+                    </p:cTn>
+                  </p:par>
+                </p:childTnLst>
+              </p:cTn>
+              <p:prevCondLst>
+                <p:cond evt="onPrev" delay="0">
+                  <p:tgtEl>
+                    <p:sldTgt/>
+                  </p:tgtEl>
+                </p:cond>
+              </p:prevCondLst>
+              <p:nextCondLst>
+                <p:cond evt="onNext" delay="0">
+                  <p:tgtEl>
+                    <p:sldTgt/>
+                  </p:tgtEl>
+                </p:cond>
+              </p:nextCondLst>
+            </p:seq>
+          </p:childTnLst>
+        </p:cTn>
+      </p:par>
+    </p:tnLst>
+    <p:bldLst>
+      <p:bldP spid="5" grpId="0"/>
+    </p:bldLst>
+  </p:timing>
+</p:sld>
+</file>
+
+<file path=ppt/slides/slide63.xml><?xml version="1.0" encoding="utf-8"?>
+<p:sld xmlns:a="http://schemas.openxmlformats.org/drawingml/2006/main" xmlns:r="http://schemas.openxmlformats.org/officeDocument/2006/relationships" xmlns:p="http://schemas.openxmlformats.org/presentationml/2006/main">
+  <p:cSld>
+    <p:spTree>
+      <p:nvGrpSpPr>
+        <p:cNvPr id="1" name=""/>
+        <p:cNvGrpSpPr/>
+        <p:nvPr/>
+      </p:nvGrpSpPr>
+      <p:grpSpPr>
+        <a:xfrm>
+          <a:off x="0" y="0"/>
+          <a:ext cx="0" cy="0"/>
+          <a:chOff x="0" y="0"/>
+          <a:chExt cx="0" cy="0"/>
+        </a:xfrm>
+      </p:grpSpPr>
+      <p:sp>
+        <p:nvSpPr>
+          <p:cNvPr id="2" name="Title 1">
+            <a:extLst>
+              <a:ext uri="{FF2B5EF4-FFF2-40B4-BE49-F238E27FC236}">
+                <a16:creationId xmlns:a16="http://schemas.microsoft.com/office/drawing/2014/main" id="{E7C088E1-A3AC-701A-BF69-31487876394F}"/>
+              </a:ext>
+            </a:extLst>
+          </p:cNvPr>
+          <p:cNvSpPr>
+            <a:spLocks noGrp="1"/>
+          </p:cNvSpPr>
+          <p:nvPr>
+            <p:ph type="title"/>
+          </p:nvPr>
+        </p:nvSpPr>
+        <p:spPr/>
+        <p:txBody>
+          <a:bodyPr/>
+          <a:lstStyle/>
+          <a:p>
+            <a:r>
+              <a:rPr lang="en-US" dirty="0"/>
+              <a:t>User Stories</a:t>
+            </a:r>
+          </a:p>
+        </p:txBody>
+      </p:sp>
+      <p:sp>
+        <p:nvSpPr>
+          <p:cNvPr id="3" name="Content Placeholder 2">
+            <a:extLst>
+              <a:ext uri="{FF2B5EF4-FFF2-40B4-BE49-F238E27FC236}">
+                <a16:creationId xmlns:a16="http://schemas.microsoft.com/office/drawing/2014/main" id="{3D78CA66-6D3A-62F9-1036-E3C6053DB574}"/>
+              </a:ext>
+            </a:extLst>
+          </p:cNvPr>
+          <p:cNvSpPr>
+            <a:spLocks noGrp="1"/>
+          </p:cNvSpPr>
+          <p:nvPr>
+            <p:ph idx="1"/>
+          </p:nvPr>
+        </p:nvSpPr>
+        <p:spPr/>
+        <p:txBody>
+          <a:bodyPr/>
+          <a:lstStyle/>
+          <a:p>
+            <a:r>
+              <a:rPr lang="en-US" dirty="0"/>
+              <a:t>User Stories</a:t>
+            </a:r>
+          </a:p>
+          <a:p>
+            <a:pPr lvl="1"/>
+            <a:r>
+              <a:rPr lang="en-US" dirty="0"/>
+              <a:t>Project Kickoff</a:t>
+            </a:r>
+          </a:p>
+          <a:p>
+            <a:pPr lvl="1"/>
+            <a:r>
+              <a:rPr lang="en-US" dirty="0"/>
+              <a:t>Product Database</a:t>
+            </a:r>
+          </a:p>
+          <a:p>
+            <a:pPr lvl="1"/>
+            <a:r>
+              <a:rPr lang="en-US" dirty="0"/>
+              <a:t>Initialize Order</a:t>
+            </a:r>
+          </a:p>
+          <a:p>
+            <a:pPr lvl="1"/>
+            <a:r>
+              <a:rPr lang="en-US" dirty="0"/>
+              <a:t>Reserve Inventory</a:t>
+            </a:r>
+          </a:p>
+          <a:p>
+            <a:pPr lvl="1"/>
+            <a:r>
+              <a:rPr lang="en-US" dirty="0"/>
+              <a:t>Inventory Update</a:t>
+            </a:r>
+          </a:p>
+          <a:p>
+            <a:pPr lvl="2"/>
+            <a:r>
+              <a:rPr lang="en-US" dirty="0"/>
+              <a:t>Inventory Updated Notice</a:t>
+            </a:r>
+          </a:p>
+          <a:p>
+            <a:pPr lvl="2"/>
+            <a:endParaRPr lang="en-US" dirty="0"/>
+          </a:p>
+          <a:p>
+            <a:pPr lvl="1"/>
+            <a:endParaRPr lang="en-US" dirty="0"/>
+          </a:p>
+        </p:txBody>
+      </p:sp>
+      <p:sp>
+        <p:nvSpPr>
+          <p:cNvPr id="5" name="TextBox 4">
+            <a:extLst>
+              <a:ext uri="{FF2B5EF4-FFF2-40B4-BE49-F238E27FC236}">
+                <a16:creationId xmlns:a16="http://schemas.microsoft.com/office/drawing/2014/main" id="{A4DD6900-D3ED-5F85-D4A7-1A7B93E841A5}"/>
+              </a:ext>
+            </a:extLst>
+          </p:cNvPr>
+          <p:cNvSpPr txBox="1"/>
+          <p:nvPr/>
+        </p:nvSpPr>
+        <p:spPr>
+          <a:xfrm>
+            <a:off x="5638800" y="1825625"/>
+            <a:ext cx="6309360" cy="1569660"/>
+          </a:xfrm>
+          <a:prstGeom prst="rect">
+            <a:avLst/>
+          </a:prstGeom>
+          <a:noFill/>
+        </p:spPr>
+        <p:txBody>
+          <a:bodyPr wrap="square">
+            <a:spAutoFit/>
+          </a:bodyPr>
+          <a:lstStyle/>
+          <a:p>
+            <a:pPr algn="ctr"/>
+            <a:r>
+              <a:rPr lang="en-US" sz="3200" dirty="0"/>
+              <a:t>When there is an update to the inventory of a product, notify other systems of the updated inventory.</a:t>
+            </a:r>
+          </a:p>
+        </p:txBody>
+      </p:sp>
+    </p:spTree>
+    <p:extLst>
+      <p:ext uri="{BB962C8B-B14F-4D97-AF65-F5344CB8AC3E}">
+        <p14:creationId xmlns:p14="http://schemas.microsoft.com/office/powerpoint/2010/main" val="1137304006"/>
+      </p:ext>
+    </p:extLst>
+  </p:cSld>
+  <p:clrMapOvr>
+    <a:masterClrMapping/>
+  </p:clrMapOvr>
+  <p:timing>
+    <p:tnLst>
+      <p:par>
+        <p:cTn id="1" dur="indefinite" restart="never" nodeType="tmRoot">
+          <p:childTnLst>
+            <p:seq concurrent="1" nextAc="seek">
+              <p:cTn id="2" dur="indefinite" nodeType="mainSeq">
+                <p:childTnLst>
+                  <p:par>
+                    <p:cTn id="3" fill="hold">
+                      <p:stCondLst>
+                        <p:cond delay="indefinite"/>
+                        <p:cond evt="onBegin" delay="0">
+                          <p:tn val="2"/>
+                        </p:cond>
+                      </p:stCondLst>
+                      <p:childTnLst>
+                        <p:par>
+                          <p:cTn id="4" fill="hold">
+                            <p:stCondLst>
+                              <p:cond delay="0"/>
+                            </p:stCondLst>
+                            <p:childTnLst>
+                              <p:par>
+                                <p:cTn id="5" presetID="22" presetClass="entr" presetSubtype="8" fill="hold" nodeType="afterEffect">
+                                  <p:stCondLst>
+                                    <p:cond delay="0"/>
+                                  </p:stCondLst>
+                                  <p:childTnLst>
+                                    <p:set>
+                                      <p:cBhvr>
+                                        <p:cTn id="6" dur="1" fill="hold">
+                                          <p:stCondLst>
+                                            <p:cond delay="0"/>
+                                          </p:stCondLst>
+                                        </p:cTn>
+                                        <p:tgtEl>
+                                          <p:spTgt spid="3">
+                                            <p:txEl>
+                                              <p:pRg st="5" end="5"/>
+                                            </p:txEl>
+                                          </p:spTgt>
+                                        </p:tgtEl>
+                                        <p:attrNameLst>
+                                          <p:attrName>style.visibility</p:attrName>
+                                        </p:attrNameLst>
+                                      </p:cBhvr>
+                                      <p:to>
+                                        <p:strVal val="visible"/>
+                                      </p:to>
+                                    </p:set>
+                                    <p:animEffect transition="in" filter="wipe(left)">
+                                      <p:cBhvr>
+                                        <p:cTn id="7" dur="500"/>
+                                        <p:tgtEl>
+                                          <p:spTgt spid="3">
+                                            <p:txEl>
+                                              <p:pRg st="5" end="5"/>
+                                            </p:txEl>
+                                          </p:spTgt>
+                                        </p:tgtEl>
+                                      </p:cBhvr>
+                                    </p:animEffect>
+                                  </p:childTnLst>
+                                </p:cTn>
+                              </p:par>
+                            </p:childTnLst>
+                          </p:cTn>
+                        </p:par>
+                        <p:par>
+                          <p:cTn id="8" fill="hold">
+                            <p:stCondLst>
+                              <p:cond delay="500"/>
+                            </p:stCondLst>
+                            <p:childTnLst>
+                              <p:par>
+                                <p:cTn id="9" presetID="22" presetClass="entr" presetSubtype="8" fill="hold" nodeType="afterEffect">
+                                  <p:stCondLst>
+                                    <p:cond delay="0"/>
+                                  </p:stCondLst>
+                                  <p:childTnLst>
+                                    <p:set>
+                                      <p:cBhvr>
+                                        <p:cTn id="10" dur="1" fill="hold">
+                                          <p:stCondLst>
+                                            <p:cond delay="0"/>
+                                          </p:stCondLst>
+                                        </p:cTn>
+                                        <p:tgtEl>
+                                          <p:spTgt spid="3">
+                                            <p:txEl>
+                                              <p:pRg st="6" end="6"/>
+                                            </p:txEl>
+                                          </p:spTgt>
+                                        </p:tgtEl>
+                                        <p:attrNameLst>
+                                          <p:attrName>style.visibility</p:attrName>
+                                        </p:attrNameLst>
+                                      </p:cBhvr>
+                                      <p:to>
+                                        <p:strVal val="visible"/>
+                                      </p:to>
+                                    </p:set>
+                                    <p:animEffect transition="in" filter="wipe(left)">
+                                      <p:cBhvr>
+                                        <p:cTn id="11" dur="500"/>
+                                        <p:tgtEl>
+                                          <p:spTgt spid="3">
+                                            <p:txEl>
+                                              <p:pRg st="6" end="6"/>
+                                            </p:txEl>
+                                          </p:spTgt>
+                                        </p:tgtEl>
+                                      </p:cBhvr>
+                                    </p:animEffect>
+                                  </p:childTnLst>
+                                </p:cTn>
+                              </p:par>
+                            </p:childTnLst>
+                          </p:cTn>
+                        </p:par>
+                        <p:par>
+                          <p:cTn id="12" fill="hold">
+                            <p:stCondLst>
+                              <p:cond delay="1000"/>
+                            </p:stCondLst>
+                            <p:childTnLst>
+                              <p:par>
+                                <p:cTn id="13" presetID="10" presetClass="entr" presetSubtype="0" fill="hold" grpId="0" nodeType="afterEffect">
+                                  <p:stCondLst>
+                                    <p:cond delay="0"/>
+                                  </p:stCondLst>
+                                  <p:childTnLst>
+                                    <p:set>
+                                      <p:cBhvr>
+                                        <p:cTn id="14" dur="1" fill="hold">
+                                          <p:stCondLst>
+                                            <p:cond delay="0"/>
+                                          </p:stCondLst>
+                                        </p:cTn>
+                                        <p:tgtEl>
+                                          <p:spTgt spid="5"/>
+                                        </p:tgtEl>
+                                        <p:attrNameLst>
+                                          <p:attrName>style.visibility</p:attrName>
+                                        </p:attrNameLst>
+                                      </p:cBhvr>
+                                      <p:to>
+                                        <p:strVal val="visible"/>
+                                      </p:to>
+                                    </p:set>
+                                    <p:animEffect transition="in" filter="fade">
+                                      <p:cBhvr>
+                                        <p:cTn id="15" dur="500"/>
+                                        <p:tgtEl>
+                                          <p:spTgt spid="5"/>
+                                        </p:tgtEl>
+                                      </p:cBhvr>
+                                    </p:animEffect>
+                                  </p:childTnLst>
+                                </p:cTn>
+                              </p:par>
+                            </p:childTnLst>
+                          </p:cTn>
+                        </p:par>
+                      </p:childTnLst>
+                    </p:cTn>
+                  </p:par>
+                </p:childTnLst>
+              </p:cTn>
+              <p:prevCondLst>
+                <p:cond evt="onPrev" delay="0">
+                  <p:tgtEl>
+                    <p:sldTgt/>
+                  </p:tgtEl>
+                </p:cond>
+              </p:prevCondLst>
+              <p:nextCondLst>
+                <p:cond evt="onNext" delay="0">
+                  <p:tgtEl>
+                    <p:sldTgt/>
+                  </p:tgtEl>
+                </p:cond>
+              </p:nextCondLst>
+            </p:seq>
+          </p:childTnLst>
+        </p:cTn>
+      </p:par>
+    </p:tnLst>
+    <p:bldLst>
+      <p:bldP spid="5" grpId="0"/>
+    </p:bldLst>
+  </p:timing>
+</p:sld>
+</file>
+
+<file path=ppt/slides/slide64.xml><?xml version="1.0" encoding="utf-8"?>
+<p:sld xmlns:a="http://schemas.openxmlformats.org/drawingml/2006/main" xmlns:r="http://schemas.openxmlformats.org/officeDocument/2006/relationships" xmlns:p="http://schemas.openxmlformats.org/presentationml/2006/main">
+  <p:cSld>
+    <p:spTree>
+      <p:nvGrpSpPr>
+        <p:cNvPr id="1" name=""/>
+        <p:cNvGrpSpPr/>
+        <p:nvPr/>
+      </p:nvGrpSpPr>
+      <p:grpSpPr>
+        <a:xfrm>
+          <a:off x="0" y="0"/>
+          <a:ext cx="0" cy="0"/>
+          <a:chOff x="0" y="0"/>
+          <a:chExt cx="0" cy="0"/>
+        </a:xfrm>
+      </p:grpSpPr>
+      <p:sp>
+        <p:nvSpPr>
+          <p:cNvPr id="2" name="Title 1">
+            <a:extLst>
+              <a:ext uri="{FF2B5EF4-FFF2-40B4-BE49-F238E27FC236}">
+                <a16:creationId xmlns:a16="http://schemas.microsoft.com/office/drawing/2014/main" id="{E7C088E1-A3AC-701A-BF69-31487876394F}"/>
+              </a:ext>
+            </a:extLst>
+          </p:cNvPr>
+          <p:cNvSpPr>
+            <a:spLocks noGrp="1"/>
+          </p:cNvSpPr>
+          <p:nvPr>
+            <p:ph type="title"/>
+          </p:nvPr>
+        </p:nvSpPr>
+        <p:spPr/>
+        <p:txBody>
+          <a:bodyPr/>
+          <a:lstStyle/>
+          <a:p>
+            <a:r>
+              <a:rPr lang="en-US" dirty="0"/>
+              <a:t>User Stories</a:t>
+            </a:r>
+          </a:p>
+        </p:txBody>
+      </p:sp>
+      <p:sp>
+        <p:nvSpPr>
+          <p:cNvPr id="3" name="Content Placeholder 2">
+            <a:extLst>
+              <a:ext uri="{FF2B5EF4-FFF2-40B4-BE49-F238E27FC236}">
+                <a16:creationId xmlns:a16="http://schemas.microsoft.com/office/drawing/2014/main" id="{3D78CA66-6D3A-62F9-1036-E3C6053DB574}"/>
+              </a:ext>
+            </a:extLst>
+          </p:cNvPr>
+          <p:cNvSpPr>
+            <a:spLocks noGrp="1"/>
+          </p:cNvSpPr>
+          <p:nvPr>
+            <p:ph idx="1"/>
+          </p:nvPr>
+        </p:nvSpPr>
+        <p:spPr/>
+        <p:txBody>
+          <a:bodyPr/>
+          <a:lstStyle/>
+          <a:p>
+            <a:r>
+              <a:rPr lang="en-US" dirty="0"/>
+              <a:t>User Stories</a:t>
+            </a:r>
+          </a:p>
+          <a:p>
+            <a:pPr lvl="1"/>
+            <a:r>
+              <a:rPr lang="en-US" dirty="0"/>
+              <a:t>Project Kickoff</a:t>
+            </a:r>
+          </a:p>
+          <a:p>
+            <a:pPr lvl="1"/>
+            <a:r>
+              <a:rPr lang="en-US" dirty="0"/>
+              <a:t>Product Database</a:t>
+            </a:r>
+          </a:p>
+          <a:p>
+            <a:pPr lvl="1"/>
+            <a:r>
+              <a:rPr lang="en-US" dirty="0"/>
+              <a:t>Initialize Order</a:t>
+            </a:r>
+          </a:p>
+          <a:p>
+            <a:pPr lvl="1"/>
+            <a:r>
+              <a:rPr lang="en-US" dirty="0"/>
+              <a:t>Reserve Inventory</a:t>
+            </a:r>
+          </a:p>
+          <a:p>
+            <a:pPr lvl="1"/>
+            <a:r>
+              <a:rPr lang="en-US" dirty="0"/>
+              <a:t>Inventory Update</a:t>
+            </a:r>
+          </a:p>
+          <a:p>
+            <a:pPr lvl="2"/>
+            <a:r>
+              <a:rPr lang="en-US" dirty="0"/>
+              <a:t>Inventory Updated Notice</a:t>
+            </a:r>
+          </a:p>
+          <a:p>
+            <a:pPr lvl="2"/>
+            <a:r>
+              <a:rPr lang="en-US" dirty="0"/>
+              <a:t>Product Availability Update</a:t>
+            </a:r>
+          </a:p>
+          <a:p>
+            <a:pPr lvl="2"/>
+            <a:endParaRPr lang="en-US" dirty="0"/>
+          </a:p>
+          <a:p>
+            <a:pPr lvl="1"/>
+            <a:endParaRPr lang="en-US" dirty="0"/>
+          </a:p>
+        </p:txBody>
+      </p:sp>
+      <p:sp>
+        <p:nvSpPr>
+          <p:cNvPr id="5" name="TextBox 4">
+            <a:extLst>
+              <a:ext uri="{FF2B5EF4-FFF2-40B4-BE49-F238E27FC236}">
+                <a16:creationId xmlns:a16="http://schemas.microsoft.com/office/drawing/2014/main" id="{A4DD6900-D3ED-5F85-D4A7-1A7B93E841A5}"/>
+              </a:ext>
+            </a:extLst>
+          </p:cNvPr>
+          <p:cNvSpPr txBox="1"/>
+          <p:nvPr/>
+        </p:nvSpPr>
+        <p:spPr>
+          <a:xfrm>
+            <a:off x="5638800" y="1825625"/>
+            <a:ext cx="6309360" cy="1569660"/>
+          </a:xfrm>
+          <a:prstGeom prst="rect">
+            <a:avLst/>
+          </a:prstGeom>
+          <a:noFill/>
+        </p:spPr>
+        <p:txBody>
+          <a:bodyPr wrap="square">
+            <a:spAutoFit/>
+          </a:bodyPr>
+          <a:lstStyle/>
+          <a:p>
+            <a:pPr algn="ctr"/>
+            <a:r>
+              <a:rPr lang="en-US" sz="3200" dirty="0"/>
+              <a:t>When the inventory is updated, the affected product availability will be updated.</a:t>
+            </a:r>
+          </a:p>
+        </p:txBody>
+      </p:sp>
+    </p:spTree>
+    <p:extLst>
+      <p:ext uri="{BB962C8B-B14F-4D97-AF65-F5344CB8AC3E}">
+        <p14:creationId xmlns:p14="http://schemas.microsoft.com/office/powerpoint/2010/main" val="507397727"/>
+      </p:ext>
+    </p:extLst>
+  </p:cSld>
+  <p:clrMapOvr>
+    <a:masterClrMapping/>
+  </p:clrMapOvr>
+  <p:timing>
+    <p:tnLst>
+      <p:par>
+        <p:cTn id="1" dur="indefinite" restart="never" nodeType="tmRoot">
+          <p:childTnLst>
+            <p:seq concurrent="1" nextAc="seek">
+              <p:cTn id="2" dur="indefinite" nodeType="mainSeq">
+                <p:childTnLst>
+                  <p:par>
+                    <p:cTn id="3" fill="hold">
+                      <p:stCondLst>
+                        <p:cond delay="indefinite"/>
+                        <p:cond evt="onBegin" delay="0">
+                          <p:tn val="2"/>
+                        </p:cond>
+                      </p:stCondLst>
+                      <p:childTnLst>
+                        <p:par>
+                          <p:cTn id="4" fill="hold">
+                            <p:stCondLst>
+                              <p:cond delay="0"/>
+                            </p:stCondLst>
+                            <p:childTnLst>
+                              <p:par>
+                                <p:cTn id="5" presetID="22" presetClass="entr" presetSubtype="8" fill="hold" nodeType="afterEffect">
+                                  <p:stCondLst>
+                                    <p:cond delay="0"/>
+                                  </p:stCondLst>
+                                  <p:childTnLst>
+                                    <p:set>
+                                      <p:cBhvr>
+                                        <p:cTn id="6" dur="1" fill="hold">
+                                          <p:stCondLst>
+                                            <p:cond delay="0"/>
+                                          </p:stCondLst>
+                                        </p:cTn>
+                                        <p:tgtEl>
+                                          <p:spTgt spid="3">
+                                            <p:txEl>
+                                              <p:pRg st="7" end="7"/>
+                                            </p:txEl>
+                                          </p:spTgt>
+                                        </p:tgtEl>
+                                        <p:attrNameLst>
+                                          <p:attrName>style.visibility</p:attrName>
+                                        </p:attrNameLst>
+                                      </p:cBhvr>
+                                      <p:to>
+                                        <p:strVal val="visible"/>
+                                      </p:to>
+                                    </p:set>
+                                    <p:animEffect transition="in" filter="wipe(left)">
+                                      <p:cBhvr>
+                                        <p:cTn id="7" dur="500"/>
+                                        <p:tgtEl>
+                                          <p:spTgt spid="3">
+                                            <p:txEl>
+                                              <p:pRg st="7" end="7"/>
+                                            </p:txEl>
+                                          </p:spTgt>
+                                        </p:tgtEl>
+                                      </p:cBhvr>
+                                    </p:animEffect>
+                                  </p:childTnLst>
+                                </p:cTn>
+                              </p:par>
+                            </p:childTnLst>
+                          </p:cTn>
+                        </p:par>
+                        <p:par>
+                          <p:cTn id="8" fill="hold">
+                            <p:stCondLst>
+                              <p:cond delay="500"/>
+                            </p:stCondLst>
+                            <p:childTnLst>
+                              <p:par>
+                                <p:cTn id="9" presetID="10" presetClass="entr" presetSubtype="0" fill="hold" grpId="0" nodeType="afterEffect">
+                                  <p:stCondLst>
+                                    <p:cond delay="0"/>
+                                  </p:stCondLst>
+                                  <p:childTnLst>
+                                    <p:set>
+                                      <p:cBhvr>
+                                        <p:cTn id="10" dur="1" fill="hold">
+                                          <p:stCondLst>
+                                            <p:cond delay="0"/>
+                                          </p:stCondLst>
+                                        </p:cTn>
+                                        <p:tgtEl>
+                                          <p:spTgt spid="5"/>
+                                        </p:tgtEl>
+                                        <p:attrNameLst>
+                                          <p:attrName>style.visibility</p:attrName>
+                                        </p:attrNameLst>
+                                      </p:cBhvr>
+                                      <p:to>
+                                        <p:strVal val="visible"/>
+                                      </p:to>
+                                    </p:set>
+                                    <p:animEffect transition="in" filter="fade">
+                                      <p:cBhvr>
+                                        <p:cTn id="11" dur="500"/>
+                                        <p:tgtEl>
+                                          <p:spTgt spid="5"/>
+                                        </p:tgtEl>
+                                      </p:cBhvr>
+                                    </p:animEffect>
+                                  </p:childTnLst>
+                                </p:cTn>
+                              </p:par>
+                            </p:childTnLst>
+                          </p:cTn>
+                        </p:par>
+                      </p:childTnLst>
+                    </p:cTn>
+                  </p:par>
+                </p:childTnLst>
+              </p:cTn>
+              <p:prevCondLst>
+                <p:cond evt="onPrev" delay="0">
+                  <p:tgtEl>
+                    <p:sldTgt/>
+                  </p:tgtEl>
+                </p:cond>
+              </p:prevCondLst>
+              <p:nextCondLst>
+                <p:cond evt="onNext" delay="0">
+                  <p:tgtEl>
+                    <p:sldTgt/>
+                  </p:tgtEl>
+                </p:cond>
+              </p:nextCondLst>
+            </p:seq>
+          </p:childTnLst>
+        </p:cTn>
+      </p:par>
+    </p:tnLst>
+    <p:bldLst>
+      <p:bldP spid="5" grpId="0"/>
+    </p:bldLst>
+  </p:timing>
+</p:sld>
+</file>
+
+<file path=ppt/slides/slide65.xml><?xml version="1.0" encoding="utf-8"?>
+<p:sld xmlns:a="http://schemas.openxmlformats.org/drawingml/2006/main" xmlns:r="http://schemas.openxmlformats.org/officeDocument/2006/relationships" xmlns:p="http://schemas.openxmlformats.org/presentationml/2006/main">
+  <p:cSld>
+    <p:spTree>
+      <p:nvGrpSpPr>
+        <p:cNvPr id="1" name=""/>
+        <p:cNvGrpSpPr/>
+        <p:nvPr/>
+      </p:nvGrpSpPr>
+      <p:grpSpPr>
+        <a:xfrm>
+          <a:off x="0" y="0"/>
+          <a:ext cx="0" cy="0"/>
+          <a:chOff x="0" y="0"/>
+          <a:chExt cx="0" cy="0"/>
+        </a:xfrm>
+      </p:grpSpPr>
+      <p:sp>
+        <p:nvSpPr>
+          <p:cNvPr id="2" name="Title 1">
+            <a:extLst>
+              <a:ext uri="{FF2B5EF4-FFF2-40B4-BE49-F238E27FC236}">
+                <a16:creationId xmlns:a16="http://schemas.microsoft.com/office/drawing/2014/main" id="{E7C088E1-A3AC-701A-BF69-31487876394F}"/>
+              </a:ext>
+            </a:extLst>
+          </p:cNvPr>
+          <p:cNvSpPr>
+            <a:spLocks noGrp="1"/>
+          </p:cNvSpPr>
+          <p:nvPr>
+            <p:ph type="title"/>
+          </p:nvPr>
+        </p:nvSpPr>
+        <p:spPr/>
+        <p:txBody>
+          <a:bodyPr/>
+          <a:lstStyle/>
+          <a:p>
+            <a:r>
+              <a:rPr lang="en-US" dirty="0"/>
+              <a:t>User Stories</a:t>
+            </a:r>
+          </a:p>
+        </p:txBody>
+      </p:sp>
+      <p:sp>
+        <p:nvSpPr>
+          <p:cNvPr id="3" name="Content Placeholder 2">
+            <a:extLst>
+              <a:ext uri="{FF2B5EF4-FFF2-40B4-BE49-F238E27FC236}">
+                <a16:creationId xmlns:a16="http://schemas.microsoft.com/office/drawing/2014/main" id="{3D78CA66-6D3A-62F9-1036-E3C6053DB574}"/>
+              </a:ext>
+            </a:extLst>
+          </p:cNvPr>
+          <p:cNvSpPr>
+            <a:spLocks noGrp="1"/>
+          </p:cNvSpPr>
+          <p:nvPr>
+            <p:ph idx="1"/>
+          </p:nvPr>
+        </p:nvSpPr>
+        <p:spPr/>
+        <p:txBody>
+          <a:bodyPr/>
+          <a:lstStyle/>
+          <a:p>
+            <a:r>
+              <a:rPr lang="en-US" dirty="0"/>
+              <a:t>User Stories</a:t>
+            </a:r>
+          </a:p>
+          <a:p>
+            <a:pPr lvl="1"/>
+            <a:r>
+              <a:rPr lang="en-US" dirty="0"/>
+              <a:t>Project Kickoff</a:t>
+            </a:r>
+          </a:p>
+          <a:p>
+            <a:pPr lvl="1"/>
+            <a:r>
+              <a:rPr lang="en-US" dirty="0"/>
+              <a:t>Product Database</a:t>
+            </a:r>
+          </a:p>
+          <a:p>
+            <a:pPr lvl="1"/>
+            <a:r>
+              <a:rPr lang="en-US" dirty="0"/>
+              <a:t>Initialize Order</a:t>
+            </a:r>
+          </a:p>
+          <a:p>
+            <a:pPr lvl="1"/>
+            <a:r>
+              <a:rPr lang="en-US" dirty="0"/>
+              <a:t>Reserve Inventory</a:t>
+            </a:r>
+          </a:p>
+          <a:p>
+            <a:pPr lvl="1"/>
+            <a:r>
+              <a:rPr lang="en-US" dirty="0"/>
+              <a:t>Inventory Update</a:t>
+            </a:r>
+          </a:p>
+          <a:p>
+            <a:pPr lvl="1"/>
+            <a:r>
+              <a:rPr lang="en-US" dirty="0"/>
+              <a:t>Fulfillment</a:t>
+            </a:r>
+          </a:p>
+          <a:p>
+            <a:pPr lvl="2"/>
+            <a:r>
+              <a:rPr lang="en-US" dirty="0"/>
+              <a:t>Start Picking Order</a:t>
+            </a:r>
+          </a:p>
+          <a:p>
+            <a:pPr lvl="2"/>
+            <a:endParaRPr lang="en-US" dirty="0"/>
+          </a:p>
+          <a:p>
+            <a:pPr lvl="1"/>
+            <a:endParaRPr lang="en-US" dirty="0"/>
+          </a:p>
+        </p:txBody>
+      </p:sp>
+      <p:sp>
+        <p:nvSpPr>
+          <p:cNvPr id="5" name="TextBox 4">
+            <a:extLst>
+              <a:ext uri="{FF2B5EF4-FFF2-40B4-BE49-F238E27FC236}">
+                <a16:creationId xmlns:a16="http://schemas.microsoft.com/office/drawing/2014/main" id="{A4DD6900-D3ED-5F85-D4A7-1A7B93E841A5}"/>
+              </a:ext>
+            </a:extLst>
+          </p:cNvPr>
+          <p:cNvSpPr txBox="1"/>
+          <p:nvPr/>
+        </p:nvSpPr>
+        <p:spPr>
+          <a:xfrm>
+            <a:off x="5638800" y="1825625"/>
+            <a:ext cx="6309360" cy="1569660"/>
+          </a:xfrm>
+          <a:prstGeom prst="rect">
+            <a:avLst/>
+          </a:prstGeom>
+          <a:noFill/>
+        </p:spPr>
+        <p:txBody>
+          <a:bodyPr wrap="square">
+            <a:spAutoFit/>
+          </a:bodyPr>
+          <a:lstStyle/>
+          <a:p>
+            <a:pPr algn="ctr"/>
+            <a:r>
+              <a:rPr lang="en-US" sz="3200" dirty="0"/>
+              <a:t>Once the inventory is reserved for an order, the order is picked for shipment.</a:t>
+            </a:r>
+          </a:p>
+        </p:txBody>
+      </p:sp>
+    </p:spTree>
+    <p:extLst>
+      <p:ext uri="{BB962C8B-B14F-4D97-AF65-F5344CB8AC3E}">
+        <p14:creationId xmlns:p14="http://schemas.microsoft.com/office/powerpoint/2010/main" val="115384261"/>
+      </p:ext>
+    </p:extLst>
+  </p:cSld>
+  <p:clrMapOvr>
+    <a:masterClrMapping/>
+  </p:clrMapOvr>
+  <p:timing>
+    <p:tnLst>
+      <p:par>
+        <p:cTn id="1" dur="indefinite" restart="never" nodeType="tmRoot">
+          <p:childTnLst>
+            <p:seq concurrent="1" nextAc="seek">
+              <p:cTn id="2" dur="indefinite" nodeType="mainSeq">
+                <p:childTnLst>
+                  <p:par>
+                    <p:cTn id="3" fill="hold">
+                      <p:stCondLst>
+                        <p:cond delay="indefinite"/>
+                        <p:cond evt="onBegin" delay="0">
+                          <p:tn val="2"/>
+                        </p:cond>
+                      </p:stCondLst>
+                      <p:childTnLst>
+                        <p:par>
+                          <p:cTn id="4" fill="hold">
+                            <p:stCondLst>
+                              <p:cond delay="0"/>
+                            </p:stCondLst>
+                            <p:childTnLst>
+                              <p:par>
+                                <p:cTn id="5" presetID="22" presetClass="entr" presetSubtype="8" fill="hold" nodeType="afterEffect">
+                                  <p:stCondLst>
+                                    <p:cond delay="0"/>
+                                  </p:stCondLst>
+                                  <p:childTnLst>
+                                    <p:set>
+                                      <p:cBhvr>
+                                        <p:cTn id="6" dur="1" fill="hold">
+                                          <p:stCondLst>
+                                            <p:cond delay="0"/>
+                                          </p:stCondLst>
+                                        </p:cTn>
+                                        <p:tgtEl>
+                                          <p:spTgt spid="3">
+                                            <p:txEl>
+                                              <p:pRg st="6" end="6"/>
+                                            </p:txEl>
+                                          </p:spTgt>
+                                        </p:tgtEl>
+                                        <p:attrNameLst>
+                                          <p:attrName>style.visibility</p:attrName>
+                                        </p:attrNameLst>
+                                      </p:cBhvr>
+                                      <p:to>
+                                        <p:strVal val="visible"/>
+                                      </p:to>
+                                    </p:set>
+                                    <p:animEffect transition="in" filter="wipe(left)">
+                                      <p:cBhvr>
+                                        <p:cTn id="7" dur="500"/>
+                                        <p:tgtEl>
+                                          <p:spTgt spid="3">
+                                            <p:txEl>
+                                              <p:pRg st="6" end="6"/>
+                                            </p:txEl>
+                                          </p:spTgt>
+                                        </p:tgtEl>
+                                      </p:cBhvr>
+                                    </p:animEffect>
+                                  </p:childTnLst>
+                                </p:cTn>
+                              </p:par>
+                            </p:childTnLst>
+                          </p:cTn>
+                        </p:par>
+                      </p:childTnLst>
+                    </p:cTn>
+                  </p:par>
+                  <p:par>
+                    <p:cTn id="8" fill="hold">
+                      <p:stCondLst>
+                        <p:cond delay="indefinite"/>
+                      </p:stCondLst>
+                      <p:childTnLst>
+                        <p:par>
+                          <p:cTn id="9" fill="hold">
+                            <p:stCondLst>
+                              <p:cond delay="0"/>
+                            </p:stCondLst>
+                            <p:childTnLst>
+                              <p:par>
+                                <p:cTn id="10" presetID="22" presetClass="entr" presetSubtype="8" fill="hold" nodeType="clickEffect">
+                                  <p:stCondLst>
+                                    <p:cond delay="0"/>
+                                  </p:stCondLst>
+                                  <p:childTnLst>
+                                    <p:set>
+                                      <p:cBhvr>
+                                        <p:cTn id="11" dur="1" fill="hold">
+                                          <p:stCondLst>
+                                            <p:cond delay="0"/>
+                                          </p:stCondLst>
+                                        </p:cTn>
+                                        <p:tgtEl>
+                                          <p:spTgt spid="3">
+                                            <p:txEl>
+                                              <p:pRg st="7" end="7"/>
+                                            </p:txEl>
+                                          </p:spTgt>
+                                        </p:tgtEl>
+                                        <p:attrNameLst>
+                                          <p:attrName>style.visibility</p:attrName>
+                                        </p:attrNameLst>
+                                      </p:cBhvr>
+                                      <p:to>
+                                        <p:strVal val="visible"/>
+                                      </p:to>
+                                    </p:set>
+                                    <p:animEffect transition="in" filter="wipe(left)">
+                                      <p:cBhvr>
+                                        <p:cTn id="12" dur="500"/>
+                                        <p:tgtEl>
+                                          <p:spTgt spid="3">
+                                            <p:txEl>
+                                              <p:pRg st="7" end="7"/>
+                                            </p:txEl>
+                                          </p:spTgt>
+                                        </p:tgtEl>
+                                      </p:cBhvr>
+                                    </p:animEffect>
+                                  </p:childTnLst>
+                                </p:cTn>
+                              </p:par>
+                            </p:childTnLst>
+                          </p:cTn>
+                        </p:par>
+                        <p:par>
+                          <p:cTn id="13" fill="hold">
+                            <p:stCondLst>
+                              <p:cond delay="500"/>
+                            </p:stCondLst>
+                            <p:childTnLst>
+                              <p:par>
+                                <p:cTn id="14" presetID="10" presetClass="entr" presetSubtype="0" fill="hold" grpId="0" nodeType="afterEffect">
+                                  <p:stCondLst>
+                                    <p:cond delay="0"/>
+                                  </p:stCondLst>
+                                  <p:childTnLst>
+                                    <p:set>
+                                      <p:cBhvr>
+                                        <p:cTn id="15" dur="1" fill="hold">
+                                          <p:stCondLst>
+                                            <p:cond delay="0"/>
+                                          </p:stCondLst>
+                                        </p:cTn>
+                                        <p:tgtEl>
+                                          <p:spTgt spid="5"/>
+                                        </p:tgtEl>
+                                        <p:attrNameLst>
+                                          <p:attrName>style.visibility</p:attrName>
+                                        </p:attrNameLst>
+                                      </p:cBhvr>
+                                      <p:to>
+                                        <p:strVal val="visible"/>
+                                      </p:to>
+                                    </p:set>
+                                    <p:animEffect transition="in" filter="fade">
+                                      <p:cBhvr>
+                                        <p:cTn id="16" dur="500"/>
+                                        <p:tgtEl>
+                                          <p:spTgt spid="5"/>
+                                        </p:tgtEl>
+                                      </p:cBhvr>
+                                    </p:animEffect>
+                                  </p:childTnLst>
+                                </p:cTn>
+                              </p:par>
+                            </p:childTnLst>
+                          </p:cTn>
+                        </p:par>
+                      </p:childTnLst>
+                    </p:cTn>
+                  </p:par>
+                </p:childTnLst>
+              </p:cTn>
+              <p:prevCondLst>
+                <p:cond evt="onPrev" delay="0">
+                  <p:tgtEl>
+                    <p:sldTgt/>
+                  </p:tgtEl>
+                </p:cond>
+              </p:prevCondLst>
+              <p:nextCondLst>
+                <p:cond evt="onNext" delay="0">
+                  <p:tgtEl>
+                    <p:sldTgt/>
+                  </p:tgtEl>
+                </p:cond>
+              </p:nextCondLst>
+            </p:seq>
+          </p:childTnLst>
+        </p:cTn>
+      </p:par>
+    </p:tnLst>
+    <p:bldLst>
+      <p:bldP spid="5" grpId="0"/>
+    </p:bldLst>
+  </p:timing>
+</p:sld>
+</file>
+
+<file path=ppt/slides/slide66.xml><?xml version="1.0" encoding="utf-8"?>
+<p:sld xmlns:a="http://schemas.openxmlformats.org/drawingml/2006/main" xmlns:r="http://schemas.openxmlformats.org/officeDocument/2006/relationships" xmlns:p="http://schemas.openxmlformats.org/presentationml/2006/main">
+  <p:cSld>
+    <p:spTree>
+      <p:nvGrpSpPr>
+        <p:cNvPr id="1" name=""/>
+        <p:cNvGrpSpPr/>
+        <p:nvPr/>
+      </p:nvGrpSpPr>
+      <p:grpSpPr>
+        <a:xfrm>
+          <a:off x="0" y="0"/>
+          <a:ext cx="0" cy="0"/>
+          <a:chOff x="0" y="0"/>
+          <a:chExt cx="0" cy="0"/>
+        </a:xfrm>
+      </p:grpSpPr>
+      <p:sp>
+        <p:nvSpPr>
+          <p:cNvPr id="2" name="Title 1">
+            <a:extLst>
+              <a:ext uri="{FF2B5EF4-FFF2-40B4-BE49-F238E27FC236}">
+                <a16:creationId xmlns:a16="http://schemas.microsoft.com/office/drawing/2014/main" id="{E7C088E1-A3AC-701A-BF69-31487876394F}"/>
+              </a:ext>
+            </a:extLst>
+          </p:cNvPr>
+          <p:cNvSpPr>
+            <a:spLocks noGrp="1"/>
+          </p:cNvSpPr>
+          <p:nvPr>
+            <p:ph type="title"/>
+          </p:nvPr>
+        </p:nvSpPr>
+        <p:spPr/>
+        <p:txBody>
+          <a:bodyPr/>
+          <a:lstStyle/>
+          <a:p>
+            <a:r>
+              <a:rPr lang="en-US" dirty="0"/>
+              <a:t>User Stories</a:t>
+            </a:r>
+          </a:p>
+        </p:txBody>
+      </p:sp>
+      <p:sp>
+        <p:nvSpPr>
+          <p:cNvPr id="3" name="Content Placeholder 2">
+            <a:extLst>
+              <a:ext uri="{FF2B5EF4-FFF2-40B4-BE49-F238E27FC236}">
+                <a16:creationId xmlns:a16="http://schemas.microsoft.com/office/drawing/2014/main" id="{3D78CA66-6D3A-62F9-1036-E3C6053DB574}"/>
+              </a:ext>
+            </a:extLst>
+          </p:cNvPr>
+          <p:cNvSpPr>
+            <a:spLocks noGrp="1"/>
+          </p:cNvSpPr>
+          <p:nvPr>
+            <p:ph idx="1"/>
+          </p:nvPr>
+        </p:nvSpPr>
+        <p:spPr/>
+        <p:txBody>
+          <a:bodyPr/>
+          <a:lstStyle/>
+          <a:p>
+            <a:r>
+              <a:rPr lang="en-US" dirty="0"/>
+              <a:t>User Stories</a:t>
+            </a:r>
+          </a:p>
+          <a:p>
+            <a:pPr lvl="1"/>
+            <a:r>
+              <a:rPr lang="en-US" dirty="0"/>
+              <a:t>Project Kickoff</a:t>
+            </a:r>
+          </a:p>
+          <a:p>
+            <a:pPr lvl="1"/>
+            <a:r>
+              <a:rPr lang="en-US" dirty="0"/>
+              <a:t>Product Database</a:t>
+            </a:r>
+          </a:p>
+          <a:p>
+            <a:pPr lvl="1"/>
+            <a:r>
+              <a:rPr lang="en-US" dirty="0"/>
+              <a:t>Initialize Order</a:t>
+            </a:r>
+          </a:p>
+          <a:p>
+            <a:pPr lvl="1"/>
+            <a:r>
+              <a:rPr lang="en-US" dirty="0"/>
+              <a:t>Reserve Inventory</a:t>
+            </a:r>
+          </a:p>
+          <a:p>
+            <a:pPr lvl="1"/>
+            <a:r>
+              <a:rPr lang="en-US" dirty="0"/>
+              <a:t>Inventory Update</a:t>
+            </a:r>
+          </a:p>
+          <a:p>
+            <a:pPr lvl="1"/>
+            <a:r>
+              <a:rPr lang="en-US" dirty="0"/>
+              <a:t>Fulfillment</a:t>
+            </a:r>
+          </a:p>
+          <a:p>
+            <a:pPr lvl="2"/>
+            <a:r>
+              <a:rPr lang="en-US" dirty="0"/>
+              <a:t>Start Picking Order</a:t>
+            </a:r>
+          </a:p>
+          <a:p>
+            <a:pPr lvl="2"/>
+            <a:r>
+              <a:rPr lang="en-US" dirty="0"/>
+              <a:t>Order Fulfillment</a:t>
+            </a:r>
+          </a:p>
+          <a:p>
+            <a:pPr lvl="2"/>
+            <a:endParaRPr lang="en-US" dirty="0"/>
+          </a:p>
+          <a:p>
+            <a:pPr lvl="1"/>
+            <a:endParaRPr lang="en-US" dirty="0"/>
+          </a:p>
+        </p:txBody>
+      </p:sp>
+      <p:sp>
+        <p:nvSpPr>
+          <p:cNvPr id="5" name="TextBox 4">
+            <a:extLst>
+              <a:ext uri="{FF2B5EF4-FFF2-40B4-BE49-F238E27FC236}">
+                <a16:creationId xmlns:a16="http://schemas.microsoft.com/office/drawing/2014/main" id="{A4DD6900-D3ED-5F85-D4A7-1A7B93E841A5}"/>
+              </a:ext>
+            </a:extLst>
+          </p:cNvPr>
+          <p:cNvSpPr txBox="1"/>
+          <p:nvPr/>
+        </p:nvSpPr>
+        <p:spPr>
+          <a:xfrm>
+            <a:off x="5638800" y="1825625"/>
+            <a:ext cx="6309360" cy="1569660"/>
+          </a:xfrm>
+          <a:prstGeom prst="rect">
+            <a:avLst/>
+          </a:prstGeom>
+          <a:noFill/>
+        </p:spPr>
+        <p:txBody>
+          <a:bodyPr wrap="square">
+            <a:spAutoFit/>
+          </a:bodyPr>
+          <a:lstStyle/>
+          <a:p>
+            <a:pPr algn="ctr"/>
+            <a:r>
+              <a:rPr lang="en-US" sz="3200" dirty="0"/>
+              <a:t>Once an order is shipped, notify other systems of the shipment.</a:t>
+            </a:r>
+          </a:p>
+          <a:p>
+            <a:pPr algn="ctr"/>
+            <a:endParaRPr lang="en-US" sz="3200" dirty="0"/>
+          </a:p>
+        </p:txBody>
+      </p:sp>
+    </p:spTree>
+    <p:extLst>
+      <p:ext uri="{BB962C8B-B14F-4D97-AF65-F5344CB8AC3E}">
+        <p14:creationId xmlns:p14="http://schemas.microsoft.com/office/powerpoint/2010/main" val="1027412270"/>
+      </p:ext>
+    </p:extLst>
+  </p:cSld>
+  <p:clrMapOvr>
+    <a:masterClrMapping/>
+  </p:clrMapOvr>
+  <p:timing>
+    <p:tnLst>
+      <p:par>
+        <p:cTn id="1" dur="indefinite" restart="never" nodeType="tmRoot">
+          <p:childTnLst>
+            <p:seq concurrent="1" nextAc="seek">
+              <p:cTn id="2" dur="indefinite" nodeType="mainSeq">
+                <p:childTnLst>
+                  <p:par>
+                    <p:cTn id="3" fill="hold">
+                      <p:stCondLst>
+                        <p:cond delay="indefinite"/>
+                        <p:cond evt="onBegin" delay="0">
+                          <p:tn val="2"/>
+                        </p:cond>
+                      </p:stCondLst>
+                      <p:childTnLst>
+                        <p:par>
+                          <p:cTn id="4" fill="hold">
+                            <p:stCondLst>
+                              <p:cond delay="0"/>
+                            </p:stCondLst>
+                            <p:childTnLst>
+                              <p:par>
+                                <p:cTn id="5" presetID="22" presetClass="entr" presetSubtype="8" fill="hold" nodeType="afterEffect">
+                                  <p:stCondLst>
+                                    <p:cond delay="0"/>
+                                  </p:stCondLst>
+                                  <p:childTnLst>
+                                    <p:set>
+                                      <p:cBhvr>
+                                        <p:cTn id="6" dur="1" fill="hold">
+                                          <p:stCondLst>
+                                            <p:cond delay="0"/>
+                                          </p:stCondLst>
+                                        </p:cTn>
+                                        <p:tgtEl>
+                                          <p:spTgt spid="3">
+                                            <p:txEl>
+                                              <p:pRg st="8" end="8"/>
+                                            </p:txEl>
+                                          </p:spTgt>
+                                        </p:tgtEl>
+                                        <p:attrNameLst>
+                                          <p:attrName>style.visibility</p:attrName>
+                                        </p:attrNameLst>
+                                      </p:cBhvr>
+                                      <p:to>
+                                        <p:strVal val="visible"/>
+                                      </p:to>
+                                    </p:set>
+                                    <p:animEffect transition="in" filter="wipe(left)">
+                                      <p:cBhvr>
+                                        <p:cTn id="7" dur="500"/>
+                                        <p:tgtEl>
+                                          <p:spTgt spid="3">
+                                            <p:txEl>
+                                              <p:pRg st="8" end="8"/>
+                                            </p:txEl>
+                                          </p:spTgt>
+                                        </p:tgtEl>
+                                      </p:cBhvr>
+                                    </p:animEffect>
+                                  </p:childTnLst>
+                                </p:cTn>
+                              </p:par>
+                            </p:childTnLst>
+                          </p:cTn>
+                        </p:par>
+                        <p:par>
+                          <p:cTn id="8" fill="hold">
+                            <p:stCondLst>
+                              <p:cond delay="500"/>
+                            </p:stCondLst>
+                            <p:childTnLst>
+                              <p:par>
+                                <p:cTn id="9" presetID="10" presetClass="entr" presetSubtype="0" fill="hold" grpId="0" nodeType="afterEffect">
+                                  <p:stCondLst>
+                                    <p:cond delay="0"/>
+                                  </p:stCondLst>
+                                  <p:childTnLst>
+                                    <p:set>
+                                      <p:cBhvr>
+                                        <p:cTn id="10" dur="1" fill="hold">
+                                          <p:stCondLst>
+                                            <p:cond delay="0"/>
+                                          </p:stCondLst>
+                                        </p:cTn>
+                                        <p:tgtEl>
+                                          <p:spTgt spid="5"/>
+                                        </p:tgtEl>
+                                        <p:attrNameLst>
+                                          <p:attrName>style.visibility</p:attrName>
+                                        </p:attrNameLst>
+                                      </p:cBhvr>
+                                      <p:to>
+                                        <p:strVal val="visible"/>
+                                      </p:to>
+                                    </p:set>
+                                    <p:animEffect transition="in" filter="fade">
+                                      <p:cBhvr>
+                                        <p:cTn id="11" dur="500"/>
+                                        <p:tgtEl>
+                                          <p:spTgt spid="5"/>
+                                        </p:tgtEl>
+                                      </p:cBhvr>
+                                    </p:animEffect>
+                                  </p:childTnLst>
+                                </p:cTn>
+                              </p:par>
+                            </p:childTnLst>
+                          </p:cTn>
+                        </p:par>
+                      </p:childTnLst>
+                    </p:cTn>
+                  </p:par>
+                </p:childTnLst>
+              </p:cTn>
+              <p:prevCondLst>
+                <p:cond evt="onPrev" delay="0">
+                  <p:tgtEl>
+                    <p:sldTgt/>
+                  </p:tgtEl>
+                </p:cond>
+              </p:prevCondLst>
+              <p:nextCondLst>
+                <p:cond evt="onNext" delay="0">
+                  <p:tgtEl>
+                    <p:sldTgt/>
+                  </p:tgtEl>
+                </p:cond>
+              </p:nextCondLst>
+            </p:seq>
+          </p:childTnLst>
+        </p:cTn>
+      </p:par>
+    </p:tnLst>
+    <p:bldLst>
+      <p:bldP spid="5" grpId="0"/>
+    </p:bldLst>
+  </p:timing>
+</p:sld>
+</file>
+
+<file path=ppt/slides/slide67.xml><?xml version="1.0" encoding="utf-8"?>
+<p:sld xmlns:a="http://schemas.openxmlformats.org/drawingml/2006/main" xmlns:r="http://schemas.openxmlformats.org/officeDocument/2006/relationships" xmlns:p="http://schemas.openxmlformats.org/presentationml/2006/main">
+  <p:cSld>
+    <p:spTree>
+      <p:nvGrpSpPr>
+        <p:cNvPr id="1" name=""/>
+        <p:cNvGrpSpPr/>
+        <p:nvPr/>
+      </p:nvGrpSpPr>
+      <p:grpSpPr>
+        <a:xfrm>
+          <a:off x="0" y="0"/>
+          <a:ext cx="0" cy="0"/>
+          <a:chOff x="0" y="0"/>
+          <a:chExt cx="0" cy="0"/>
+        </a:xfrm>
+      </p:grpSpPr>
+      <p:sp>
+        <p:nvSpPr>
+          <p:cNvPr id="2" name="Title 1">
+            <a:extLst>
+              <a:ext uri="{FF2B5EF4-FFF2-40B4-BE49-F238E27FC236}">
+                <a16:creationId xmlns:a16="http://schemas.microsoft.com/office/drawing/2014/main" id="{E7C088E1-A3AC-701A-BF69-31487876394F}"/>
+              </a:ext>
+            </a:extLst>
+          </p:cNvPr>
+          <p:cNvSpPr>
+            <a:spLocks noGrp="1"/>
+          </p:cNvSpPr>
+          <p:nvPr>
+            <p:ph type="title"/>
+          </p:nvPr>
+        </p:nvSpPr>
+        <p:spPr/>
+        <p:txBody>
+          <a:bodyPr/>
+          <a:lstStyle/>
+          <a:p>
+            <a:r>
+              <a:rPr lang="en-US" dirty="0"/>
+              <a:t>User Stories</a:t>
+            </a:r>
+          </a:p>
+        </p:txBody>
+      </p:sp>
+      <p:sp>
+        <p:nvSpPr>
+          <p:cNvPr id="3" name="Content Placeholder 2">
+            <a:extLst>
+              <a:ext uri="{FF2B5EF4-FFF2-40B4-BE49-F238E27FC236}">
+                <a16:creationId xmlns:a16="http://schemas.microsoft.com/office/drawing/2014/main" id="{3D78CA66-6D3A-62F9-1036-E3C6053DB574}"/>
+              </a:ext>
+            </a:extLst>
+          </p:cNvPr>
+          <p:cNvSpPr>
+            <a:spLocks noGrp="1"/>
+          </p:cNvSpPr>
+          <p:nvPr>
+            <p:ph idx="1"/>
+          </p:nvPr>
+        </p:nvSpPr>
+        <p:spPr/>
+        <p:txBody>
+          <a:bodyPr/>
+          <a:lstStyle/>
+          <a:p>
+            <a:r>
+              <a:rPr lang="en-US" dirty="0"/>
+              <a:t>User Stories</a:t>
+            </a:r>
+          </a:p>
+          <a:p>
+            <a:pPr lvl="1"/>
+            <a:r>
+              <a:rPr lang="en-US" dirty="0"/>
+              <a:t>Project Kickoff</a:t>
+            </a:r>
+          </a:p>
+          <a:p>
+            <a:pPr lvl="1"/>
+            <a:r>
+              <a:rPr lang="en-US" dirty="0"/>
+              <a:t>Product Database</a:t>
+            </a:r>
+          </a:p>
+          <a:p>
+            <a:pPr lvl="1"/>
+            <a:r>
+              <a:rPr lang="en-US" dirty="0"/>
+              <a:t>Initialize Order</a:t>
+            </a:r>
+          </a:p>
+          <a:p>
+            <a:pPr lvl="1"/>
+            <a:r>
+              <a:rPr lang="en-US" dirty="0"/>
+              <a:t>Reserve Inventory</a:t>
+            </a:r>
+          </a:p>
+          <a:p>
+            <a:pPr lvl="1"/>
+            <a:r>
+              <a:rPr lang="en-US" dirty="0"/>
+              <a:t>Inventory Update</a:t>
+            </a:r>
+          </a:p>
+          <a:p>
+            <a:pPr lvl="1"/>
+            <a:r>
+              <a:rPr lang="en-US" dirty="0"/>
+              <a:t>Fulfillment</a:t>
+            </a:r>
+          </a:p>
+          <a:p>
+            <a:pPr lvl="2"/>
+            <a:r>
+              <a:rPr lang="en-US" dirty="0"/>
+              <a:t>Start Picking Order</a:t>
+            </a:r>
+          </a:p>
+          <a:p>
+            <a:pPr lvl="2"/>
+            <a:r>
+              <a:rPr lang="en-US" dirty="0"/>
+              <a:t>Order Fulfillment</a:t>
+            </a:r>
+          </a:p>
+          <a:p>
+            <a:pPr lvl="2"/>
+            <a:r>
+              <a:rPr lang="en-US" dirty="0"/>
+              <a:t>Update Purchase Status on Shipment</a:t>
+            </a:r>
+          </a:p>
+          <a:p>
+            <a:pPr lvl="2"/>
+            <a:endParaRPr lang="en-US" dirty="0"/>
+          </a:p>
+          <a:p>
+            <a:pPr lvl="1"/>
+            <a:endParaRPr lang="en-US" dirty="0"/>
+          </a:p>
+        </p:txBody>
+      </p:sp>
+      <p:sp>
+        <p:nvSpPr>
+          <p:cNvPr id="5" name="TextBox 4">
+            <a:extLst>
+              <a:ext uri="{FF2B5EF4-FFF2-40B4-BE49-F238E27FC236}">
+                <a16:creationId xmlns:a16="http://schemas.microsoft.com/office/drawing/2014/main" id="{A4DD6900-D3ED-5F85-D4A7-1A7B93E841A5}"/>
+              </a:ext>
+            </a:extLst>
+          </p:cNvPr>
+          <p:cNvSpPr txBox="1"/>
+          <p:nvPr/>
+        </p:nvSpPr>
+        <p:spPr>
+          <a:xfrm>
+            <a:off x="5638800" y="1825625"/>
+            <a:ext cx="6309360" cy="1569660"/>
+          </a:xfrm>
+          <a:prstGeom prst="rect">
+            <a:avLst/>
+          </a:prstGeom>
+          <a:noFill/>
+        </p:spPr>
+        <p:txBody>
+          <a:bodyPr wrap="square">
+            <a:spAutoFit/>
+          </a:bodyPr>
+          <a:lstStyle/>
+          <a:p>
+            <a:pPr algn="ctr"/>
+            <a:r>
+              <a:rPr lang="en-US" sz="3200" dirty="0"/>
+              <a:t>Once an order is shipped, the Purchase system updates the status of the order.</a:t>
+            </a:r>
+          </a:p>
+        </p:txBody>
+      </p:sp>
+    </p:spTree>
+    <p:extLst>
+      <p:ext uri="{BB962C8B-B14F-4D97-AF65-F5344CB8AC3E}">
+        <p14:creationId xmlns:p14="http://schemas.microsoft.com/office/powerpoint/2010/main" val="3845937352"/>
+      </p:ext>
+    </p:extLst>
+  </p:cSld>
+  <p:clrMapOvr>
+    <a:masterClrMapping/>
+  </p:clrMapOvr>
+  <p:timing>
+    <p:tnLst>
+      <p:par>
+        <p:cTn id="1" dur="indefinite" restart="never" nodeType="tmRoot">
+          <p:childTnLst>
+            <p:seq concurrent="1" nextAc="seek">
+              <p:cTn id="2" dur="indefinite" nodeType="mainSeq">
+                <p:childTnLst>
+                  <p:par>
+                    <p:cTn id="3" fill="hold">
+                      <p:stCondLst>
+                        <p:cond delay="indefinite"/>
+                        <p:cond evt="onBegin" delay="0">
+                          <p:tn val="2"/>
+                        </p:cond>
+                      </p:stCondLst>
+                      <p:childTnLst>
+                        <p:par>
+                          <p:cTn id="4" fill="hold">
+                            <p:stCondLst>
+                              <p:cond delay="0"/>
+                            </p:stCondLst>
+                            <p:childTnLst>
+                              <p:par>
+                                <p:cTn id="5" presetID="22" presetClass="entr" presetSubtype="8" fill="hold" nodeType="afterEffect">
+                                  <p:stCondLst>
+                                    <p:cond delay="0"/>
+                                  </p:stCondLst>
+                                  <p:childTnLst>
+                                    <p:set>
+                                      <p:cBhvr>
+                                        <p:cTn id="6" dur="1" fill="hold">
+                                          <p:stCondLst>
+                                            <p:cond delay="0"/>
+                                          </p:stCondLst>
+                                        </p:cTn>
+                                        <p:tgtEl>
+                                          <p:spTgt spid="3">
+                                            <p:txEl>
+                                              <p:pRg st="9" end="9"/>
+                                            </p:txEl>
+                                          </p:spTgt>
+                                        </p:tgtEl>
+                                        <p:attrNameLst>
+                                          <p:attrName>style.visibility</p:attrName>
+                                        </p:attrNameLst>
+                                      </p:cBhvr>
+                                      <p:to>
+                                        <p:strVal val="visible"/>
+                                      </p:to>
+                                    </p:set>
+                                    <p:animEffect transition="in" filter="wipe(left)">
+                                      <p:cBhvr>
+                                        <p:cTn id="7" dur="500"/>
+                                        <p:tgtEl>
+                                          <p:spTgt spid="3">
+                                            <p:txEl>
+                                              <p:pRg st="9" end="9"/>
+                                            </p:txEl>
+                                          </p:spTgt>
+                                        </p:tgtEl>
+                                      </p:cBhvr>
+                                    </p:animEffect>
+                                  </p:childTnLst>
+                                </p:cTn>
+                              </p:par>
+                            </p:childTnLst>
+                          </p:cTn>
+                        </p:par>
+                        <p:par>
+                          <p:cTn id="8" fill="hold">
+                            <p:stCondLst>
+                              <p:cond delay="500"/>
+                            </p:stCondLst>
+                            <p:childTnLst>
+                              <p:par>
+                                <p:cTn id="9" presetID="10" presetClass="entr" presetSubtype="0" fill="hold" grpId="0" nodeType="afterEffect">
+                                  <p:stCondLst>
+                                    <p:cond delay="0"/>
+                                  </p:stCondLst>
+                                  <p:childTnLst>
+                                    <p:set>
+                                      <p:cBhvr>
+                                        <p:cTn id="10" dur="1" fill="hold">
+                                          <p:stCondLst>
+                                            <p:cond delay="0"/>
+                                          </p:stCondLst>
+                                        </p:cTn>
+                                        <p:tgtEl>
+                                          <p:spTgt spid="5"/>
+                                        </p:tgtEl>
+                                        <p:attrNameLst>
+                                          <p:attrName>style.visibility</p:attrName>
+                                        </p:attrNameLst>
+                                      </p:cBhvr>
+                                      <p:to>
+                                        <p:strVal val="visible"/>
+                                      </p:to>
+                                    </p:set>
+                                    <p:animEffect transition="in" filter="fade">
+                                      <p:cBhvr>
+                                        <p:cTn id="11" dur="500"/>
+                                        <p:tgtEl>
+                                          <p:spTgt spid="5"/>
+                                        </p:tgtEl>
+                                      </p:cBhvr>
+                                    </p:animEffect>
+                                  </p:childTnLst>
+                                </p:cTn>
+                              </p:par>
+                            </p:childTnLst>
+                          </p:cTn>
+                        </p:par>
+                      </p:childTnLst>
+                    </p:cTn>
+                  </p:par>
+                </p:childTnLst>
+              </p:cTn>
+              <p:prevCondLst>
+                <p:cond evt="onPrev" delay="0">
+                  <p:tgtEl>
+                    <p:sldTgt/>
+                  </p:tgtEl>
+                </p:cond>
+              </p:prevCondLst>
+              <p:nextCondLst>
+                <p:cond evt="onNext" delay="0">
+                  <p:tgtEl>
+                    <p:sldTgt/>
+                  </p:tgtEl>
+                </p:cond>
+              </p:nextCondLst>
+            </p:seq>
+          </p:childTnLst>
+        </p:cTn>
+      </p:par>
+    </p:tnLst>
+    <p:bldLst>
+      <p:bldP spid="5" grpId="0"/>
+    </p:bldLst>
+  </p:timing>
+</p:sld>
+</file>
+
+<file path=ppt/slides/slide68.xml><?xml version="1.0" encoding="utf-8"?>
+<p:sld xmlns:a="http://schemas.openxmlformats.org/drawingml/2006/main" xmlns:r="http://schemas.openxmlformats.org/officeDocument/2006/relationships" xmlns:p="http://schemas.openxmlformats.org/presentationml/2006/main">
+  <p:cSld>
+    <p:spTree>
+      <p:nvGrpSpPr>
+        <p:cNvPr id="1" name=""/>
+        <p:cNvGrpSpPr/>
+        <p:nvPr/>
+      </p:nvGrpSpPr>
+      <p:grpSpPr>
+        <a:xfrm>
+          <a:off x="0" y="0"/>
+          <a:ext cx="0" cy="0"/>
+          <a:chOff x="0" y="0"/>
+          <a:chExt cx="0" cy="0"/>
+        </a:xfrm>
+      </p:grpSpPr>
+      <p:sp>
+        <p:nvSpPr>
+          <p:cNvPr id="2" name="Title 1">
+            <a:extLst>
+              <a:ext uri="{FF2B5EF4-FFF2-40B4-BE49-F238E27FC236}">
+                <a16:creationId xmlns:a16="http://schemas.microsoft.com/office/drawing/2014/main" id="{E7C088E1-A3AC-701A-BF69-31487876394F}"/>
+              </a:ext>
+            </a:extLst>
+          </p:cNvPr>
+          <p:cNvSpPr>
+            <a:spLocks noGrp="1"/>
+          </p:cNvSpPr>
+          <p:nvPr>
+            <p:ph type="title"/>
+          </p:nvPr>
+        </p:nvSpPr>
+        <p:spPr/>
+        <p:txBody>
+          <a:bodyPr/>
+          <a:lstStyle/>
+          <a:p>
+            <a:r>
+              <a:rPr lang="en-US" dirty="0"/>
+              <a:t>User Stories</a:t>
+            </a:r>
+          </a:p>
+        </p:txBody>
+      </p:sp>
+      <p:sp>
+        <p:nvSpPr>
+          <p:cNvPr id="3" name="Content Placeholder 2">
+            <a:extLst>
+              <a:ext uri="{FF2B5EF4-FFF2-40B4-BE49-F238E27FC236}">
+                <a16:creationId xmlns:a16="http://schemas.microsoft.com/office/drawing/2014/main" id="{3D78CA66-6D3A-62F9-1036-E3C6053DB574}"/>
+              </a:ext>
+            </a:extLst>
+          </p:cNvPr>
+          <p:cNvSpPr>
+            <a:spLocks noGrp="1"/>
+          </p:cNvSpPr>
+          <p:nvPr>
+            <p:ph idx="1"/>
+          </p:nvPr>
+        </p:nvSpPr>
+        <p:spPr/>
+        <p:txBody>
+          <a:bodyPr/>
+          <a:lstStyle/>
+          <a:p>
+            <a:r>
+              <a:rPr lang="en-US" dirty="0"/>
+              <a:t>User Stories</a:t>
+            </a:r>
+          </a:p>
+          <a:p>
+            <a:pPr lvl="1"/>
+            <a:r>
+              <a:rPr lang="en-US" dirty="0"/>
+              <a:t>Project Kickoff</a:t>
+            </a:r>
+          </a:p>
+          <a:p>
+            <a:pPr lvl="1"/>
+            <a:r>
+              <a:rPr lang="en-US" dirty="0"/>
+              <a:t>Product Database</a:t>
+            </a:r>
+          </a:p>
+          <a:p>
+            <a:pPr lvl="1"/>
+            <a:r>
+              <a:rPr lang="en-US" dirty="0"/>
+              <a:t>Initialize Order</a:t>
+            </a:r>
+          </a:p>
+          <a:p>
+            <a:pPr lvl="1"/>
+            <a:r>
+              <a:rPr lang="en-US" dirty="0"/>
+              <a:t>Reserve Inventory</a:t>
+            </a:r>
+          </a:p>
+          <a:p>
+            <a:pPr lvl="1"/>
+            <a:r>
+              <a:rPr lang="en-US" dirty="0"/>
+              <a:t>Inventory Update</a:t>
+            </a:r>
+          </a:p>
+          <a:p>
+            <a:pPr lvl="1"/>
+            <a:r>
+              <a:rPr lang="en-US" dirty="0"/>
+              <a:t>Fulfillment</a:t>
+            </a:r>
+          </a:p>
+          <a:p>
+            <a:pPr lvl="2"/>
+            <a:r>
+              <a:rPr lang="en-US" dirty="0"/>
+              <a:t>Start Picking Order</a:t>
+            </a:r>
+          </a:p>
+          <a:p>
+            <a:pPr lvl="2"/>
+            <a:r>
+              <a:rPr lang="en-US" dirty="0"/>
+              <a:t>Order Fulfillment</a:t>
+            </a:r>
+          </a:p>
+          <a:p>
+            <a:pPr lvl="2"/>
+            <a:r>
+              <a:rPr lang="en-US" dirty="0"/>
+              <a:t>Update Purchase Status on Shipment</a:t>
+            </a:r>
+          </a:p>
+          <a:p>
+            <a:pPr lvl="2"/>
+            <a:r>
+              <a:rPr lang="en-US" dirty="0"/>
+              <a:t>Send Order Shipment Notice</a:t>
+            </a:r>
+          </a:p>
+          <a:p>
+            <a:pPr lvl="2"/>
+            <a:endParaRPr lang="en-US" dirty="0"/>
+          </a:p>
+          <a:p>
+            <a:pPr lvl="1"/>
+            <a:endParaRPr lang="en-US" dirty="0"/>
+          </a:p>
+        </p:txBody>
+      </p:sp>
+      <p:sp>
+        <p:nvSpPr>
+          <p:cNvPr id="5" name="TextBox 4">
+            <a:extLst>
+              <a:ext uri="{FF2B5EF4-FFF2-40B4-BE49-F238E27FC236}">
+                <a16:creationId xmlns:a16="http://schemas.microsoft.com/office/drawing/2014/main" id="{A4DD6900-D3ED-5F85-D4A7-1A7B93E841A5}"/>
+              </a:ext>
+            </a:extLst>
+          </p:cNvPr>
+          <p:cNvSpPr txBox="1"/>
+          <p:nvPr/>
+        </p:nvSpPr>
+        <p:spPr>
+          <a:xfrm>
+            <a:off x="5638800" y="1825625"/>
+            <a:ext cx="6309360" cy="2062103"/>
+          </a:xfrm>
+          <a:prstGeom prst="rect">
+            <a:avLst/>
+          </a:prstGeom>
+          <a:noFill/>
+        </p:spPr>
+        <p:txBody>
+          <a:bodyPr wrap="square">
+            <a:spAutoFit/>
+          </a:bodyPr>
+          <a:lstStyle/>
+          <a:p>
+            <a:pPr algn="ctr"/>
+            <a:r>
+              <a:rPr lang="en-US" sz="3200" dirty="0"/>
+              <a:t>Once an order is shipped, the Notice sends an email to the customer informing them that the order has been shipped.</a:t>
+            </a:r>
+          </a:p>
+        </p:txBody>
+      </p:sp>
+    </p:spTree>
+    <p:extLst>
+      <p:ext uri="{BB962C8B-B14F-4D97-AF65-F5344CB8AC3E}">
+        <p14:creationId xmlns:p14="http://schemas.microsoft.com/office/powerpoint/2010/main" val="105576784"/>
+      </p:ext>
+    </p:extLst>
+  </p:cSld>
+  <p:clrMapOvr>
+    <a:masterClrMapping/>
+  </p:clrMapOvr>
+  <p:timing>
+    <p:tnLst>
+      <p:par>
+        <p:cTn id="1" dur="indefinite" restart="never" nodeType="tmRoot">
+          <p:childTnLst>
+            <p:seq concurrent="1" nextAc="seek">
+              <p:cTn id="2" dur="indefinite" nodeType="mainSeq">
+                <p:childTnLst>
+                  <p:par>
+                    <p:cTn id="3" fill="hold">
+                      <p:stCondLst>
+                        <p:cond delay="indefinite"/>
+                        <p:cond evt="onBegin" delay="0">
+                          <p:tn val="2"/>
+                        </p:cond>
+                      </p:stCondLst>
+                      <p:childTnLst>
+                        <p:par>
+                          <p:cTn id="4" fill="hold">
+                            <p:stCondLst>
+                              <p:cond delay="0"/>
+                            </p:stCondLst>
+                            <p:childTnLst>
+                              <p:par>
+                                <p:cTn id="5" presetID="22" presetClass="entr" presetSubtype="8" fill="hold" nodeType="afterEffect">
+                                  <p:stCondLst>
+                                    <p:cond delay="0"/>
+                                  </p:stCondLst>
+                                  <p:childTnLst>
+                                    <p:set>
+                                      <p:cBhvr>
+                                        <p:cTn id="6" dur="1" fill="hold">
+                                          <p:stCondLst>
+                                            <p:cond delay="0"/>
+                                          </p:stCondLst>
+                                        </p:cTn>
+                                        <p:tgtEl>
+                                          <p:spTgt spid="3">
+                                            <p:txEl>
+                                              <p:pRg st="9" end="9"/>
+                                            </p:txEl>
+                                          </p:spTgt>
+                                        </p:tgtEl>
+                                        <p:attrNameLst>
+                                          <p:attrName>style.visibility</p:attrName>
+                                        </p:attrNameLst>
+                                      </p:cBhvr>
+                                      <p:to>
+                                        <p:strVal val="visible"/>
+                                      </p:to>
+                                    </p:set>
+                                    <p:animEffect transition="in" filter="wipe(left)">
+                                      <p:cBhvr>
+                                        <p:cTn id="7" dur="500"/>
+                                        <p:tgtEl>
+                                          <p:spTgt spid="3">
+                                            <p:txEl>
+                                              <p:pRg st="9" end="9"/>
+                                            </p:txEl>
+                                          </p:spTgt>
+                                        </p:tgtEl>
+                                      </p:cBhvr>
+                                    </p:animEffect>
+                                  </p:childTnLst>
+                                </p:cTn>
+                              </p:par>
+                            </p:childTnLst>
+                          </p:cTn>
+                        </p:par>
+                        <p:par>
+                          <p:cTn id="8" fill="hold">
+                            <p:stCondLst>
+                              <p:cond delay="500"/>
+                            </p:stCondLst>
+                            <p:childTnLst>
+                              <p:par>
+                                <p:cTn id="9" presetID="22" presetClass="entr" presetSubtype="8" fill="hold" nodeType="afterEffect">
+                                  <p:stCondLst>
+                                    <p:cond delay="0"/>
+                                  </p:stCondLst>
+                                  <p:childTnLst>
+                                    <p:set>
+                                      <p:cBhvr>
+                                        <p:cTn id="10" dur="1" fill="hold">
+                                          <p:stCondLst>
+                                            <p:cond delay="0"/>
+                                          </p:stCondLst>
+                                        </p:cTn>
+                                        <p:tgtEl>
+                                          <p:spTgt spid="3">
+                                            <p:txEl>
+                                              <p:pRg st="10" end="10"/>
+                                            </p:txEl>
+                                          </p:spTgt>
+                                        </p:tgtEl>
+                                        <p:attrNameLst>
+                                          <p:attrName>style.visibility</p:attrName>
+                                        </p:attrNameLst>
+                                      </p:cBhvr>
+                                      <p:to>
+                                        <p:strVal val="visible"/>
+                                      </p:to>
+                                    </p:set>
+                                    <p:animEffect transition="in" filter="wipe(left)">
+                                      <p:cBhvr>
+                                        <p:cTn id="11" dur="500"/>
+                                        <p:tgtEl>
+                                          <p:spTgt spid="3">
+                                            <p:txEl>
+                                              <p:pRg st="10" end="10"/>
+                                            </p:txEl>
+                                          </p:spTgt>
+                                        </p:tgtEl>
+                                      </p:cBhvr>
+                                    </p:animEffect>
+                                  </p:childTnLst>
+                                </p:cTn>
+                              </p:par>
+                            </p:childTnLst>
+                          </p:cTn>
+                        </p:par>
+                        <p:par>
+                          <p:cTn id="12" fill="hold">
+                            <p:stCondLst>
+                              <p:cond delay="1000"/>
+                            </p:stCondLst>
+                            <p:childTnLst>
+                              <p:par>
+                                <p:cTn id="13" presetID="10" presetClass="entr" presetSubtype="0" fill="hold" grpId="0" nodeType="afterEffect">
+                                  <p:stCondLst>
+                                    <p:cond delay="0"/>
+                                  </p:stCondLst>
+                                  <p:childTnLst>
+                                    <p:set>
+                                      <p:cBhvr>
+                                        <p:cTn id="14" dur="1" fill="hold">
+                                          <p:stCondLst>
+                                            <p:cond delay="0"/>
+                                          </p:stCondLst>
+                                        </p:cTn>
+                                        <p:tgtEl>
+                                          <p:spTgt spid="5"/>
+                                        </p:tgtEl>
+                                        <p:attrNameLst>
+                                          <p:attrName>style.visibility</p:attrName>
+                                        </p:attrNameLst>
+                                      </p:cBhvr>
+                                      <p:to>
+                                        <p:strVal val="visible"/>
+                                      </p:to>
+                                    </p:set>
+                                    <p:animEffect transition="in" filter="fade">
+                                      <p:cBhvr>
+                                        <p:cTn id="15" dur="500"/>
+                                        <p:tgtEl>
+                                          <p:spTgt spid="5"/>
+                                        </p:tgtEl>
+                                      </p:cBhvr>
+                                    </p:animEffect>
+                                  </p:childTnLst>
+                                </p:cTn>
+                              </p:par>
+                            </p:childTnLst>
+                          </p:cTn>
+                        </p:par>
+                      </p:childTnLst>
+                    </p:cTn>
+                  </p:par>
+                </p:childTnLst>
+              </p:cTn>
+              <p:prevCondLst>
+                <p:cond evt="onPrev" delay="0">
+                  <p:tgtEl>
+                    <p:sldTgt/>
+                  </p:tgtEl>
+                </p:cond>
+              </p:prevCondLst>
+              <p:nextCondLst>
+                <p:cond evt="onNext" delay="0">
+                  <p:tgtEl>
+                    <p:sldTgt/>
+                  </p:tgtEl>
+                </p:cond>
+              </p:nextCondLst>
+            </p:seq>
+          </p:childTnLst>
+        </p:cTn>
+      </p:par>
+    </p:tnLst>
+    <p:bldLst>
+      <p:bldP spid="5" grpId="0"/>
+    </p:bldLst>
+  </p:timing>
+</p:sld>
+</file>
+
+<file path=ppt/slides/slide69.xml><?xml version="1.0" encoding="utf-8"?>
+<p:sld xmlns:a="http://schemas.openxmlformats.org/drawingml/2006/main" xmlns:r="http://schemas.openxmlformats.org/officeDocument/2006/relationships" xmlns:p="http://schemas.openxmlformats.org/presentationml/2006/main">
+  <p:cSld>
+    <p:spTree>
+      <p:nvGrpSpPr>
+        <p:cNvPr id="1" name=""/>
+        <p:cNvGrpSpPr/>
+        <p:nvPr/>
+      </p:nvGrpSpPr>
+      <p:grpSpPr>
+        <a:xfrm>
+          <a:off x="0" y="0"/>
+          <a:ext cx="0" cy="0"/>
+          <a:chOff x="0" y="0"/>
+          <a:chExt cx="0" cy="0"/>
+        </a:xfrm>
+      </p:grpSpPr>
+      <p:sp>
+        <p:nvSpPr>
+          <p:cNvPr id="2" name="Title 1">
+            <a:extLst>
+              <a:ext uri="{FF2B5EF4-FFF2-40B4-BE49-F238E27FC236}">
+                <a16:creationId xmlns:a16="http://schemas.microsoft.com/office/drawing/2014/main" id="{E7C088E1-A3AC-701A-BF69-31487876394F}"/>
+              </a:ext>
+            </a:extLst>
+          </p:cNvPr>
+          <p:cNvSpPr>
+            <a:spLocks noGrp="1"/>
+          </p:cNvSpPr>
+          <p:nvPr>
+            <p:ph type="title"/>
+          </p:nvPr>
+        </p:nvSpPr>
+        <p:spPr/>
+        <p:txBody>
+          <a:bodyPr/>
+          <a:lstStyle/>
+          <a:p>
+            <a:r>
+              <a:rPr lang="en-US" dirty="0"/>
+              <a:t>User Stories</a:t>
+            </a:r>
+          </a:p>
+        </p:txBody>
+      </p:sp>
+      <p:sp>
+        <p:nvSpPr>
+          <p:cNvPr id="3" name="Content Placeholder 2">
+            <a:extLst>
+              <a:ext uri="{FF2B5EF4-FFF2-40B4-BE49-F238E27FC236}">
+                <a16:creationId xmlns:a16="http://schemas.microsoft.com/office/drawing/2014/main" id="{3D78CA66-6D3A-62F9-1036-E3C6053DB574}"/>
+              </a:ext>
+            </a:extLst>
+          </p:cNvPr>
+          <p:cNvSpPr>
+            <a:spLocks noGrp="1"/>
+          </p:cNvSpPr>
+          <p:nvPr>
+            <p:ph idx="1"/>
+          </p:nvPr>
+        </p:nvSpPr>
+        <p:spPr/>
+        <p:txBody>
+          <a:bodyPr>
+            <a:normAutofit/>
+          </a:bodyPr>
+          <a:lstStyle/>
+          <a:p>
+            <a:r>
+              <a:rPr lang="en-US" dirty="0"/>
+              <a:t>User Stories</a:t>
+            </a:r>
+          </a:p>
+          <a:p>
+            <a:pPr lvl="1"/>
+            <a:r>
+              <a:rPr lang="en-US" dirty="0"/>
+              <a:t>Project Kickoff</a:t>
+            </a:r>
+          </a:p>
+          <a:p>
+            <a:pPr lvl="1"/>
+            <a:r>
+              <a:rPr lang="en-US" dirty="0"/>
+              <a:t>Product Database</a:t>
+            </a:r>
+          </a:p>
+          <a:p>
+            <a:pPr lvl="1"/>
+            <a:r>
+              <a:rPr lang="en-US" dirty="0"/>
+              <a:t>Initialize Order</a:t>
+            </a:r>
+          </a:p>
+          <a:p>
+            <a:pPr lvl="1"/>
+            <a:r>
+              <a:rPr lang="en-US" dirty="0"/>
+              <a:t>Reserve Inventory</a:t>
+            </a:r>
+          </a:p>
+          <a:p>
+            <a:pPr lvl="1"/>
+            <a:r>
+              <a:rPr lang="en-US" dirty="0"/>
+              <a:t>Inventory Update</a:t>
+            </a:r>
+          </a:p>
+          <a:p>
+            <a:pPr lvl="1"/>
+            <a:r>
+              <a:rPr lang="en-US" dirty="0"/>
+              <a:t>Fulfillment</a:t>
+            </a:r>
+          </a:p>
+          <a:p>
+            <a:pPr lvl="1"/>
+            <a:r>
+              <a:rPr lang="en-US" dirty="0"/>
+              <a:t>Close Order</a:t>
+            </a:r>
+          </a:p>
+          <a:p>
+            <a:pPr lvl="2"/>
+            <a:r>
+              <a:rPr lang="en-US" dirty="0"/>
+              <a:t>Shipment Delivered</a:t>
+            </a:r>
+          </a:p>
+          <a:p>
+            <a:pPr lvl="1"/>
+            <a:endParaRPr lang="en-US" dirty="0"/>
+          </a:p>
+        </p:txBody>
+      </p:sp>
+      <p:sp>
+        <p:nvSpPr>
+          <p:cNvPr id="5" name="TextBox 4">
+            <a:extLst>
+              <a:ext uri="{FF2B5EF4-FFF2-40B4-BE49-F238E27FC236}">
+                <a16:creationId xmlns:a16="http://schemas.microsoft.com/office/drawing/2014/main" id="{A4DD6900-D3ED-5F85-D4A7-1A7B93E841A5}"/>
+              </a:ext>
+            </a:extLst>
+          </p:cNvPr>
+          <p:cNvSpPr txBox="1"/>
+          <p:nvPr/>
+        </p:nvSpPr>
+        <p:spPr>
+          <a:xfrm>
+            <a:off x="5638800" y="1825625"/>
+            <a:ext cx="6309360" cy="1569660"/>
+          </a:xfrm>
+          <a:prstGeom prst="rect">
+            <a:avLst/>
+          </a:prstGeom>
+          <a:noFill/>
+        </p:spPr>
+        <p:txBody>
+          <a:bodyPr wrap="square">
+            <a:spAutoFit/>
+          </a:bodyPr>
+          <a:lstStyle/>
+          <a:p>
+            <a:pPr algn="ctr"/>
+            <a:r>
+              <a:rPr lang="en-US" sz="3200" dirty="0"/>
+              <a:t>Once an order is delivered, the Shipping system will send out an </a:t>
+            </a:r>
+            <a:r>
+              <a:rPr lang="en-US" sz="3200" dirty="0" err="1"/>
+              <a:t>OrderDeliveredMessage</a:t>
+            </a:r>
+            <a:r>
+              <a:rPr lang="en-US" sz="3200" dirty="0"/>
+              <a:t> message.</a:t>
+            </a:r>
+          </a:p>
+        </p:txBody>
+      </p:sp>
+    </p:spTree>
+    <p:extLst>
+      <p:ext uri="{BB962C8B-B14F-4D97-AF65-F5344CB8AC3E}">
+        <p14:creationId xmlns:p14="http://schemas.microsoft.com/office/powerpoint/2010/main" val="2028366866"/>
+      </p:ext>
+    </p:extLst>
+  </p:cSld>
+  <p:clrMapOvr>
+    <a:masterClrMapping/>
+  </p:clrMapOvr>
+  <p:timing>
+    <p:tnLst>
+      <p:par>
+        <p:cTn id="1" dur="indefinite" restart="never" nodeType="tmRoot">
+          <p:childTnLst>
+            <p:seq concurrent="1" nextAc="seek">
+              <p:cTn id="2" dur="indefinite" nodeType="mainSeq">
+                <p:childTnLst>
+                  <p:par>
+                    <p:cTn id="3" fill="hold">
+                      <p:stCondLst>
+                        <p:cond delay="indefinite"/>
+                        <p:cond evt="onBegin" delay="0">
+                          <p:tn val="2"/>
+                        </p:cond>
+                      </p:stCondLst>
+                      <p:childTnLst>
+                        <p:par>
+                          <p:cTn id="4" fill="hold">
+                            <p:stCondLst>
+                              <p:cond delay="0"/>
+                            </p:stCondLst>
+                            <p:childTnLst>
+                              <p:par>
+                                <p:cTn id="5" presetID="22" presetClass="entr" presetSubtype="8" fill="hold" nodeType="afterEffect">
+                                  <p:stCondLst>
+                                    <p:cond delay="0"/>
+                                  </p:stCondLst>
+                                  <p:childTnLst>
+                                    <p:set>
+                                      <p:cBhvr>
+                                        <p:cTn id="6" dur="1" fill="hold">
+                                          <p:stCondLst>
+                                            <p:cond delay="0"/>
+                                          </p:stCondLst>
+                                        </p:cTn>
+                                        <p:tgtEl>
+                                          <p:spTgt spid="3">
+                                            <p:txEl>
+                                              <p:pRg st="7" end="7"/>
+                                            </p:txEl>
+                                          </p:spTgt>
+                                        </p:tgtEl>
+                                        <p:attrNameLst>
+                                          <p:attrName>style.visibility</p:attrName>
+                                        </p:attrNameLst>
+                                      </p:cBhvr>
+                                      <p:to>
+                                        <p:strVal val="visible"/>
+                                      </p:to>
+                                    </p:set>
+                                    <p:animEffect transition="in" filter="wipe(left)">
+                                      <p:cBhvr>
+                                        <p:cTn id="7" dur="500"/>
+                                        <p:tgtEl>
+                                          <p:spTgt spid="3">
+                                            <p:txEl>
+                                              <p:pRg st="7" end="7"/>
+                                            </p:txEl>
+                                          </p:spTgt>
+                                        </p:tgtEl>
+                                      </p:cBhvr>
+                                    </p:animEffect>
+                                  </p:childTnLst>
+                                </p:cTn>
+                              </p:par>
+                            </p:childTnLst>
+                          </p:cTn>
+                        </p:par>
+                      </p:childTnLst>
+                    </p:cTn>
+                  </p:par>
+                  <p:par>
+                    <p:cTn id="8" fill="hold">
+                      <p:stCondLst>
+                        <p:cond delay="indefinite"/>
+                      </p:stCondLst>
+                      <p:childTnLst>
+                        <p:par>
+                          <p:cTn id="9" fill="hold">
+                            <p:stCondLst>
+                              <p:cond delay="0"/>
+                            </p:stCondLst>
+                            <p:childTnLst>
+                              <p:par>
+                                <p:cTn id="10" presetID="22" presetClass="entr" presetSubtype="8" fill="hold" nodeType="clickEffect">
+                                  <p:stCondLst>
+                                    <p:cond delay="0"/>
+                                  </p:stCondLst>
+                                  <p:childTnLst>
+                                    <p:set>
+                                      <p:cBhvr>
+                                        <p:cTn id="11" dur="1" fill="hold">
+                                          <p:stCondLst>
+                                            <p:cond delay="0"/>
+                                          </p:stCondLst>
+                                        </p:cTn>
+                                        <p:tgtEl>
+                                          <p:spTgt spid="3">
+                                            <p:txEl>
+                                              <p:pRg st="8" end="8"/>
+                                            </p:txEl>
+                                          </p:spTgt>
+                                        </p:tgtEl>
+                                        <p:attrNameLst>
+                                          <p:attrName>style.visibility</p:attrName>
+                                        </p:attrNameLst>
+                                      </p:cBhvr>
+                                      <p:to>
+                                        <p:strVal val="visible"/>
+                                      </p:to>
+                                    </p:set>
+                                    <p:animEffect transition="in" filter="wipe(left)">
+                                      <p:cBhvr>
+                                        <p:cTn id="12" dur="500"/>
+                                        <p:tgtEl>
+                                          <p:spTgt spid="3">
+                                            <p:txEl>
+                                              <p:pRg st="8" end="8"/>
+                                            </p:txEl>
+                                          </p:spTgt>
+                                        </p:tgtEl>
+                                      </p:cBhvr>
+                                    </p:animEffect>
+                                  </p:childTnLst>
+                                </p:cTn>
+                              </p:par>
+                            </p:childTnLst>
+                          </p:cTn>
+                        </p:par>
+                        <p:par>
+                          <p:cTn id="13" fill="hold">
+                            <p:stCondLst>
+                              <p:cond delay="500"/>
+                            </p:stCondLst>
+                            <p:childTnLst>
+                              <p:par>
+                                <p:cTn id="14" presetID="10" presetClass="entr" presetSubtype="0" fill="hold" grpId="0" nodeType="afterEffect">
+                                  <p:stCondLst>
+                                    <p:cond delay="0"/>
+                                  </p:stCondLst>
+                                  <p:childTnLst>
+                                    <p:set>
+                                      <p:cBhvr>
+                                        <p:cTn id="15" dur="1" fill="hold">
+                                          <p:stCondLst>
+                                            <p:cond delay="0"/>
+                                          </p:stCondLst>
+                                        </p:cTn>
+                                        <p:tgtEl>
+                                          <p:spTgt spid="5"/>
+                                        </p:tgtEl>
+                                        <p:attrNameLst>
+                                          <p:attrName>style.visibility</p:attrName>
+                                        </p:attrNameLst>
+                                      </p:cBhvr>
+                                      <p:to>
+                                        <p:strVal val="visible"/>
+                                      </p:to>
+                                    </p:set>
+                                    <p:animEffect transition="in" filter="fade">
+                                      <p:cBhvr>
+                                        <p:cTn id="16" dur="500"/>
+                                        <p:tgtEl>
+                                          <p:spTgt spid="5"/>
+                                        </p:tgtEl>
+                                      </p:cBhvr>
+                                    </p:animEffect>
+                                  </p:childTnLst>
+                                </p:cTn>
+                              </p:par>
+                            </p:childTnLst>
+                          </p:cTn>
+                        </p:par>
+                      </p:childTnLst>
+                    </p:cTn>
+                  </p:par>
+                </p:childTnLst>
+              </p:cTn>
+              <p:prevCondLst>
+                <p:cond evt="onPrev" delay="0">
+                  <p:tgtEl>
+                    <p:sldTgt/>
+                  </p:tgtEl>
+                </p:cond>
+              </p:prevCondLst>
+              <p:nextCondLst>
+                <p:cond evt="onNext" delay="0">
+                  <p:tgtEl>
+                    <p:sldTgt/>
+                  </p:tgtEl>
+                </p:cond>
+              </p:nextCondLst>
+            </p:seq>
+          </p:childTnLst>
+        </p:cTn>
+      </p:par>
+    </p:tnLst>
+    <p:bldLst>
+      <p:bldP spid="5" grpId="0"/>
+    </p:bldLst>
   </p:timing>
 </p:sld>
 </file>
@@ -20206,6 +24712,1591 @@
       </p:par>
     </p:tnLst>
   </p:timing>
+</p:sld>
+</file>
+
+<file path=ppt/slides/slide70.xml><?xml version="1.0" encoding="utf-8"?>
+<p:sld xmlns:a="http://schemas.openxmlformats.org/drawingml/2006/main" xmlns:r="http://schemas.openxmlformats.org/officeDocument/2006/relationships" xmlns:p="http://schemas.openxmlformats.org/presentationml/2006/main">
+  <p:cSld>
+    <p:spTree>
+      <p:nvGrpSpPr>
+        <p:cNvPr id="1" name=""/>
+        <p:cNvGrpSpPr/>
+        <p:nvPr/>
+      </p:nvGrpSpPr>
+      <p:grpSpPr>
+        <a:xfrm>
+          <a:off x="0" y="0"/>
+          <a:ext cx="0" cy="0"/>
+          <a:chOff x="0" y="0"/>
+          <a:chExt cx="0" cy="0"/>
+        </a:xfrm>
+      </p:grpSpPr>
+      <p:sp>
+        <p:nvSpPr>
+          <p:cNvPr id="2" name="Title 1">
+            <a:extLst>
+              <a:ext uri="{FF2B5EF4-FFF2-40B4-BE49-F238E27FC236}">
+                <a16:creationId xmlns:a16="http://schemas.microsoft.com/office/drawing/2014/main" id="{E7C088E1-A3AC-701A-BF69-31487876394F}"/>
+              </a:ext>
+            </a:extLst>
+          </p:cNvPr>
+          <p:cNvSpPr>
+            <a:spLocks noGrp="1"/>
+          </p:cNvSpPr>
+          <p:nvPr>
+            <p:ph type="title"/>
+          </p:nvPr>
+        </p:nvSpPr>
+        <p:spPr/>
+        <p:txBody>
+          <a:bodyPr/>
+          <a:lstStyle/>
+          <a:p>
+            <a:r>
+              <a:rPr lang="en-US" dirty="0"/>
+              <a:t>User Stories</a:t>
+            </a:r>
+          </a:p>
+        </p:txBody>
+      </p:sp>
+      <p:sp>
+        <p:nvSpPr>
+          <p:cNvPr id="3" name="Content Placeholder 2">
+            <a:extLst>
+              <a:ext uri="{FF2B5EF4-FFF2-40B4-BE49-F238E27FC236}">
+                <a16:creationId xmlns:a16="http://schemas.microsoft.com/office/drawing/2014/main" id="{3D78CA66-6D3A-62F9-1036-E3C6053DB574}"/>
+              </a:ext>
+            </a:extLst>
+          </p:cNvPr>
+          <p:cNvSpPr>
+            <a:spLocks noGrp="1"/>
+          </p:cNvSpPr>
+          <p:nvPr>
+            <p:ph idx="1"/>
+          </p:nvPr>
+        </p:nvSpPr>
+        <p:spPr/>
+        <p:txBody>
+          <a:bodyPr>
+            <a:normAutofit/>
+          </a:bodyPr>
+          <a:lstStyle/>
+          <a:p>
+            <a:r>
+              <a:rPr lang="en-US" dirty="0"/>
+              <a:t>User Stories</a:t>
+            </a:r>
+          </a:p>
+          <a:p>
+            <a:pPr lvl="1"/>
+            <a:r>
+              <a:rPr lang="en-US" dirty="0"/>
+              <a:t>Project Kickoff</a:t>
+            </a:r>
+          </a:p>
+          <a:p>
+            <a:pPr lvl="1"/>
+            <a:r>
+              <a:rPr lang="en-US" dirty="0"/>
+              <a:t>Product Database</a:t>
+            </a:r>
+          </a:p>
+          <a:p>
+            <a:pPr lvl="1"/>
+            <a:r>
+              <a:rPr lang="en-US" dirty="0"/>
+              <a:t>Initialize Order</a:t>
+            </a:r>
+          </a:p>
+          <a:p>
+            <a:pPr lvl="1"/>
+            <a:r>
+              <a:rPr lang="en-US" dirty="0"/>
+              <a:t>Reserve Inventory</a:t>
+            </a:r>
+          </a:p>
+          <a:p>
+            <a:pPr lvl="1"/>
+            <a:r>
+              <a:rPr lang="en-US" dirty="0"/>
+              <a:t>Inventory Update</a:t>
+            </a:r>
+          </a:p>
+          <a:p>
+            <a:pPr lvl="1"/>
+            <a:r>
+              <a:rPr lang="en-US" dirty="0"/>
+              <a:t>Fulfillment</a:t>
+            </a:r>
+          </a:p>
+          <a:p>
+            <a:pPr lvl="1"/>
+            <a:r>
+              <a:rPr lang="en-US" dirty="0"/>
+              <a:t>Close Order</a:t>
+            </a:r>
+          </a:p>
+          <a:p>
+            <a:pPr lvl="2"/>
+            <a:r>
+              <a:rPr lang="en-US" dirty="0"/>
+              <a:t>Shipment Delivered</a:t>
+            </a:r>
+          </a:p>
+          <a:p>
+            <a:pPr lvl="2"/>
+            <a:r>
+              <a:rPr lang="en-US" dirty="0"/>
+              <a:t>Update Purchase Status on Shipment Delivery</a:t>
+            </a:r>
+          </a:p>
+          <a:p>
+            <a:pPr lvl="1"/>
+            <a:endParaRPr lang="en-US" dirty="0"/>
+          </a:p>
+        </p:txBody>
+      </p:sp>
+      <p:sp>
+        <p:nvSpPr>
+          <p:cNvPr id="5" name="TextBox 4">
+            <a:extLst>
+              <a:ext uri="{FF2B5EF4-FFF2-40B4-BE49-F238E27FC236}">
+                <a16:creationId xmlns:a16="http://schemas.microsoft.com/office/drawing/2014/main" id="{A4DD6900-D3ED-5F85-D4A7-1A7B93E841A5}"/>
+              </a:ext>
+            </a:extLst>
+          </p:cNvPr>
+          <p:cNvSpPr txBox="1"/>
+          <p:nvPr/>
+        </p:nvSpPr>
+        <p:spPr>
+          <a:xfrm>
+            <a:off x="5638800" y="1825625"/>
+            <a:ext cx="6309360" cy="1569660"/>
+          </a:xfrm>
+          <a:prstGeom prst="rect">
+            <a:avLst/>
+          </a:prstGeom>
+          <a:noFill/>
+        </p:spPr>
+        <p:txBody>
+          <a:bodyPr wrap="square">
+            <a:spAutoFit/>
+          </a:bodyPr>
+          <a:lstStyle/>
+          <a:p>
+            <a:pPr algn="ctr"/>
+            <a:r>
+              <a:rPr lang="en-US" sz="3200" dirty="0"/>
+              <a:t>Once a shipment is delivered, the Purchase system will update the status of the order.</a:t>
+            </a:r>
+          </a:p>
+        </p:txBody>
+      </p:sp>
+    </p:spTree>
+    <p:extLst>
+      <p:ext uri="{BB962C8B-B14F-4D97-AF65-F5344CB8AC3E}">
+        <p14:creationId xmlns:p14="http://schemas.microsoft.com/office/powerpoint/2010/main" val="1879031930"/>
+      </p:ext>
+    </p:extLst>
+  </p:cSld>
+  <p:clrMapOvr>
+    <a:masterClrMapping/>
+  </p:clrMapOvr>
+  <p:timing>
+    <p:tnLst>
+      <p:par>
+        <p:cTn id="1" dur="indefinite" restart="never" nodeType="tmRoot">
+          <p:childTnLst>
+            <p:seq concurrent="1" nextAc="seek">
+              <p:cTn id="2" dur="indefinite" nodeType="mainSeq">
+                <p:childTnLst>
+                  <p:par>
+                    <p:cTn id="3" fill="hold">
+                      <p:stCondLst>
+                        <p:cond delay="indefinite"/>
+                        <p:cond evt="onBegin" delay="0">
+                          <p:tn val="2"/>
+                        </p:cond>
+                      </p:stCondLst>
+                      <p:childTnLst>
+                        <p:par>
+                          <p:cTn id="4" fill="hold">
+                            <p:stCondLst>
+                              <p:cond delay="0"/>
+                            </p:stCondLst>
+                            <p:childTnLst>
+                              <p:par>
+                                <p:cTn id="5" presetID="22" presetClass="entr" presetSubtype="8" fill="hold" nodeType="afterEffect">
+                                  <p:stCondLst>
+                                    <p:cond delay="0"/>
+                                  </p:stCondLst>
+                                  <p:childTnLst>
+                                    <p:set>
+                                      <p:cBhvr>
+                                        <p:cTn id="6" dur="1" fill="hold">
+                                          <p:stCondLst>
+                                            <p:cond delay="0"/>
+                                          </p:stCondLst>
+                                        </p:cTn>
+                                        <p:tgtEl>
+                                          <p:spTgt spid="3">
+                                            <p:txEl>
+                                              <p:pRg st="9" end="9"/>
+                                            </p:txEl>
+                                          </p:spTgt>
+                                        </p:tgtEl>
+                                        <p:attrNameLst>
+                                          <p:attrName>style.visibility</p:attrName>
+                                        </p:attrNameLst>
+                                      </p:cBhvr>
+                                      <p:to>
+                                        <p:strVal val="visible"/>
+                                      </p:to>
+                                    </p:set>
+                                    <p:animEffect transition="in" filter="wipe(left)">
+                                      <p:cBhvr>
+                                        <p:cTn id="7" dur="500"/>
+                                        <p:tgtEl>
+                                          <p:spTgt spid="3">
+                                            <p:txEl>
+                                              <p:pRg st="9" end="9"/>
+                                            </p:txEl>
+                                          </p:spTgt>
+                                        </p:tgtEl>
+                                      </p:cBhvr>
+                                    </p:animEffect>
+                                  </p:childTnLst>
+                                </p:cTn>
+                              </p:par>
+                            </p:childTnLst>
+                          </p:cTn>
+                        </p:par>
+                        <p:par>
+                          <p:cTn id="8" fill="hold">
+                            <p:stCondLst>
+                              <p:cond delay="500"/>
+                            </p:stCondLst>
+                            <p:childTnLst>
+                              <p:par>
+                                <p:cTn id="9" presetID="10" presetClass="entr" presetSubtype="0" fill="hold" grpId="0" nodeType="afterEffect">
+                                  <p:stCondLst>
+                                    <p:cond delay="0"/>
+                                  </p:stCondLst>
+                                  <p:childTnLst>
+                                    <p:set>
+                                      <p:cBhvr>
+                                        <p:cTn id="10" dur="1" fill="hold">
+                                          <p:stCondLst>
+                                            <p:cond delay="0"/>
+                                          </p:stCondLst>
+                                        </p:cTn>
+                                        <p:tgtEl>
+                                          <p:spTgt spid="5"/>
+                                        </p:tgtEl>
+                                        <p:attrNameLst>
+                                          <p:attrName>style.visibility</p:attrName>
+                                        </p:attrNameLst>
+                                      </p:cBhvr>
+                                      <p:to>
+                                        <p:strVal val="visible"/>
+                                      </p:to>
+                                    </p:set>
+                                    <p:animEffect transition="in" filter="fade">
+                                      <p:cBhvr>
+                                        <p:cTn id="11" dur="500"/>
+                                        <p:tgtEl>
+                                          <p:spTgt spid="5"/>
+                                        </p:tgtEl>
+                                      </p:cBhvr>
+                                    </p:animEffect>
+                                  </p:childTnLst>
+                                </p:cTn>
+                              </p:par>
+                            </p:childTnLst>
+                          </p:cTn>
+                        </p:par>
+                      </p:childTnLst>
+                    </p:cTn>
+                  </p:par>
+                </p:childTnLst>
+              </p:cTn>
+              <p:prevCondLst>
+                <p:cond evt="onPrev" delay="0">
+                  <p:tgtEl>
+                    <p:sldTgt/>
+                  </p:tgtEl>
+                </p:cond>
+              </p:prevCondLst>
+              <p:nextCondLst>
+                <p:cond evt="onNext" delay="0">
+                  <p:tgtEl>
+                    <p:sldTgt/>
+                  </p:tgtEl>
+                </p:cond>
+              </p:nextCondLst>
+            </p:seq>
+          </p:childTnLst>
+        </p:cTn>
+      </p:par>
+    </p:tnLst>
+    <p:bldLst>
+      <p:bldP spid="5" grpId="0"/>
+    </p:bldLst>
+  </p:timing>
+</p:sld>
+</file>
+
+<file path=ppt/slides/slide71.xml><?xml version="1.0" encoding="utf-8"?>
+<p:sld xmlns:a="http://schemas.openxmlformats.org/drawingml/2006/main" xmlns:r="http://schemas.openxmlformats.org/officeDocument/2006/relationships" xmlns:p="http://schemas.openxmlformats.org/presentationml/2006/main">
+  <p:cSld>
+    <p:spTree>
+      <p:nvGrpSpPr>
+        <p:cNvPr id="1" name=""/>
+        <p:cNvGrpSpPr/>
+        <p:nvPr/>
+      </p:nvGrpSpPr>
+      <p:grpSpPr>
+        <a:xfrm>
+          <a:off x="0" y="0"/>
+          <a:ext cx="0" cy="0"/>
+          <a:chOff x="0" y="0"/>
+          <a:chExt cx="0" cy="0"/>
+        </a:xfrm>
+      </p:grpSpPr>
+      <p:sp>
+        <p:nvSpPr>
+          <p:cNvPr id="2" name="Title 1">
+            <a:extLst>
+              <a:ext uri="{FF2B5EF4-FFF2-40B4-BE49-F238E27FC236}">
+                <a16:creationId xmlns:a16="http://schemas.microsoft.com/office/drawing/2014/main" id="{E7C088E1-A3AC-701A-BF69-31487876394F}"/>
+              </a:ext>
+            </a:extLst>
+          </p:cNvPr>
+          <p:cNvSpPr>
+            <a:spLocks noGrp="1"/>
+          </p:cNvSpPr>
+          <p:nvPr>
+            <p:ph type="title"/>
+          </p:nvPr>
+        </p:nvSpPr>
+        <p:spPr/>
+        <p:txBody>
+          <a:bodyPr/>
+          <a:lstStyle/>
+          <a:p>
+            <a:r>
+              <a:rPr lang="en-US" dirty="0"/>
+              <a:t>User Stories</a:t>
+            </a:r>
+          </a:p>
+        </p:txBody>
+      </p:sp>
+      <p:sp>
+        <p:nvSpPr>
+          <p:cNvPr id="3" name="Content Placeholder 2">
+            <a:extLst>
+              <a:ext uri="{FF2B5EF4-FFF2-40B4-BE49-F238E27FC236}">
+                <a16:creationId xmlns:a16="http://schemas.microsoft.com/office/drawing/2014/main" id="{3D78CA66-6D3A-62F9-1036-E3C6053DB574}"/>
+              </a:ext>
+            </a:extLst>
+          </p:cNvPr>
+          <p:cNvSpPr>
+            <a:spLocks noGrp="1"/>
+          </p:cNvSpPr>
+          <p:nvPr>
+            <p:ph idx="1"/>
+          </p:nvPr>
+        </p:nvSpPr>
+        <p:spPr/>
+        <p:txBody>
+          <a:bodyPr>
+            <a:normAutofit/>
+          </a:bodyPr>
+          <a:lstStyle/>
+          <a:p>
+            <a:r>
+              <a:rPr lang="en-US" dirty="0"/>
+              <a:t>User Stories</a:t>
+            </a:r>
+          </a:p>
+          <a:p>
+            <a:pPr lvl="1"/>
+            <a:r>
+              <a:rPr lang="en-US" dirty="0"/>
+              <a:t>Project Kickoff</a:t>
+            </a:r>
+          </a:p>
+          <a:p>
+            <a:pPr lvl="1"/>
+            <a:r>
+              <a:rPr lang="en-US" dirty="0"/>
+              <a:t>Product Database</a:t>
+            </a:r>
+          </a:p>
+          <a:p>
+            <a:pPr lvl="1"/>
+            <a:r>
+              <a:rPr lang="en-US" dirty="0"/>
+              <a:t>Initialize Order</a:t>
+            </a:r>
+          </a:p>
+          <a:p>
+            <a:pPr lvl="1"/>
+            <a:r>
+              <a:rPr lang="en-US" dirty="0"/>
+              <a:t>Reserve Inventory</a:t>
+            </a:r>
+          </a:p>
+          <a:p>
+            <a:pPr lvl="1"/>
+            <a:r>
+              <a:rPr lang="en-US" dirty="0"/>
+              <a:t>Inventory Update</a:t>
+            </a:r>
+          </a:p>
+          <a:p>
+            <a:pPr lvl="1"/>
+            <a:r>
+              <a:rPr lang="en-US" dirty="0"/>
+              <a:t>Fulfillment</a:t>
+            </a:r>
+          </a:p>
+          <a:p>
+            <a:pPr lvl="1"/>
+            <a:r>
+              <a:rPr lang="en-US" dirty="0"/>
+              <a:t>Close Order</a:t>
+            </a:r>
+          </a:p>
+          <a:p>
+            <a:pPr lvl="2"/>
+            <a:r>
+              <a:rPr lang="en-US" dirty="0"/>
+              <a:t>Shipment Delivered</a:t>
+            </a:r>
+          </a:p>
+          <a:p>
+            <a:pPr lvl="2"/>
+            <a:r>
+              <a:rPr lang="en-US" dirty="0"/>
+              <a:t>Update Purchase Status</a:t>
+            </a:r>
+          </a:p>
+          <a:p>
+            <a:pPr lvl="2"/>
+            <a:r>
+              <a:rPr lang="en-US" dirty="0"/>
+              <a:t>Send Order Delivered Notice</a:t>
+            </a:r>
+          </a:p>
+          <a:p>
+            <a:pPr lvl="1"/>
+            <a:endParaRPr lang="en-US" dirty="0"/>
+          </a:p>
+        </p:txBody>
+      </p:sp>
+      <p:sp>
+        <p:nvSpPr>
+          <p:cNvPr id="5" name="TextBox 4">
+            <a:extLst>
+              <a:ext uri="{FF2B5EF4-FFF2-40B4-BE49-F238E27FC236}">
+                <a16:creationId xmlns:a16="http://schemas.microsoft.com/office/drawing/2014/main" id="{A4DD6900-D3ED-5F85-D4A7-1A7B93E841A5}"/>
+              </a:ext>
+            </a:extLst>
+          </p:cNvPr>
+          <p:cNvSpPr txBox="1"/>
+          <p:nvPr/>
+        </p:nvSpPr>
+        <p:spPr>
+          <a:xfrm>
+            <a:off x="5638800" y="1825625"/>
+            <a:ext cx="6309360" cy="2062103"/>
+          </a:xfrm>
+          <a:prstGeom prst="rect">
+            <a:avLst/>
+          </a:prstGeom>
+          <a:noFill/>
+        </p:spPr>
+        <p:txBody>
+          <a:bodyPr wrap="square">
+            <a:spAutoFit/>
+          </a:bodyPr>
+          <a:lstStyle/>
+          <a:p>
+            <a:pPr algn="ctr"/>
+            <a:r>
+              <a:rPr lang="en-US" sz="3200" dirty="0"/>
+              <a:t>Once an order is delivered, the Notice sends an email to the customer informing them that the order has been delivered.</a:t>
+            </a:r>
+          </a:p>
+        </p:txBody>
+      </p:sp>
+    </p:spTree>
+    <p:extLst>
+      <p:ext uri="{BB962C8B-B14F-4D97-AF65-F5344CB8AC3E}">
+        <p14:creationId xmlns:p14="http://schemas.microsoft.com/office/powerpoint/2010/main" val="601455407"/>
+      </p:ext>
+    </p:extLst>
+  </p:cSld>
+  <p:clrMapOvr>
+    <a:masterClrMapping/>
+  </p:clrMapOvr>
+  <p:timing>
+    <p:tnLst>
+      <p:par>
+        <p:cTn id="1" dur="indefinite" restart="never" nodeType="tmRoot">
+          <p:childTnLst>
+            <p:seq concurrent="1" nextAc="seek">
+              <p:cTn id="2" dur="indefinite" nodeType="mainSeq">
+                <p:childTnLst>
+                  <p:par>
+                    <p:cTn id="3" fill="hold">
+                      <p:stCondLst>
+                        <p:cond delay="indefinite"/>
+                        <p:cond evt="onBegin" delay="0">
+                          <p:tn val="2"/>
+                        </p:cond>
+                      </p:stCondLst>
+                      <p:childTnLst>
+                        <p:par>
+                          <p:cTn id="4" fill="hold">
+                            <p:stCondLst>
+                              <p:cond delay="0"/>
+                            </p:stCondLst>
+                            <p:childTnLst>
+                              <p:par>
+                                <p:cTn id="5" presetID="22" presetClass="entr" presetSubtype="8" fill="hold" nodeType="afterEffect">
+                                  <p:stCondLst>
+                                    <p:cond delay="0"/>
+                                  </p:stCondLst>
+                                  <p:childTnLst>
+                                    <p:set>
+                                      <p:cBhvr>
+                                        <p:cTn id="6" dur="1" fill="hold">
+                                          <p:stCondLst>
+                                            <p:cond delay="0"/>
+                                          </p:stCondLst>
+                                        </p:cTn>
+                                        <p:tgtEl>
+                                          <p:spTgt spid="3">
+                                            <p:txEl>
+                                              <p:pRg st="10" end="10"/>
+                                            </p:txEl>
+                                          </p:spTgt>
+                                        </p:tgtEl>
+                                        <p:attrNameLst>
+                                          <p:attrName>style.visibility</p:attrName>
+                                        </p:attrNameLst>
+                                      </p:cBhvr>
+                                      <p:to>
+                                        <p:strVal val="visible"/>
+                                      </p:to>
+                                    </p:set>
+                                    <p:animEffect transition="in" filter="wipe(left)">
+                                      <p:cBhvr>
+                                        <p:cTn id="7" dur="500"/>
+                                        <p:tgtEl>
+                                          <p:spTgt spid="3">
+                                            <p:txEl>
+                                              <p:pRg st="10" end="10"/>
+                                            </p:txEl>
+                                          </p:spTgt>
+                                        </p:tgtEl>
+                                      </p:cBhvr>
+                                    </p:animEffect>
+                                  </p:childTnLst>
+                                </p:cTn>
+                              </p:par>
+                            </p:childTnLst>
+                          </p:cTn>
+                        </p:par>
+                        <p:par>
+                          <p:cTn id="8" fill="hold">
+                            <p:stCondLst>
+                              <p:cond delay="500"/>
+                            </p:stCondLst>
+                            <p:childTnLst>
+                              <p:par>
+                                <p:cTn id="9" presetID="10" presetClass="entr" presetSubtype="0" fill="hold" grpId="0" nodeType="afterEffect">
+                                  <p:stCondLst>
+                                    <p:cond delay="0"/>
+                                  </p:stCondLst>
+                                  <p:childTnLst>
+                                    <p:set>
+                                      <p:cBhvr>
+                                        <p:cTn id="10" dur="1" fill="hold">
+                                          <p:stCondLst>
+                                            <p:cond delay="0"/>
+                                          </p:stCondLst>
+                                        </p:cTn>
+                                        <p:tgtEl>
+                                          <p:spTgt spid="5"/>
+                                        </p:tgtEl>
+                                        <p:attrNameLst>
+                                          <p:attrName>style.visibility</p:attrName>
+                                        </p:attrNameLst>
+                                      </p:cBhvr>
+                                      <p:to>
+                                        <p:strVal val="visible"/>
+                                      </p:to>
+                                    </p:set>
+                                    <p:animEffect transition="in" filter="fade">
+                                      <p:cBhvr>
+                                        <p:cTn id="11" dur="500"/>
+                                        <p:tgtEl>
+                                          <p:spTgt spid="5"/>
+                                        </p:tgtEl>
+                                      </p:cBhvr>
+                                    </p:animEffect>
+                                  </p:childTnLst>
+                                </p:cTn>
+                              </p:par>
+                            </p:childTnLst>
+                          </p:cTn>
+                        </p:par>
+                      </p:childTnLst>
+                    </p:cTn>
+                  </p:par>
+                </p:childTnLst>
+              </p:cTn>
+              <p:prevCondLst>
+                <p:cond evt="onPrev" delay="0">
+                  <p:tgtEl>
+                    <p:sldTgt/>
+                  </p:tgtEl>
+                </p:cond>
+              </p:prevCondLst>
+              <p:nextCondLst>
+                <p:cond evt="onNext" delay="0">
+                  <p:tgtEl>
+                    <p:sldTgt/>
+                  </p:tgtEl>
+                </p:cond>
+              </p:nextCondLst>
+            </p:seq>
+          </p:childTnLst>
+        </p:cTn>
+      </p:par>
+    </p:tnLst>
+    <p:bldLst>
+      <p:bldP spid="5" grpId="0"/>
+    </p:bldLst>
+  </p:timing>
+</p:sld>
+</file>
+
+<file path=ppt/slides/slide72.xml><?xml version="1.0" encoding="utf-8"?>
+<p:sld xmlns:a="http://schemas.openxmlformats.org/drawingml/2006/main" xmlns:r="http://schemas.openxmlformats.org/officeDocument/2006/relationships" xmlns:p="http://schemas.openxmlformats.org/presentationml/2006/main">
+  <p:cSld>
+    <p:spTree>
+      <p:nvGrpSpPr>
+        <p:cNvPr id="1" name=""/>
+        <p:cNvGrpSpPr/>
+        <p:nvPr/>
+      </p:nvGrpSpPr>
+      <p:grpSpPr>
+        <a:xfrm>
+          <a:off x="0" y="0"/>
+          <a:ext cx="0" cy="0"/>
+          <a:chOff x="0" y="0"/>
+          <a:chExt cx="0" cy="0"/>
+        </a:xfrm>
+      </p:grpSpPr>
+      <p:sp>
+        <p:nvSpPr>
+          <p:cNvPr id="2" name="Title 1">
+            <a:extLst>
+              <a:ext uri="{FF2B5EF4-FFF2-40B4-BE49-F238E27FC236}">
+                <a16:creationId xmlns:a16="http://schemas.microsoft.com/office/drawing/2014/main" id="{7549C25B-BF63-AE0E-B22B-E0BBD815662C}"/>
+              </a:ext>
+            </a:extLst>
+          </p:cNvPr>
+          <p:cNvSpPr>
+            <a:spLocks noGrp="1"/>
+          </p:cNvSpPr>
+          <p:nvPr>
+            <p:ph type="title"/>
+          </p:nvPr>
+        </p:nvSpPr>
+        <p:spPr/>
+        <p:txBody>
+          <a:bodyPr/>
+          <a:lstStyle/>
+          <a:p>
+            <a:r>
+              <a:rPr lang="en-US" dirty="0"/>
+              <a:t>Hands-On Exercise</a:t>
+            </a:r>
+          </a:p>
+        </p:txBody>
+      </p:sp>
+      <p:sp>
+        <p:nvSpPr>
+          <p:cNvPr id="3" name="TextBox 2">
+            <a:extLst>
+              <a:ext uri="{FF2B5EF4-FFF2-40B4-BE49-F238E27FC236}">
+                <a16:creationId xmlns:a16="http://schemas.microsoft.com/office/drawing/2014/main" id="{4E126E78-EF51-B33A-4184-656FDCFFC6DA}"/>
+              </a:ext>
+            </a:extLst>
+          </p:cNvPr>
+          <p:cNvSpPr txBox="1"/>
+          <p:nvPr/>
+        </p:nvSpPr>
+        <p:spPr>
+          <a:xfrm>
+            <a:off x="487680" y="1849120"/>
+            <a:ext cx="10515600" cy="1754326"/>
+          </a:xfrm>
+          <a:prstGeom prst="rect">
+            <a:avLst/>
+          </a:prstGeom>
+          <a:noFill/>
+        </p:spPr>
+        <p:txBody>
+          <a:bodyPr wrap="square" rtlCol="0">
+            <a:spAutoFit/>
+          </a:bodyPr>
+          <a:lstStyle/>
+          <a:p>
+            <a:pPr algn="ctr"/>
+            <a:r>
+              <a:rPr lang="en-US" sz="5400" b="1" dirty="0">
+                <a:solidFill>
+                  <a:srgbClr val="F9975F"/>
+                </a:solidFill>
+              </a:rPr>
+              <a:t>Work in groups to come up with possible solutions</a:t>
+            </a:r>
+          </a:p>
+        </p:txBody>
+      </p:sp>
+    </p:spTree>
+    <p:extLst>
+      <p:ext uri="{BB962C8B-B14F-4D97-AF65-F5344CB8AC3E}">
+        <p14:creationId xmlns:p14="http://schemas.microsoft.com/office/powerpoint/2010/main" val="2495344939"/>
+      </p:ext>
+    </p:extLst>
+  </p:cSld>
+  <p:clrMapOvr>
+    <a:masterClrMapping/>
+  </p:clrMapOvr>
+</p:sld>
+</file>
+
+<file path=ppt/slides/slide73.xml><?xml version="1.0" encoding="utf-8"?>
+<p:sld xmlns:a="http://schemas.openxmlformats.org/drawingml/2006/main" xmlns:r="http://schemas.openxmlformats.org/officeDocument/2006/relationships" xmlns:p="http://schemas.openxmlformats.org/presentationml/2006/main">
+  <p:cSld>
+    <p:spTree>
+      <p:nvGrpSpPr>
+        <p:cNvPr id="1" name=""/>
+        <p:cNvGrpSpPr/>
+        <p:nvPr/>
+      </p:nvGrpSpPr>
+      <p:grpSpPr>
+        <a:xfrm>
+          <a:off x="0" y="0"/>
+          <a:ext cx="0" cy="0"/>
+          <a:chOff x="0" y="0"/>
+          <a:chExt cx="0" cy="0"/>
+        </a:xfrm>
+      </p:grpSpPr>
+      <p:sp>
+        <p:nvSpPr>
+          <p:cNvPr id="2" name="Title 1">
+            <a:extLst>
+              <a:ext uri="{FF2B5EF4-FFF2-40B4-BE49-F238E27FC236}">
+                <a16:creationId xmlns:a16="http://schemas.microsoft.com/office/drawing/2014/main" id="{7549C25B-BF63-AE0E-B22B-E0BBD815662C}"/>
+              </a:ext>
+            </a:extLst>
+          </p:cNvPr>
+          <p:cNvSpPr>
+            <a:spLocks noGrp="1"/>
+          </p:cNvSpPr>
+          <p:nvPr>
+            <p:ph type="title"/>
+          </p:nvPr>
+        </p:nvSpPr>
+        <p:spPr/>
+        <p:txBody>
+          <a:bodyPr/>
+          <a:lstStyle/>
+          <a:p>
+            <a:r>
+              <a:rPr lang="en-US" dirty="0"/>
+              <a:t>Hands-On Exercise</a:t>
+            </a:r>
+          </a:p>
+        </p:txBody>
+      </p:sp>
+      <p:sp>
+        <p:nvSpPr>
+          <p:cNvPr id="3" name="TextBox 2">
+            <a:extLst>
+              <a:ext uri="{FF2B5EF4-FFF2-40B4-BE49-F238E27FC236}">
+                <a16:creationId xmlns:a16="http://schemas.microsoft.com/office/drawing/2014/main" id="{4E126E78-EF51-B33A-4184-656FDCFFC6DA}"/>
+              </a:ext>
+            </a:extLst>
+          </p:cNvPr>
+          <p:cNvSpPr txBox="1"/>
+          <p:nvPr/>
+        </p:nvSpPr>
+        <p:spPr>
+          <a:xfrm>
+            <a:off x="487680" y="1849120"/>
+            <a:ext cx="10515600" cy="923330"/>
+          </a:xfrm>
+          <a:prstGeom prst="rect">
+            <a:avLst/>
+          </a:prstGeom>
+          <a:noFill/>
+        </p:spPr>
+        <p:txBody>
+          <a:bodyPr wrap="square" rtlCol="0">
+            <a:spAutoFit/>
+          </a:bodyPr>
+          <a:lstStyle/>
+          <a:p>
+            <a:pPr algn="ctr"/>
+            <a:r>
+              <a:rPr lang="en-US" sz="5400" b="1" dirty="0">
+                <a:solidFill>
+                  <a:srgbClr val="F9975F"/>
+                </a:solidFill>
+              </a:rPr>
+              <a:t>Present Group Solutions</a:t>
+            </a:r>
+          </a:p>
+        </p:txBody>
+      </p:sp>
+    </p:spTree>
+    <p:extLst>
+      <p:ext uri="{BB962C8B-B14F-4D97-AF65-F5344CB8AC3E}">
+        <p14:creationId xmlns:p14="http://schemas.microsoft.com/office/powerpoint/2010/main" val="980628571"/>
+      </p:ext>
+    </p:extLst>
+  </p:cSld>
+  <p:clrMapOvr>
+    <a:masterClrMapping/>
+  </p:clrMapOvr>
+</p:sld>
+</file>
+
+<file path=ppt/slides/slide74.xml><?xml version="1.0" encoding="utf-8"?>
+<p:sld xmlns:a="http://schemas.openxmlformats.org/drawingml/2006/main" xmlns:r="http://schemas.openxmlformats.org/officeDocument/2006/relationships" xmlns:p="http://schemas.openxmlformats.org/presentationml/2006/main">
+  <p:cSld>
+    <p:spTree>
+      <p:nvGrpSpPr>
+        <p:cNvPr id="1" name=""/>
+        <p:cNvGrpSpPr/>
+        <p:nvPr/>
+      </p:nvGrpSpPr>
+      <p:grpSpPr>
+        <a:xfrm>
+          <a:off x="0" y="0"/>
+          <a:ext cx="0" cy="0"/>
+          <a:chOff x="0" y="0"/>
+          <a:chExt cx="0" cy="0"/>
+        </a:xfrm>
+      </p:grpSpPr>
+      <p:sp>
+        <p:nvSpPr>
+          <p:cNvPr id="2" name="Title 1">
+            <a:extLst>
+              <a:ext uri="{FF2B5EF4-FFF2-40B4-BE49-F238E27FC236}">
+                <a16:creationId xmlns:a16="http://schemas.microsoft.com/office/drawing/2014/main" id="{E7C088E1-A3AC-701A-BF69-31487876394F}"/>
+              </a:ext>
+            </a:extLst>
+          </p:cNvPr>
+          <p:cNvSpPr>
+            <a:spLocks noGrp="1"/>
+          </p:cNvSpPr>
+          <p:nvPr>
+            <p:ph type="title"/>
+          </p:nvPr>
+        </p:nvSpPr>
+        <p:spPr/>
+        <p:txBody>
+          <a:bodyPr/>
+          <a:lstStyle/>
+          <a:p>
+            <a:r>
+              <a:rPr lang="en-US" dirty="0"/>
+              <a:t>Solution we’ll implement</a:t>
+            </a:r>
+          </a:p>
+        </p:txBody>
+      </p:sp>
+      <p:sp>
+        <p:nvSpPr>
+          <p:cNvPr id="3" name="Content Placeholder 2">
+            <a:extLst>
+              <a:ext uri="{FF2B5EF4-FFF2-40B4-BE49-F238E27FC236}">
+                <a16:creationId xmlns:a16="http://schemas.microsoft.com/office/drawing/2014/main" id="{3D78CA66-6D3A-62F9-1036-E3C6053DB574}"/>
+              </a:ext>
+            </a:extLst>
+          </p:cNvPr>
+          <p:cNvSpPr>
+            <a:spLocks noGrp="1"/>
+          </p:cNvSpPr>
+          <p:nvPr>
+            <p:ph idx="1"/>
+          </p:nvPr>
+        </p:nvSpPr>
+        <p:spPr/>
+        <p:txBody>
+          <a:bodyPr/>
+          <a:lstStyle/>
+          <a:p>
+            <a:r>
+              <a:rPr lang="en-US" dirty="0"/>
+              <a:t>Microservices in the Solution</a:t>
+            </a:r>
+          </a:p>
+          <a:p>
+            <a:pPr lvl="1"/>
+            <a:r>
+              <a:rPr lang="en-US" dirty="0"/>
+              <a:t>Core</a:t>
+            </a:r>
+          </a:p>
+          <a:p>
+            <a:pPr lvl="1"/>
+            <a:r>
+              <a:rPr lang="en-US" dirty="0"/>
+              <a:t>Product</a:t>
+            </a:r>
+          </a:p>
+          <a:p>
+            <a:pPr lvl="1"/>
+            <a:r>
+              <a:rPr lang="en-US" dirty="0"/>
+              <a:t>Website</a:t>
+            </a:r>
+          </a:p>
+          <a:p>
+            <a:pPr lvl="1"/>
+            <a:r>
+              <a:rPr lang="en-US" dirty="0"/>
+              <a:t>Purchase</a:t>
+            </a:r>
+          </a:p>
+          <a:p>
+            <a:pPr lvl="1"/>
+            <a:r>
+              <a:rPr lang="en-US" dirty="0"/>
+              <a:t>Inventory</a:t>
+            </a:r>
+          </a:p>
+          <a:p>
+            <a:pPr lvl="1"/>
+            <a:r>
+              <a:rPr lang="en-US" dirty="0"/>
+              <a:t>Shipping</a:t>
+            </a:r>
+          </a:p>
+          <a:p>
+            <a:pPr lvl="1"/>
+            <a:r>
+              <a:rPr lang="en-US" dirty="0"/>
+              <a:t>Notification</a:t>
+            </a:r>
+          </a:p>
+        </p:txBody>
+      </p:sp>
+      <p:cxnSp>
+        <p:nvCxnSpPr>
+          <p:cNvPr id="5" name="Straight Connector 4">
+            <a:extLst>
+              <a:ext uri="{FF2B5EF4-FFF2-40B4-BE49-F238E27FC236}">
+                <a16:creationId xmlns:a16="http://schemas.microsoft.com/office/drawing/2014/main" id="{52207599-5E3A-4D58-9847-DAFCFAD31E5C}"/>
+              </a:ext>
+            </a:extLst>
+          </p:cNvPr>
+          <p:cNvCxnSpPr/>
+          <p:nvPr/>
+        </p:nvCxnSpPr>
+        <p:spPr>
+          <a:xfrm>
+            <a:off x="1564640" y="3261360"/>
+            <a:ext cx="1168400" cy="0"/>
+          </a:xfrm>
+          <a:prstGeom prst="line">
+            <a:avLst/>
+          </a:prstGeom>
+          <a:ln w="38100">
+            <a:solidFill>
+              <a:srgbClr val="FF0000"/>
+            </a:solidFill>
+          </a:ln>
+        </p:spPr>
+        <p:style>
+          <a:lnRef idx="1">
+            <a:schemeClr val="accent2"/>
+          </a:lnRef>
+          <a:fillRef idx="0">
+            <a:schemeClr val="accent2"/>
+          </a:fillRef>
+          <a:effectRef idx="0">
+            <a:schemeClr val="accent2"/>
+          </a:effectRef>
+          <a:fontRef idx="minor">
+            <a:schemeClr val="tx1"/>
+          </a:fontRef>
+        </p:style>
+      </p:cxnSp>
+    </p:spTree>
+    <p:extLst>
+      <p:ext uri="{BB962C8B-B14F-4D97-AF65-F5344CB8AC3E}">
+        <p14:creationId xmlns:p14="http://schemas.microsoft.com/office/powerpoint/2010/main" val="467057397"/>
+      </p:ext>
+    </p:extLst>
+  </p:cSld>
+  <p:clrMapOvr>
+    <a:masterClrMapping/>
+  </p:clrMapOvr>
+  <p:timing>
+    <p:tnLst>
+      <p:par>
+        <p:cTn id="1" dur="indefinite" restart="never" nodeType="tmRoot">
+          <p:childTnLst>
+            <p:seq concurrent="1" nextAc="seek">
+              <p:cTn id="2" dur="indefinite" nodeType="mainSeq">
+                <p:childTnLst>
+                  <p:par>
+                    <p:cTn id="3" fill="hold">
+                      <p:stCondLst>
+                        <p:cond delay="indefinite"/>
+                      </p:stCondLst>
+                      <p:childTnLst>
+                        <p:par>
+                          <p:cTn id="4" fill="hold">
+                            <p:stCondLst>
+                              <p:cond delay="0"/>
+                            </p:stCondLst>
+                            <p:childTnLst>
+                              <p:par>
+                                <p:cTn id="5" presetID="10" presetClass="entr" presetSubtype="0" fill="hold" nodeType="clickEffect">
+                                  <p:stCondLst>
+                                    <p:cond delay="0"/>
+                                  </p:stCondLst>
+                                  <p:childTnLst>
+                                    <p:set>
+                                      <p:cBhvr>
+                                        <p:cTn id="6" dur="1" fill="hold">
+                                          <p:stCondLst>
+                                            <p:cond delay="0"/>
+                                          </p:stCondLst>
+                                        </p:cTn>
+                                        <p:tgtEl>
+                                          <p:spTgt spid="3">
+                                            <p:txEl>
+                                              <p:pRg st="2" end="2"/>
+                                            </p:txEl>
+                                          </p:spTgt>
+                                        </p:tgtEl>
+                                        <p:attrNameLst>
+                                          <p:attrName>style.visibility</p:attrName>
+                                        </p:attrNameLst>
+                                      </p:cBhvr>
+                                      <p:to>
+                                        <p:strVal val="visible"/>
+                                      </p:to>
+                                    </p:set>
+                                    <p:animEffect transition="in" filter="fade">
+                                      <p:cBhvr>
+                                        <p:cTn id="7" dur="500"/>
+                                        <p:tgtEl>
+                                          <p:spTgt spid="3">
+                                            <p:txEl>
+                                              <p:pRg st="2" end="2"/>
+                                            </p:txEl>
+                                          </p:spTgt>
+                                        </p:tgtEl>
+                                      </p:cBhvr>
+                                    </p:animEffect>
+                                  </p:childTnLst>
+                                </p:cTn>
+                              </p:par>
+                            </p:childTnLst>
+                          </p:cTn>
+                        </p:par>
+                      </p:childTnLst>
+                    </p:cTn>
+                  </p:par>
+                  <p:par>
+                    <p:cTn id="8" fill="hold">
+                      <p:stCondLst>
+                        <p:cond delay="indefinite"/>
+                      </p:stCondLst>
+                      <p:childTnLst>
+                        <p:par>
+                          <p:cTn id="9" fill="hold">
+                            <p:stCondLst>
+                              <p:cond delay="0"/>
+                            </p:stCondLst>
+                            <p:childTnLst>
+                              <p:par>
+                                <p:cTn id="10" presetID="10" presetClass="entr" presetSubtype="0" fill="hold" nodeType="clickEffect">
+                                  <p:stCondLst>
+                                    <p:cond delay="0"/>
+                                  </p:stCondLst>
+                                  <p:childTnLst>
+                                    <p:set>
+                                      <p:cBhvr>
+                                        <p:cTn id="11" dur="1" fill="hold">
+                                          <p:stCondLst>
+                                            <p:cond delay="0"/>
+                                          </p:stCondLst>
+                                        </p:cTn>
+                                        <p:tgtEl>
+                                          <p:spTgt spid="3">
+                                            <p:txEl>
+                                              <p:pRg st="3" end="3"/>
+                                            </p:txEl>
+                                          </p:spTgt>
+                                        </p:tgtEl>
+                                        <p:attrNameLst>
+                                          <p:attrName>style.visibility</p:attrName>
+                                        </p:attrNameLst>
+                                      </p:cBhvr>
+                                      <p:to>
+                                        <p:strVal val="visible"/>
+                                      </p:to>
+                                    </p:set>
+                                    <p:animEffect transition="in" filter="fade">
+                                      <p:cBhvr>
+                                        <p:cTn id="12" dur="500"/>
+                                        <p:tgtEl>
+                                          <p:spTgt spid="3">
+                                            <p:txEl>
+                                              <p:pRg st="3" end="3"/>
+                                            </p:txEl>
+                                          </p:spTgt>
+                                        </p:tgtEl>
+                                      </p:cBhvr>
+                                    </p:animEffect>
+                                  </p:childTnLst>
+                                </p:cTn>
+                              </p:par>
+                            </p:childTnLst>
+                          </p:cTn>
+                        </p:par>
+                      </p:childTnLst>
+                    </p:cTn>
+                  </p:par>
+                  <p:par>
+                    <p:cTn id="13" fill="hold">
+                      <p:stCondLst>
+                        <p:cond delay="indefinite"/>
+                      </p:stCondLst>
+                      <p:childTnLst>
+                        <p:par>
+                          <p:cTn id="14" fill="hold">
+                            <p:stCondLst>
+                              <p:cond delay="0"/>
+                            </p:stCondLst>
+                            <p:childTnLst>
+                              <p:par>
+                                <p:cTn id="15" presetID="10" presetClass="entr" presetSubtype="0" fill="hold" nodeType="clickEffect">
+                                  <p:stCondLst>
+                                    <p:cond delay="0"/>
+                                  </p:stCondLst>
+                                  <p:childTnLst>
+                                    <p:set>
+                                      <p:cBhvr>
+                                        <p:cTn id="16" dur="1" fill="hold">
+                                          <p:stCondLst>
+                                            <p:cond delay="0"/>
+                                          </p:stCondLst>
+                                        </p:cTn>
+                                        <p:tgtEl>
+                                          <p:spTgt spid="3">
+                                            <p:txEl>
+                                              <p:pRg st="4" end="4"/>
+                                            </p:txEl>
+                                          </p:spTgt>
+                                        </p:tgtEl>
+                                        <p:attrNameLst>
+                                          <p:attrName>style.visibility</p:attrName>
+                                        </p:attrNameLst>
+                                      </p:cBhvr>
+                                      <p:to>
+                                        <p:strVal val="visible"/>
+                                      </p:to>
+                                    </p:set>
+                                    <p:animEffect transition="in" filter="fade">
+                                      <p:cBhvr>
+                                        <p:cTn id="17" dur="500"/>
+                                        <p:tgtEl>
+                                          <p:spTgt spid="3">
+                                            <p:txEl>
+                                              <p:pRg st="4" end="4"/>
+                                            </p:txEl>
+                                          </p:spTgt>
+                                        </p:tgtEl>
+                                      </p:cBhvr>
+                                    </p:animEffect>
+                                  </p:childTnLst>
+                                </p:cTn>
+                              </p:par>
+                            </p:childTnLst>
+                          </p:cTn>
+                        </p:par>
+                      </p:childTnLst>
+                    </p:cTn>
+                  </p:par>
+                  <p:par>
+                    <p:cTn id="18" fill="hold">
+                      <p:stCondLst>
+                        <p:cond delay="indefinite"/>
+                      </p:stCondLst>
+                      <p:childTnLst>
+                        <p:par>
+                          <p:cTn id="19" fill="hold">
+                            <p:stCondLst>
+                              <p:cond delay="0"/>
+                            </p:stCondLst>
+                            <p:childTnLst>
+                              <p:par>
+                                <p:cTn id="20" presetID="10" presetClass="entr" presetSubtype="0" fill="hold" nodeType="clickEffect">
+                                  <p:stCondLst>
+                                    <p:cond delay="0"/>
+                                  </p:stCondLst>
+                                  <p:childTnLst>
+                                    <p:set>
+                                      <p:cBhvr>
+                                        <p:cTn id="21" dur="1" fill="hold">
+                                          <p:stCondLst>
+                                            <p:cond delay="0"/>
+                                          </p:stCondLst>
+                                        </p:cTn>
+                                        <p:tgtEl>
+                                          <p:spTgt spid="3">
+                                            <p:txEl>
+                                              <p:pRg st="5" end="5"/>
+                                            </p:txEl>
+                                          </p:spTgt>
+                                        </p:tgtEl>
+                                        <p:attrNameLst>
+                                          <p:attrName>style.visibility</p:attrName>
+                                        </p:attrNameLst>
+                                      </p:cBhvr>
+                                      <p:to>
+                                        <p:strVal val="visible"/>
+                                      </p:to>
+                                    </p:set>
+                                    <p:animEffect transition="in" filter="fade">
+                                      <p:cBhvr>
+                                        <p:cTn id="22" dur="500"/>
+                                        <p:tgtEl>
+                                          <p:spTgt spid="3">
+                                            <p:txEl>
+                                              <p:pRg st="5" end="5"/>
+                                            </p:txEl>
+                                          </p:spTgt>
+                                        </p:tgtEl>
+                                      </p:cBhvr>
+                                    </p:animEffect>
+                                  </p:childTnLst>
+                                </p:cTn>
+                              </p:par>
+                            </p:childTnLst>
+                          </p:cTn>
+                        </p:par>
+                      </p:childTnLst>
+                    </p:cTn>
+                  </p:par>
+                  <p:par>
+                    <p:cTn id="23" fill="hold">
+                      <p:stCondLst>
+                        <p:cond delay="indefinite"/>
+                      </p:stCondLst>
+                      <p:childTnLst>
+                        <p:par>
+                          <p:cTn id="24" fill="hold">
+                            <p:stCondLst>
+                              <p:cond delay="0"/>
+                            </p:stCondLst>
+                            <p:childTnLst>
+                              <p:par>
+                                <p:cTn id="25" presetID="10" presetClass="entr" presetSubtype="0" fill="hold" nodeType="clickEffect">
+                                  <p:stCondLst>
+                                    <p:cond delay="0"/>
+                                  </p:stCondLst>
+                                  <p:childTnLst>
+                                    <p:set>
+                                      <p:cBhvr>
+                                        <p:cTn id="26" dur="1" fill="hold">
+                                          <p:stCondLst>
+                                            <p:cond delay="0"/>
+                                          </p:stCondLst>
+                                        </p:cTn>
+                                        <p:tgtEl>
+                                          <p:spTgt spid="3">
+                                            <p:txEl>
+                                              <p:pRg st="6" end="6"/>
+                                            </p:txEl>
+                                          </p:spTgt>
+                                        </p:tgtEl>
+                                        <p:attrNameLst>
+                                          <p:attrName>style.visibility</p:attrName>
+                                        </p:attrNameLst>
+                                      </p:cBhvr>
+                                      <p:to>
+                                        <p:strVal val="visible"/>
+                                      </p:to>
+                                    </p:set>
+                                    <p:animEffect transition="in" filter="fade">
+                                      <p:cBhvr>
+                                        <p:cTn id="27" dur="500"/>
+                                        <p:tgtEl>
+                                          <p:spTgt spid="3">
+                                            <p:txEl>
+                                              <p:pRg st="6" end="6"/>
+                                            </p:txEl>
+                                          </p:spTgt>
+                                        </p:tgtEl>
+                                      </p:cBhvr>
+                                    </p:animEffect>
+                                  </p:childTnLst>
+                                </p:cTn>
+                              </p:par>
+                            </p:childTnLst>
+                          </p:cTn>
+                        </p:par>
+                      </p:childTnLst>
+                    </p:cTn>
+                  </p:par>
+                  <p:par>
+                    <p:cTn id="28" fill="hold">
+                      <p:stCondLst>
+                        <p:cond delay="indefinite"/>
+                      </p:stCondLst>
+                      <p:childTnLst>
+                        <p:par>
+                          <p:cTn id="29" fill="hold">
+                            <p:stCondLst>
+                              <p:cond delay="0"/>
+                            </p:stCondLst>
+                            <p:childTnLst>
+                              <p:par>
+                                <p:cTn id="30" presetID="10" presetClass="entr" presetSubtype="0" fill="hold" nodeType="clickEffect">
+                                  <p:stCondLst>
+                                    <p:cond delay="0"/>
+                                  </p:stCondLst>
+                                  <p:childTnLst>
+                                    <p:set>
+                                      <p:cBhvr>
+                                        <p:cTn id="31" dur="1" fill="hold">
+                                          <p:stCondLst>
+                                            <p:cond delay="0"/>
+                                          </p:stCondLst>
+                                        </p:cTn>
+                                        <p:tgtEl>
+                                          <p:spTgt spid="3">
+                                            <p:txEl>
+                                              <p:pRg st="7" end="7"/>
+                                            </p:txEl>
+                                          </p:spTgt>
+                                        </p:tgtEl>
+                                        <p:attrNameLst>
+                                          <p:attrName>style.visibility</p:attrName>
+                                        </p:attrNameLst>
+                                      </p:cBhvr>
+                                      <p:to>
+                                        <p:strVal val="visible"/>
+                                      </p:to>
+                                    </p:set>
+                                    <p:animEffect transition="in" filter="fade">
+                                      <p:cBhvr>
+                                        <p:cTn id="32" dur="500"/>
+                                        <p:tgtEl>
+                                          <p:spTgt spid="3">
+                                            <p:txEl>
+                                              <p:pRg st="7" end="7"/>
+                                            </p:txEl>
+                                          </p:spTgt>
+                                        </p:tgtEl>
+                                      </p:cBhvr>
+                                    </p:animEffect>
+                                  </p:childTnLst>
+                                </p:cTn>
+                              </p:par>
+                            </p:childTnLst>
+                          </p:cTn>
+                        </p:par>
+                      </p:childTnLst>
+                    </p:cTn>
+                  </p:par>
+                  <p:par>
+                    <p:cTn id="33" fill="hold">
+                      <p:stCondLst>
+                        <p:cond delay="indefinite"/>
+                      </p:stCondLst>
+                      <p:childTnLst>
+                        <p:par>
+                          <p:cTn id="34" fill="hold">
+                            <p:stCondLst>
+                              <p:cond delay="0"/>
+                            </p:stCondLst>
+                            <p:childTnLst>
+                              <p:par>
+                                <p:cTn id="35" presetID="22" presetClass="entr" presetSubtype="8" fill="hold" nodeType="clickEffect">
+                                  <p:stCondLst>
+                                    <p:cond delay="0"/>
+                                  </p:stCondLst>
+                                  <p:childTnLst>
+                                    <p:set>
+                                      <p:cBhvr>
+                                        <p:cTn id="36" dur="1" fill="hold">
+                                          <p:stCondLst>
+                                            <p:cond delay="0"/>
+                                          </p:stCondLst>
+                                        </p:cTn>
+                                        <p:tgtEl>
+                                          <p:spTgt spid="5"/>
+                                        </p:tgtEl>
+                                        <p:attrNameLst>
+                                          <p:attrName>style.visibility</p:attrName>
+                                        </p:attrNameLst>
+                                      </p:cBhvr>
+                                      <p:to>
+                                        <p:strVal val="visible"/>
+                                      </p:to>
+                                    </p:set>
+                                    <p:animEffect transition="in" filter="wipe(left)">
+                                      <p:cBhvr>
+                                        <p:cTn id="37" dur="500"/>
+                                        <p:tgtEl>
+                                          <p:spTgt spid="5"/>
+                                        </p:tgtEl>
+                                      </p:cBhvr>
+                                    </p:animEffect>
+                                  </p:childTnLst>
+                                </p:cTn>
+                              </p:par>
+                            </p:childTnLst>
+                          </p:cTn>
+                        </p:par>
+                      </p:childTnLst>
+                    </p:cTn>
+                  </p:par>
+                </p:childTnLst>
+              </p:cTn>
+              <p:prevCondLst>
+                <p:cond evt="onPrev" delay="0">
+                  <p:tgtEl>
+                    <p:sldTgt/>
+                  </p:tgtEl>
+                </p:cond>
+              </p:prevCondLst>
+              <p:nextCondLst>
+                <p:cond evt="onNext" delay="0">
+                  <p:tgtEl>
+                    <p:sldTgt/>
+                  </p:tgtEl>
+                </p:cond>
+              </p:nextCondLst>
+            </p:seq>
+          </p:childTnLst>
+        </p:cTn>
+      </p:par>
+    </p:tnLst>
+  </p:timing>
+</p:sld>
+</file>
+
+<file path=ppt/slides/slide75.xml><?xml version="1.0" encoding="utf-8"?>
+<p:sld xmlns:a="http://schemas.openxmlformats.org/drawingml/2006/main" xmlns:r="http://schemas.openxmlformats.org/officeDocument/2006/relationships" xmlns:p="http://schemas.openxmlformats.org/presentationml/2006/main">
+  <p:cSld>
+    <p:spTree>
+      <p:nvGrpSpPr>
+        <p:cNvPr id="1" name=""/>
+        <p:cNvGrpSpPr/>
+        <p:nvPr/>
+      </p:nvGrpSpPr>
+      <p:grpSpPr>
+        <a:xfrm>
+          <a:off x="0" y="0"/>
+          <a:ext cx="0" cy="0"/>
+          <a:chOff x="0" y="0"/>
+          <a:chExt cx="0" cy="0"/>
+        </a:xfrm>
+      </p:grpSpPr>
+      <p:sp>
+        <p:nvSpPr>
+          <p:cNvPr id="2" name="Title 1">
+            <a:extLst>
+              <a:ext uri="{FF2B5EF4-FFF2-40B4-BE49-F238E27FC236}">
+                <a16:creationId xmlns:a16="http://schemas.microsoft.com/office/drawing/2014/main" id="{9EABEED5-25A0-3128-0400-DA2CCC928169}"/>
+              </a:ext>
+            </a:extLst>
+          </p:cNvPr>
+          <p:cNvSpPr>
+            <a:spLocks noGrp="1"/>
+          </p:cNvSpPr>
+          <p:nvPr>
+            <p:ph type="title"/>
+          </p:nvPr>
+        </p:nvSpPr>
+        <p:spPr/>
+        <p:txBody>
+          <a:bodyPr/>
+          <a:lstStyle/>
+          <a:p>
+            <a:r>
+              <a:rPr lang="en-US" dirty="0"/>
+              <a:t>What we are going to build</a:t>
+            </a:r>
+          </a:p>
+        </p:txBody>
+      </p:sp>
+      <p:pic>
+        <p:nvPicPr>
+          <p:cNvPr id="5" name="Content Placeholder 4">
+            <a:extLst>
+              <a:ext uri="{FF2B5EF4-FFF2-40B4-BE49-F238E27FC236}">
+                <a16:creationId xmlns:a16="http://schemas.microsoft.com/office/drawing/2014/main" id="{5263D7A1-A9DF-5ADE-A2EB-A884625EC33A}"/>
+              </a:ext>
+            </a:extLst>
+          </p:cNvPr>
+          <p:cNvPicPr>
+            <a:picLocks noGrp="1" noChangeAspect="1"/>
+          </p:cNvPicPr>
+          <p:nvPr>
+            <p:ph idx="1"/>
+          </p:nvPr>
+        </p:nvPicPr>
+        <p:blipFill>
+          <a:blip r:embed="rId2">
+            <a:extLst>
+              <a:ext uri="{28A0092B-C50C-407E-A947-70E740481C1C}">
+                <a14:useLocalDpi xmlns:a14="http://schemas.microsoft.com/office/drawing/2010/main" val="0"/>
+              </a:ext>
+            </a:extLst>
+          </a:blip>
+          <a:stretch>
+            <a:fillRect/>
+          </a:stretch>
+        </p:blipFill>
+        <p:spPr>
+          <a:xfrm>
+            <a:off x="2799047" y="1381760"/>
+            <a:ext cx="6593906" cy="4907280"/>
+          </a:xfrm>
+        </p:spPr>
+      </p:pic>
+    </p:spTree>
+    <p:extLst>
+      <p:ext uri="{BB962C8B-B14F-4D97-AF65-F5344CB8AC3E}">
+        <p14:creationId xmlns:p14="http://schemas.microsoft.com/office/powerpoint/2010/main" val="2978698210"/>
+      </p:ext>
+    </p:extLst>
+  </p:cSld>
+  <p:clrMapOvr>
+    <a:masterClrMapping/>
+  </p:clrMapOvr>
 </p:sld>
 </file>
 
